--- a/git_using.pptx
+++ b/git_using.pptx
@@ -26360,19 +26360,15 @@
           </a:p>
           <a:p>
             <a:r>
-              <a:rPr kumimoji="1" lang="ja-JP" altLang="en-US" sz="2000" smtClean="0"/>
+              <a:rPr kumimoji="1" lang="ja-JP" altLang="en-US" sz="2000" dirty="0" smtClean="0"/>
               <a:t>動かないファイル</a:t>
             </a:r>
             <a:r>
               <a:rPr kumimoji="1" lang="ja-JP" altLang="en-US" sz="2000" dirty="0"/>
-              <a:t>を</a:t>
-            </a:r>
-            <a:r>
-              <a:rPr kumimoji="1" lang="ja-JP" altLang="en-US" sz="2000"/>
-              <a:t>編集前</a:t>
-            </a:r>
-            <a:r>
-              <a:rPr kumimoji="1" lang="ja-JP" altLang="en-US" sz="2000" smtClean="0"/>
+              <a:t>を編集前</a:t>
+            </a:r>
+            <a:r>
+              <a:rPr kumimoji="1" lang="ja-JP" altLang="en-US" sz="2000" dirty="0" smtClean="0"/>
               <a:t>の動く状態</a:t>
             </a:r>
             <a:r>
@@ -26624,7 +26620,7 @@
           <a:p>
             <a:r>
               <a:rPr kumimoji="1" lang="en-US" altLang="ja-JP" dirty="0" err="1" smtClean="0"/>
-              <a:t>Git</a:t>
+              <a:t>git</a:t>
             </a:r>
             <a:r>
               <a:rPr kumimoji="1" lang="ja-JP" altLang="en-US" dirty="0" smtClean="0"/>

--- a/git_using.pptx
+++ b/git_using.pptx
@@ -12,7 +12,12 @@
     <p:sldId id="258" r:id="rId6"/>
     <p:sldId id="259" r:id="rId7"/>
     <p:sldId id="260" r:id="rId8"/>
-    <p:sldId id="261" r:id="rId9"/>
+    <p:sldId id="262" r:id="rId9"/>
+    <p:sldId id="263" r:id="rId10"/>
+    <p:sldId id="261" r:id="rId11"/>
+    <p:sldId id="264" r:id="rId12"/>
+    <p:sldId id="265" r:id="rId13"/>
+    <p:sldId id="266" r:id="rId14"/>
   </p:sldIdLst>
   <p:sldSz cx="12192000" cy="6858000"/>
   <p:notesSz cx="6858000" cy="9144000"/>
@@ -111,6 +116,11 @@
       </a:defRPr>
     </a:lvl9pPr>
   </p:defaultTextStyle>
+  <p:extLst>
+    <p:ext uri="{EFAFB233-063F-42B5-8137-9DF3F51BA10A}">
+      <p15:sldGuideLst xmlns:p15="http://schemas.microsoft.com/office/powerpoint/2012/main"/>
+    </p:ext>
+  </p:extLst>
 </p:presentation>
 </file>
 
@@ -473,7 +483,7 @@
           </a:lstStyle>
           <a:p>
             <a:r>
-              <a:rPr lang="ja-JP" altLang="en-US" smtClean="0"/>
+              <a:rPr lang="ja-JP" altLang="en-US"/>
               <a:t>マスター タイトルの書式設定</a:t>
             </a:r>
             <a:endParaRPr lang="en-US" dirty="0"/>
@@ -592,7 +602,7 @@
           </a:lstStyle>
           <a:p>
             <a:r>
-              <a:rPr lang="ja-JP" altLang="en-US" smtClean="0"/>
+              <a:rPr lang="ja-JP" altLang="en-US"/>
               <a:t>マスター サブタイトルの書式設定</a:t>
             </a:r>
             <a:endParaRPr lang="en-US" dirty="0"/>
@@ -616,7 +626,7 @@
           <a:p>
             <a:fld id="{42AF59CD-9B52-459E-8C08-9F139B94FE8C}" type="datetimeFigureOut">
               <a:rPr kumimoji="1" lang="ja-JP" altLang="en-US" smtClean="0"/>
-              <a:t>2019/9/24</a:t>
+              <a:t>2019/9/25</a:t>
             </a:fld>
             <a:endParaRPr kumimoji="1" lang="ja-JP" altLang="en-US"/>
           </a:p>
@@ -726,7 +736,7 @@
           </a:lstStyle>
           <a:p>
             <a:r>
-              <a:rPr lang="ja-JP" altLang="en-US" smtClean="0"/>
+              <a:rPr lang="ja-JP" altLang="en-US"/>
               <a:t>マスター タイトルの書式設定</a:t>
             </a:r>
             <a:endParaRPr lang="en-US" dirty="0"/>
@@ -821,7 +831,7 @@
           </a:lstStyle>
           <a:p>
             <a:r>
-              <a:rPr lang="ja-JP" altLang="en-US" smtClean="0"/>
+              <a:rPr lang="ja-JP" altLang="en-US"/>
               <a:t>図を追加</a:t>
             </a:r>
             <a:endParaRPr lang="en-US" dirty="0"/>
@@ -889,7 +899,7 @@
           <a:p>
             <a:pPr lvl="0"/>
             <a:r>
-              <a:rPr lang="ja-JP" altLang="en-US" smtClean="0"/>
+              <a:rPr lang="ja-JP" altLang="en-US"/>
               <a:t>マスター テキストの書式設定</a:t>
             </a:r>
           </a:p>
@@ -912,7 +922,7 @@
           <a:p>
             <a:fld id="{42AF59CD-9B52-459E-8C08-9F139B94FE8C}" type="datetimeFigureOut">
               <a:rPr kumimoji="1" lang="ja-JP" altLang="en-US" smtClean="0"/>
-              <a:t>2019/9/24</a:t>
+              <a:t>2019/9/25</a:t>
             </a:fld>
             <a:endParaRPr kumimoji="1" lang="ja-JP" altLang="en-US"/>
           </a:p>
@@ -1017,7 +1027,7 @@
           </a:lstStyle>
           <a:p>
             <a:r>
-              <a:rPr lang="ja-JP" altLang="en-US" smtClean="0"/>
+              <a:rPr lang="ja-JP" altLang="en-US"/>
               <a:t>マスター タイトルの書式設定</a:t>
             </a:r>
             <a:endParaRPr lang="en-US" dirty="0"/>
@@ -1137,7 +1147,7 @@
           <a:p>
             <a:pPr lvl="0"/>
             <a:r>
-              <a:rPr lang="ja-JP" altLang="en-US" smtClean="0"/>
+              <a:rPr lang="ja-JP" altLang="en-US"/>
               <a:t>マスター テキストの書式設定</a:t>
             </a:r>
           </a:p>
@@ -1160,7 +1170,7 @@
           <a:p>
             <a:fld id="{42AF59CD-9B52-459E-8C08-9F139B94FE8C}" type="datetimeFigureOut">
               <a:rPr kumimoji="1" lang="ja-JP" altLang="en-US" smtClean="0"/>
-              <a:t>2019/9/24</a:t>
+              <a:t>2019/9/25</a:t>
             </a:fld>
             <a:endParaRPr kumimoji="1" lang="ja-JP" altLang="en-US"/>
           </a:p>
@@ -1501,7 +1511,7 @@
           </a:lstStyle>
           <a:p>
             <a:r>
-              <a:rPr lang="ja-JP" altLang="en-US" smtClean="0"/>
+              <a:rPr lang="ja-JP" altLang="en-US"/>
               <a:t>マスター タイトルの書式設定</a:t>
             </a:r>
             <a:endParaRPr lang="en-US" dirty="0"/>
@@ -1558,7 +1568,7 @@
           <a:p>
             <a:pPr lvl="0"/>
             <a:r>
-              <a:rPr lang="ja-JP" altLang="en-US" smtClean="0"/>
+              <a:rPr lang="ja-JP" altLang="en-US"/>
               <a:t>マスター テキストの書式設定</a:t>
             </a:r>
           </a:p>
@@ -1677,7 +1687,7 @@
           <a:p>
             <a:pPr lvl="0"/>
             <a:r>
-              <a:rPr lang="ja-JP" altLang="en-US" smtClean="0"/>
+              <a:rPr lang="ja-JP" altLang="en-US"/>
               <a:t>マスター テキストの書式設定</a:t>
             </a:r>
           </a:p>
@@ -1700,7 +1710,7 @@
           <a:p>
             <a:fld id="{42AF59CD-9B52-459E-8C08-9F139B94FE8C}" type="datetimeFigureOut">
               <a:rPr kumimoji="1" lang="ja-JP" altLang="en-US" smtClean="0"/>
-              <a:t>2019/9/24</a:t>
+              <a:t>2019/9/25</a:t>
             </a:fld>
             <a:endParaRPr kumimoji="1" lang="ja-JP" altLang="en-US"/>
           </a:p>
@@ -1805,7 +1815,7 @@
           </a:lstStyle>
           <a:p>
             <a:r>
-              <a:rPr lang="ja-JP" altLang="en-US" smtClean="0"/>
+              <a:rPr lang="ja-JP" altLang="en-US"/>
               <a:t>マスター タイトルの書式設定</a:t>
             </a:r>
             <a:endParaRPr lang="en-US" dirty="0"/>
@@ -1925,7 +1935,7 @@
           <a:p>
             <a:pPr lvl="0"/>
             <a:r>
-              <a:rPr lang="ja-JP" altLang="en-US" smtClean="0"/>
+              <a:rPr lang="ja-JP" altLang="en-US"/>
               <a:t>マスター テキストの書式設定</a:t>
             </a:r>
           </a:p>
@@ -1948,7 +1958,7 @@
           <a:p>
             <a:fld id="{42AF59CD-9B52-459E-8C08-9F139B94FE8C}" type="datetimeFigureOut">
               <a:rPr kumimoji="1" lang="ja-JP" altLang="en-US" smtClean="0"/>
-              <a:t>2019/9/24</a:t>
+              <a:t>2019/9/25</a:t>
             </a:fld>
             <a:endParaRPr kumimoji="1" lang="ja-JP" altLang="en-US"/>
           </a:p>
@@ -2289,7 +2299,7 @@
           </a:lstStyle>
           <a:p>
             <a:r>
-              <a:rPr lang="ja-JP" altLang="en-US" smtClean="0"/>
+              <a:rPr lang="ja-JP" altLang="en-US"/>
               <a:t>マスター タイトルの書式設定</a:t>
             </a:r>
             <a:endParaRPr lang="en-US" dirty="0"/>
@@ -2338,7 +2348,7 @@
               <a:buNone/>
             </a:pPr>
             <a:r>
-              <a:rPr lang="ja-JP" altLang="en-US" smtClean="0"/>
+              <a:rPr lang="ja-JP" altLang="en-US"/>
               <a:t>マスター テキストの書式設定</a:t>
             </a:r>
           </a:p>
@@ -2457,7 +2467,7 @@
           <a:p>
             <a:pPr lvl="0"/>
             <a:r>
-              <a:rPr lang="ja-JP" altLang="en-US" smtClean="0"/>
+              <a:rPr lang="ja-JP" altLang="en-US"/>
               <a:t>マスター テキストの書式設定</a:t>
             </a:r>
           </a:p>
@@ -2480,7 +2490,7 @@
           <a:p>
             <a:fld id="{42AF59CD-9B52-459E-8C08-9F139B94FE8C}" type="datetimeFigureOut">
               <a:rPr kumimoji="1" lang="ja-JP" altLang="en-US" smtClean="0"/>
-              <a:t>2019/9/24</a:t>
+              <a:t>2019/9/25</a:t>
             </a:fld>
             <a:endParaRPr kumimoji="1" lang="ja-JP" altLang="en-US"/>
           </a:p>
@@ -2586,7 +2596,7 @@
           <a:p>
             <a:pPr marL="0" lvl="0"/>
             <a:r>
-              <a:rPr lang="ja-JP" altLang="en-US" smtClean="0"/>
+              <a:rPr lang="ja-JP" altLang="en-US"/>
               <a:t>マスター タイトルの書式設定</a:t>
             </a:r>
             <a:endParaRPr lang="en-US" dirty="0"/>
@@ -2635,7 +2645,7 @@
               <a:buNone/>
             </a:pPr>
             <a:r>
-              <a:rPr lang="ja-JP" altLang="en-US" smtClean="0"/>
+              <a:rPr lang="ja-JP" altLang="en-US"/>
               <a:t>マスター テキストの書式設定</a:t>
             </a:r>
           </a:p>
@@ -2754,7 +2764,7 @@
           <a:p>
             <a:pPr lvl="0"/>
             <a:r>
-              <a:rPr lang="ja-JP" altLang="en-US" smtClean="0"/>
+              <a:rPr lang="ja-JP" altLang="en-US"/>
               <a:t>マスター テキストの書式設定</a:t>
             </a:r>
           </a:p>
@@ -2777,7 +2787,7 @@
           <a:p>
             <a:fld id="{42AF59CD-9B52-459E-8C08-9F139B94FE8C}" type="datetimeFigureOut">
               <a:rPr kumimoji="1" lang="ja-JP" altLang="en-US" smtClean="0"/>
-              <a:t>2019/9/24</a:t>
+              <a:t>2019/9/25</a:t>
             </a:fld>
             <a:endParaRPr kumimoji="1" lang="ja-JP" altLang="en-US"/>
           </a:p>
@@ -2875,7 +2885,7 @@
           </a:lstStyle>
           <a:p>
             <a:r>
-              <a:rPr lang="ja-JP" altLang="en-US" smtClean="0"/>
+              <a:rPr lang="ja-JP" altLang="en-US"/>
               <a:t>マスター タイトルの書式設定</a:t>
             </a:r>
             <a:endParaRPr lang="en-US" dirty="0"/>
@@ -2899,67 +2909,67 @@
           <a:p>
             <a:pPr lvl="0"/>
             <a:r>
-              <a:rPr lang="ja-JP" altLang="en-US" smtClean="0"/>
+              <a:rPr lang="ja-JP" altLang="en-US"/>
               <a:t>マスター テキストの書式設定</a:t>
             </a:r>
           </a:p>
           <a:p>
             <a:pPr lvl="1"/>
             <a:r>
-              <a:rPr lang="ja-JP" altLang="en-US" smtClean="0"/>
+              <a:rPr lang="ja-JP" altLang="en-US"/>
               <a:t>第 </a:t>
             </a:r>
             <a:r>
-              <a:rPr lang="en-US" altLang="ja-JP" smtClean="0"/>
+              <a:rPr lang="en-US" altLang="ja-JP"/>
               <a:t>2 </a:t>
             </a:r>
             <a:r>
-              <a:rPr lang="ja-JP" altLang="en-US" smtClean="0"/>
+              <a:rPr lang="ja-JP" altLang="en-US"/>
               <a:t>レベル</a:t>
             </a:r>
           </a:p>
           <a:p>
             <a:pPr lvl="2"/>
             <a:r>
-              <a:rPr lang="ja-JP" altLang="en-US" smtClean="0"/>
+              <a:rPr lang="ja-JP" altLang="en-US"/>
               <a:t>第 </a:t>
             </a:r>
             <a:r>
-              <a:rPr lang="en-US" altLang="ja-JP" smtClean="0"/>
+              <a:rPr lang="en-US" altLang="ja-JP"/>
               <a:t>3 </a:t>
             </a:r>
             <a:r>
-              <a:rPr lang="ja-JP" altLang="en-US" smtClean="0"/>
+              <a:rPr lang="ja-JP" altLang="en-US"/>
               <a:t>レベル</a:t>
             </a:r>
           </a:p>
           <a:p>
             <a:pPr lvl="3"/>
             <a:r>
-              <a:rPr lang="ja-JP" altLang="en-US" smtClean="0"/>
+              <a:rPr lang="ja-JP" altLang="en-US"/>
               <a:t>第 </a:t>
             </a:r>
             <a:r>
-              <a:rPr lang="en-US" altLang="ja-JP" smtClean="0"/>
+              <a:rPr lang="en-US" altLang="ja-JP"/>
               <a:t>4 </a:t>
             </a:r>
             <a:r>
-              <a:rPr lang="ja-JP" altLang="en-US" smtClean="0"/>
+              <a:rPr lang="ja-JP" altLang="en-US"/>
               <a:t>レベル</a:t>
             </a:r>
           </a:p>
           <a:p>
             <a:pPr lvl="4"/>
             <a:r>
-              <a:rPr lang="ja-JP" altLang="en-US" smtClean="0"/>
+              <a:rPr lang="ja-JP" altLang="en-US"/>
               <a:t>第 </a:t>
             </a:r>
             <a:r>
-              <a:rPr lang="en-US" altLang="ja-JP" smtClean="0"/>
+              <a:rPr lang="en-US" altLang="ja-JP"/>
               <a:t>5 </a:t>
             </a:r>
             <a:r>
-              <a:rPr lang="ja-JP" altLang="en-US" smtClean="0"/>
+              <a:rPr lang="ja-JP" altLang="en-US"/>
               <a:t>レベル</a:t>
             </a:r>
             <a:endParaRPr lang="en-US" dirty="0"/>
@@ -2983,7 +2993,7 @@
           <a:p>
             <a:fld id="{42AF59CD-9B52-459E-8C08-9F139B94FE8C}" type="datetimeFigureOut">
               <a:rPr kumimoji="1" lang="ja-JP" altLang="en-US" smtClean="0"/>
-              <a:t>2019/9/24</a:t>
+              <a:t>2019/9/25</a:t>
             </a:fld>
             <a:endParaRPr kumimoji="1" lang="ja-JP" altLang="en-US"/>
           </a:p>
@@ -3082,7 +3092,7 @@
           <a:lstStyle/>
           <a:p>
             <a:r>
-              <a:rPr lang="ja-JP" altLang="en-US" smtClean="0"/>
+              <a:rPr lang="ja-JP" altLang="en-US"/>
               <a:t>マスター タイトルの書式設定</a:t>
             </a:r>
             <a:endParaRPr lang="en-US" dirty="0"/>
@@ -3111,67 +3121,67 @@
           <a:p>
             <a:pPr lvl="0"/>
             <a:r>
-              <a:rPr lang="ja-JP" altLang="en-US" smtClean="0"/>
+              <a:rPr lang="ja-JP" altLang="en-US"/>
               <a:t>マスター テキストの書式設定</a:t>
             </a:r>
           </a:p>
           <a:p>
             <a:pPr lvl="1"/>
             <a:r>
-              <a:rPr lang="ja-JP" altLang="en-US" smtClean="0"/>
+              <a:rPr lang="ja-JP" altLang="en-US"/>
               <a:t>第 </a:t>
             </a:r>
             <a:r>
-              <a:rPr lang="en-US" altLang="ja-JP" smtClean="0"/>
+              <a:rPr lang="en-US" altLang="ja-JP"/>
               <a:t>2 </a:t>
             </a:r>
             <a:r>
-              <a:rPr lang="ja-JP" altLang="en-US" smtClean="0"/>
+              <a:rPr lang="ja-JP" altLang="en-US"/>
               <a:t>レベル</a:t>
             </a:r>
           </a:p>
           <a:p>
             <a:pPr lvl="2"/>
             <a:r>
-              <a:rPr lang="ja-JP" altLang="en-US" smtClean="0"/>
+              <a:rPr lang="ja-JP" altLang="en-US"/>
               <a:t>第 </a:t>
             </a:r>
             <a:r>
-              <a:rPr lang="en-US" altLang="ja-JP" smtClean="0"/>
+              <a:rPr lang="en-US" altLang="ja-JP"/>
               <a:t>3 </a:t>
             </a:r>
             <a:r>
-              <a:rPr lang="ja-JP" altLang="en-US" smtClean="0"/>
+              <a:rPr lang="ja-JP" altLang="en-US"/>
               <a:t>レベル</a:t>
             </a:r>
           </a:p>
           <a:p>
             <a:pPr lvl="3"/>
             <a:r>
-              <a:rPr lang="ja-JP" altLang="en-US" smtClean="0"/>
+              <a:rPr lang="ja-JP" altLang="en-US"/>
               <a:t>第 </a:t>
             </a:r>
             <a:r>
-              <a:rPr lang="en-US" altLang="ja-JP" smtClean="0"/>
+              <a:rPr lang="en-US" altLang="ja-JP"/>
               <a:t>4 </a:t>
             </a:r>
             <a:r>
-              <a:rPr lang="ja-JP" altLang="en-US" smtClean="0"/>
+              <a:rPr lang="ja-JP" altLang="en-US"/>
               <a:t>レベル</a:t>
             </a:r>
           </a:p>
           <a:p>
             <a:pPr lvl="4"/>
             <a:r>
-              <a:rPr lang="ja-JP" altLang="en-US" smtClean="0"/>
+              <a:rPr lang="ja-JP" altLang="en-US"/>
               <a:t>第 </a:t>
             </a:r>
             <a:r>
-              <a:rPr lang="en-US" altLang="ja-JP" smtClean="0"/>
+              <a:rPr lang="en-US" altLang="ja-JP"/>
               <a:t>5 </a:t>
             </a:r>
             <a:r>
-              <a:rPr lang="ja-JP" altLang="en-US" smtClean="0"/>
+              <a:rPr lang="ja-JP" altLang="en-US"/>
               <a:t>レベル</a:t>
             </a:r>
             <a:endParaRPr lang="en-US" dirty="0"/>
@@ -3195,7 +3205,7 @@
           <a:p>
             <a:fld id="{42AF59CD-9B52-459E-8C08-9F139B94FE8C}" type="datetimeFigureOut">
               <a:rPr kumimoji="1" lang="ja-JP" altLang="en-US" smtClean="0"/>
-              <a:t>2019/9/24</a:t>
+              <a:t>2019/9/25</a:t>
             </a:fld>
             <a:endParaRPr kumimoji="1" lang="ja-JP" altLang="en-US"/>
           </a:p>
@@ -3432,7 +3442,7 @@
           </a:lstStyle>
           <a:p>
             <a:r>
-              <a:rPr lang="ja-JP" altLang="en-US" smtClean="0"/>
+              <a:rPr lang="ja-JP" altLang="en-US"/>
               <a:t>マスター タイトルの書式設定</a:t>
             </a:r>
             <a:endParaRPr lang="en-US" dirty="0"/>
@@ -3552,7 +3562,7 @@
           </a:lstStyle>
           <a:p>
             <a:r>
-              <a:rPr lang="ja-JP" altLang="en-US" smtClean="0"/>
+              <a:rPr lang="ja-JP" altLang="en-US"/>
               <a:t>マスター サブタイトルの書式設定</a:t>
             </a:r>
             <a:endParaRPr lang="en-US" dirty="0"/>
@@ -3591,7 +3601,7 @@
           <a:p>
             <a:fld id="{42AF59CD-9B52-459E-8C08-9F139B94FE8C}" type="datetimeFigureOut">
               <a:rPr kumimoji="1" lang="ja-JP" altLang="en-US" smtClean="0"/>
-              <a:t>2019/9/24</a:t>
+              <a:t>2019/9/25</a:t>
             </a:fld>
             <a:endParaRPr kumimoji="1" lang="ja-JP" altLang="en-US"/>
           </a:p>
@@ -3741,7 +3751,7 @@
           <a:lstStyle/>
           <a:p>
             <a:r>
-              <a:rPr lang="ja-JP" altLang="en-US" smtClean="0"/>
+              <a:rPr lang="ja-JP" altLang="en-US"/>
               <a:t>マスター タイトルの書式設定</a:t>
             </a:r>
             <a:endParaRPr lang="en-US" dirty="0"/>
@@ -3770,67 +3780,67 @@
           <a:p>
             <a:pPr lvl="0"/>
             <a:r>
-              <a:rPr lang="ja-JP" altLang="en-US" smtClean="0"/>
+              <a:rPr lang="ja-JP" altLang="en-US"/>
               <a:t>マスター テキストの書式設定</a:t>
             </a:r>
           </a:p>
           <a:p>
             <a:pPr lvl="1"/>
             <a:r>
-              <a:rPr lang="ja-JP" altLang="en-US" smtClean="0"/>
+              <a:rPr lang="ja-JP" altLang="en-US"/>
               <a:t>第 </a:t>
             </a:r>
             <a:r>
-              <a:rPr lang="en-US" altLang="ja-JP" smtClean="0"/>
+              <a:rPr lang="en-US" altLang="ja-JP"/>
               <a:t>2 </a:t>
             </a:r>
             <a:r>
-              <a:rPr lang="ja-JP" altLang="en-US" smtClean="0"/>
+              <a:rPr lang="ja-JP" altLang="en-US"/>
               <a:t>レベル</a:t>
             </a:r>
           </a:p>
           <a:p>
             <a:pPr lvl="2"/>
             <a:r>
-              <a:rPr lang="ja-JP" altLang="en-US" smtClean="0"/>
+              <a:rPr lang="ja-JP" altLang="en-US"/>
               <a:t>第 </a:t>
             </a:r>
             <a:r>
-              <a:rPr lang="en-US" altLang="ja-JP" smtClean="0"/>
+              <a:rPr lang="en-US" altLang="ja-JP"/>
               <a:t>3 </a:t>
             </a:r>
             <a:r>
-              <a:rPr lang="ja-JP" altLang="en-US" smtClean="0"/>
+              <a:rPr lang="ja-JP" altLang="en-US"/>
               <a:t>レベル</a:t>
             </a:r>
           </a:p>
           <a:p>
             <a:pPr lvl="3"/>
             <a:r>
-              <a:rPr lang="ja-JP" altLang="en-US" smtClean="0"/>
+              <a:rPr lang="ja-JP" altLang="en-US"/>
               <a:t>第 </a:t>
             </a:r>
             <a:r>
-              <a:rPr lang="en-US" altLang="ja-JP" smtClean="0"/>
+              <a:rPr lang="en-US" altLang="ja-JP"/>
               <a:t>4 </a:t>
             </a:r>
             <a:r>
-              <a:rPr lang="ja-JP" altLang="en-US" smtClean="0"/>
+              <a:rPr lang="ja-JP" altLang="en-US"/>
               <a:t>レベル</a:t>
             </a:r>
           </a:p>
           <a:p>
             <a:pPr lvl="4"/>
             <a:r>
-              <a:rPr lang="ja-JP" altLang="en-US" smtClean="0"/>
+              <a:rPr lang="ja-JP" altLang="en-US"/>
               <a:t>第 </a:t>
             </a:r>
             <a:r>
-              <a:rPr lang="en-US" altLang="ja-JP" smtClean="0"/>
+              <a:rPr lang="en-US" altLang="ja-JP"/>
               <a:t>5 </a:t>
             </a:r>
             <a:r>
-              <a:rPr lang="ja-JP" altLang="en-US" smtClean="0"/>
+              <a:rPr lang="ja-JP" altLang="en-US"/>
               <a:t>レベル</a:t>
             </a:r>
             <a:endParaRPr lang="en-US" dirty="0"/>
@@ -3854,7 +3864,7 @@
           <a:p>
             <a:fld id="{42AF59CD-9B52-459E-8C08-9F139B94FE8C}" type="datetimeFigureOut">
               <a:rPr kumimoji="1" lang="ja-JP" altLang="en-US" smtClean="0"/>
-              <a:t>2019/9/24</a:t>
+              <a:t>2019/9/25</a:t>
             </a:fld>
             <a:endParaRPr kumimoji="1" lang="ja-JP" altLang="en-US"/>
           </a:p>
@@ -3948,7 +3958,7 @@
           <a:lstStyle/>
           <a:p>
             <a:r>
-              <a:rPr lang="ja-JP" altLang="en-US" smtClean="0"/>
+              <a:rPr lang="ja-JP" altLang="en-US"/>
               <a:t>マスター タイトルの書式設定</a:t>
             </a:r>
             <a:endParaRPr lang="en-US" dirty="0"/>
@@ -3972,67 +3982,67 @@
           <a:p>
             <a:pPr lvl="0"/>
             <a:r>
-              <a:rPr lang="ja-JP" altLang="en-US" smtClean="0"/>
+              <a:rPr lang="ja-JP" altLang="en-US"/>
               <a:t>マスター テキストの書式設定</a:t>
             </a:r>
           </a:p>
           <a:p>
             <a:pPr lvl="1"/>
             <a:r>
-              <a:rPr lang="ja-JP" altLang="en-US" smtClean="0"/>
+              <a:rPr lang="ja-JP" altLang="en-US"/>
               <a:t>第 </a:t>
             </a:r>
             <a:r>
-              <a:rPr lang="en-US" altLang="ja-JP" smtClean="0"/>
+              <a:rPr lang="en-US" altLang="ja-JP"/>
               <a:t>2 </a:t>
             </a:r>
             <a:r>
-              <a:rPr lang="ja-JP" altLang="en-US" smtClean="0"/>
+              <a:rPr lang="ja-JP" altLang="en-US"/>
               <a:t>レベル</a:t>
             </a:r>
           </a:p>
           <a:p>
             <a:pPr lvl="2"/>
             <a:r>
-              <a:rPr lang="ja-JP" altLang="en-US" smtClean="0"/>
+              <a:rPr lang="ja-JP" altLang="en-US"/>
               <a:t>第 </a:t>
             </a:r>
             <a:r>
-              <a:rPr lang="en-US" altLang="ja-JP" smtClean="0"/>
+              <a:rPr lang="en-US" altLang="ja-JP"/>
               <a:t>3 </a:t>
             </a:r>
             <a:r>
-              <a:rPr lang="ja-JP" altLang="en-US" smtClean="0"/>
+              <a:rPr lang="ja-JP" altLang="en-US"/>
               <a:t>レベル</a:t>
             </a:r>
           </a:p>
           <a:p>
             <a:pPr lvl="3"/>
             <a:r>
-              <a:rPr lang="ja-JP" altLang="en-US" smtClean="0"/>
+              <a:rPr lang="ja-JP" altLang="en-US"/>
               <a:t>第 </a:t>
             </a:r>
             <a:r>
-              <a:rPr lang="en-US" altLang="ja-JP" smtClean="0"/>
+              <a:rPr lang="en-US" altLang="ja-JP"/>
               <a:t>4 </a:t>
             </a:r>
             <a:r>
-              <a:rPr lang="ja-JP" altLang="en-US" smtClean="0"/>
+              <a:rPr lang="ja-JP" altLang="en-US"/>
               <a:t>レベル</a:t>
             </a:r>
           </a:p>
           <a:p>
             <a:pPr lvl="4"/>
             <a:r>
-              <a:rPr lang="ja-JP" altLang="en-US" smtClean="0"/>
+              <a:rPr lang="ja-JP" altLang="en-US"/>
               <a:t>第 </a:t>
             </a:r>
             <a:r>
-              <a:rPr lang="en-US" altLang="ja-JP" smtClean="0"/>
+              <a:rPr lang="en-US" altLang="ja-JP"/>
               <a:t>5 </a:t>
             </a:r>
             <a:r>
-              <a:rPr lang="ja-JP" altLang="en-US" smtClean="0"/>
+              <a:rPr lang="ja-JP" altLang="en-US"/>
               <a:t>レベル</a:t>
             </a:r>
             <a:endParaRPr lang="en-US" dirty="0"/>
@@ -4056,7 +4066,7 @@
           <a:p>
             <a:fld id="{42AF59CD-9B52-459E-8C08-9F139B94FE8C}" type="datetimeFigureOut">
               <a:rPr kumimoji="1" lang="ja-JP" altLang="en-US" smtClean="0"/>
-              <a:t>2019/9/24</a:t>
+              <a:t>2019/9/25</a:t>
             </a:fld>
             <a:endParaRPr kumimoji="1" lang="ja-JP" altLang="en-US"/>
           </a:p>
@@ -4951,7 +4961,7 @@
           </a:lstStyle>
           <a:p>
             <a:r>
-              <a:rPr lang="ja-JP" altLang="en-US" smtClean="0"/>
+              <a:rPr lang="ja-JP" altLang="en-US"/>
               <a:t>マスター タイトルの書式設定</a:t>
             </a:r>
             <a:endParaRPr lang="en-US" dirty="0"/>
@@ -5072,7 +5082,7 @@
           <a:p>
             <a:pPr lvl="0"/>
             <a:r>
-              <a:rPr lang="ja-JP" altLang="en-US" smtClean="0"/>
+              <a:rPr lang="ja-JP" altLang="en-US"/>
               <a:t>マスター テキストの書式設定</a:t>
             </a:r>
           </a:p>
@@ -5095,7 +5105,7 @@
           <a:p>
             <a:fld id="{42AF59CD-9B52-459E-8C08-9F139B94FE8C}" type="datetimeFigureOut">
               <a:rPr kumimoji="1" lang="ja-JP" altLang="en-US" smtClean="0"/>
-              <a:t>2019/9/24</a:t>
+              <a:t>2019/9/25</a:t>
             </a:fld>
             <a:endParaRPr kumimoji="1" lang="ja-JP" altLang="en-US"/>
           </a:p>
@@ -5225,7 +5235,7 @@
           <a:lstStyle/>
           <a:p>
             <a:r>
-              <a:rPr lang="ja-JP" altLang="en-US" smtClean="0"/>
+              <a:rPr lang="ja-JP" altLang="en-US"/>
               <a:t>マスター タイトルの書式設定</a:t>
             </a:r>
             <a:endParaRPr lang="en-US" dirty="0"/>
@@ -5256,67 +5266,67 @@
           <a:p>
             <a:pPr lvl="0"/>
             <a:r>
-              <a:rPr lang="ja-JP" altLang="en-US" smtClean="0"/>
+              <a:rPr lang="ja-JP" altLang="en-US"/>
               <a:t>マスター テキストの書式設定</a:t>
             </a:r>
           </a:p>
           <a:p>
             <a:pPr lvl="1"/>
             <a:r>
-              <a:rPr lang="ja-JP" altLang="en-US" smtClean="0"/>
+              <a:rPr lang="ja-JP" altLang="en-US"/>
               <a:t>第 </a:t>
             </a:r>
             <a:r>
-              <a:rPr lang="en-US" altLang="ja-JP" smtClean="0"/>
+              <a:rPr lang="en-US" altLang="ja-JP"/>
               <a:t>2 </a:t>
             </a:r>
             <a:r>
-              <a:rPr lang="ja-JP" altLang="en-US" smtClean="0"/>
+              <a:rPr lang="ja-JP" altLang="en-US"/>
               <a:t>レベル</a:t>
             </a:r>
           </a:p>
           <a:p>
             <a:pPr lvl="2"/>
             <a:r>
-              <a:rPr lang="ja-JP" altLang="en-US" smtClean="0"/>
+              <a:rPr lang="ja-JP" altLang="en-US"/>
               <a:t>第 </a:t>
             </a:r>
             <a:r>
-              <a:rPr lang="en-US" altLang="ja-JP" smtClean="0"/>
+              <a:rPr lang="en-US" altLang="ja-JP"/>
               <a:t>3 </a:t>
             </a:r>
             <a:r>
-              <a:rPr lang="ja-JP" altLang="en-US" smtClean="0"/>
+              <a:rPr lang="ja-JP" altLang="en-US"/>
               <a:t>レベル</a:t>
             </a:r>
           </a:p>
           <a:p>
             <a:pPr lvl="3"/>
             <a:r>
-              <a:rPr lang="ja-JP" altLang="en-US" smtClean="0"/>
+              <a:rPr lang="ja-JP" altLang="en-US"/>
               <a:t>第 </a:t>
             </a:r>
             <a:r>
-              <a:rPr lang="en-US" altLang="ja-JP" smtClean="0"/>
+              <a:rPr lang="en-US" altLang="ja-JP"/>
               <a:t>4 </a:t>
             </a:r>
             <a:r>
-              <a:rPr lang="ja-JP" altLang="en-US" smtClean="0"/>
+              <a:rPr lang="ja-JP" altLang="en-US"/>
               <a:t>レベル</a:t>
             </a:r>
           </a:p>
           <a:p>
             <a:pPr lvl="4"/>
             <a:r>
-              <a:rPr lang="ja-JP" altLang="en-US" smtClean="0"/>
+              <a:rPr lang="ja-JP" altLang="en-US"/>
               <a:t>第 </a:t>
             </a:r>
             <a:r>
-              <a:rPr lang="en-US" altLang="ja-JP" smtClean="0"/>
+              <a:rPr lang="en-US" altLang="ja-JP"/>
               <a:t>5 </a:t>
             </a:r>
             <a:r>
-              <a:rPr lang="ja-JP" altLang="en-US" smtClean="0"/>
+              <a:rPr lang="ja-JP" altLang="en-US"/>
               <a:t>レベル</a:t>
             </a:r>
             <a:endParaRPr lang="en-US" dirty="0"/>
@@ -5347,67 +5357,67 @@
           <a:p>
             <a:pPr lvl="0"/>
             <a:r>
-              <a:rPr lang="ja-JP" altLang="en-US" smtClean="0"/>
+              <a:rPr lang="ja-JP" altLang="en-US"/>
               <a:t>マスター テキストの書式設定</a:t>
             </a:r>
           </a:p>
           <a:p>
             <a:pPr lvl="1"/>
             <a:r>
-              <a:rPr lang="ja-JP" altLang="en-US" smtClean="0"/>
+              <a:rPr lang="ja-JP" altLang="en-US"/>
               <a:t>第 </a:t>
             </a:r>
             <a:r>
-              <a:rPr lang="en-US" altLang="ja-JP" smtClean="0"/>
+              <a:rPr lang="en-US" altLang="ja-JP"/>
               <a:t>2 </a:t>
             </a:r>
             <a:r>
-              <a:rPr lang="ja-JP" altLang="en-US" smtClean="0"/>
+              <a:rPr lang="ja-JP" altLang="en-US"/>
               <a:t>レベル</a:t>
             </a:r>
           </a:p>
           <a:p>
             <a:pPr lvl="2"/>
             <a:r>
-              <a:rPr lang="ja-JP" altLang="en-US" smtClean="0"/>
+              <a:rPr lang="ja-JP" altLang="en-US"/>
               <a:t>第 </a:t>
             </a:r>
             <a:r>
-              <a:rPr lang="en-US" altLang="ja-JP" smtClean="0"/>
+              <a:rPr lang="en-US" altLang="ja-JP"/>
               <a:t>3 </a:t>
             </a:r>
             <a:r>
-              <a:rPr lang="ja-JP" altLang="en-US" smtClean="0"/>
+              <a:rPr lang="ja-JP" altLang="en-US"/>
               <a:t>レベル</a:t>
             </a:r>
           </a:p>
           <a:p>
             <a:pPr lvl="3"/>
             <a:r>
-              <a:rPr lang="ja-JP" altLang="en-US" smtClean="0"/>
+              <a:rPr lang="ja-JP" altLang="en-US"/>
               <a:t>第 </a:t>
             </a:r>
             <a:r>
-              <a:rPr lang="en-US" altLang="ja-JP" smtClean="0"/>
+              <a:rPr lang="en-US" altLang="ja-JP"/>
               <a:t>4 </a:t>
             </a:r>
             <a:r>
-              <a:rPr lang="ja-JP" altLang="en-US" smtClean="0"/>
+              <a:rPr lang="ja-JP" altLang="en-US"/>
               <a:t>レベル</a:t>
             </a:r>
           </a:p>
           <a:p>
             <a:pPr lvl="4"/>
             <a:r>
-              <a:rPr lang="ja-JP" altLang="en-US" smtClean="0"/>
+              <a:rPr lang="ja-JP" altLang="en-US"/>
               <a:t>第 </a:t>
             </a:r>
             <a:r>
-              <a:rPr lang="en-US" altLang="ja-JP" smtClean="0"/>
+              <a:rPr lang="en-US" altLang="ja-JP"/>
               <a:t>5 </a:t>
             </a:r>
             <a:r>
-              <a:rPr lang="ja-JP" altLang="en-US" smtClean="0"/>
+              <a:rPr lang="ja-JP" altLang="en-US"/>
               <a:t>レベル</a:t>
             </a:r>
             <a:endParaRPr lang="en-US" dirty="0"/>
@@ -5431,7 +5441,7 @@
           <a:p>
             <a:fld id="{42AF59CD-9B52-459E-8C08-9F139B94FE8C}" type="datetimeFigureOut">
               <a:rPr kumimoji="1" lang="ja-JP" altLang="en-US" smtClean="0"/>
-              <a:t>2019/9/24</a:t>
+              <a:t>2019/9/25</a:t>
             </a:fld>
             <a:endParaRPr kumimoji="1" lang="ja-JP" altLang="en-US"/>
           </a:p>
@@ -5529,7 +5539,7 @@
           </a:lstStyle>
           <a:p>
             <a:r>
-              <a:rPr lang="ja-JP" altLang="en-US" smtClean="0"/>
+              <a:rPr lang="ja-JP" altLang="en-US"/>
               <a:t>マスター タイトルの書式設定</a:t>
             </a:r>
             <a:endParaRPr lang="en-US" dirty="0"/>
@@ -5601,7 +5611,7 @@
           <a:p>
             <a:pPr lvl="0"/>
             <a:r>
-              <a:rPr lang="ja-JP" altLang="en-US" smtClean="0"/>
+              <a:rPr lang="ja-JP" altLang="en-US"/>
               <a:t>マスター テキストの書式設定</a:t>
             </a:r>
           </a:p>
@@ -5631,67 +5641,67 @@
           <a:p>
             <a:pPr lvl="0"/>
             <a:r>
-              <a:rPr lang="ja-JP" altLang="en-US" smtClean="0"/>
+              <a:rPr lang="ja-JP" altLang="en-US"/>
               <a:t>マスター テキストの書式設定</a:t>
             </a:r>
           </a:p>
           <a:p>
             <a:pPr lvl="1"/>
             <a:r>
-              <a:rPr lang="ja-JP" altLang="en-US" smtClean="0"/>
+              <a:rPr lang="ja-JP" altLang="en-US"/>
               <a:t>第 </a:t>
             </a:r>
             <a:r>
-              <a:rPr lang="en-US" altLang="ja-JP" smtClean="0"/>
+              <a:rPr lang="en-US" altLang="ja-JP"/>
               <a:t>2 </a:t>
             </a:r>
             <a:r>
-              <a:rPr lang="ja-JP" altLang="en-US" smtClean="0"/>
+              <a:rPr lang="ja-JP" altLang="en-US"/>
               <a:t>レベル</a:t>
             </a:r>
           </a:p>
           <a:p>
             <a:pPr lvl="2"/>
             <a:r>
-              <a:rPr lang="ja-JP" altLang="en-US" smtClean="0"/>
+              <a:rPr lang="ja-JP" altLang="en-US"/>
               <a:t>第 </a:t>
             </a:r>
             <a:r>
-              <a:rPr lang="en-US" altLang="ja-JP" smtClean="0"/>
+              <a:rPr lang="en-US" altLang="ja-JP"/>
               <a:t>3 </a:t>
             </a:r>
             <a:r>
-              <a:rPr lang="ja-JP" altLang="en-US" smtClean="0"/>
+              <a:rPr lang="ja-JP" altLang="en-US"/>
               <a:t>レベル</a:t>
             </a:r>
           </a:p>
           <a:p>
             <a:pPr lvl="3"/>
             <a:r>
-              <a:rPr lang="ja-JP" altLang="en-US" smtClean="0"/>
+              <a:rPr lang="ja-JP" altLang="en-US"/>
               <a:t>第 </a:t>
             </a:r>
             <a:r>
-              <a:rPr lang="en-US" altLang="ja-JP" smtClean="0"/>
+              <a:rPr lang="en-US" altLang="ja-JP"/>
               <a:t>4 </a:t>
             </a:r>
             <a:r>
-              <a:rPr lang="ja-JP" altLang="en-US" smtClean="0"/>
+              <a:rPr lang="ja-JP" altLang="en-US"/>
               <a:t>レベル</a:t>
             </a:r>
           </a:p>
           <a:p>
             <a:pPr lvl="4"/>
             <a:r>
-              <a:rPr lang="ja-JP" altLang="en-US" smtClean="0"/>
+              <a:rPr lang="ja-JP" altLang="en-US"/>
               <a:t>第 </a:t>
             </a:r>
             <a:r>
-              <a:rPr lang="en-US" altLang="ja-JP" smtClean="0"/>
+              <a:rPr lang="en-US" altLang="ja-JP"/>
               <a:t>5 </a:t>
             </a:r>
             <a:r>
-              <a:rPr lang="ja-JP" altLang="en-US" smtClean="0"/>
+              <a:rPr lang="ja-JP" altLang="en-US"/>
               <a:t>レベル</a:t>
             </a:r>
             <a:endParaRPr lang="en-US" dirty="0"/>
@@ -5763,7 +5773,7 @@
           <a:p>
             <a:pPr lvl="0"/>
             <a:r>
-              <a:rPr lang="ja-JP" altLang="en-US" smtClean="0"/>
+              <a:rPr lang="ja-JP" altLang="en-US"/>
               <a:t>マスター テキストの書式設定</a:t>
             </a:r>
           </a:p>
@@ -5821,67 +5831,67 @@
           <a:p>
             <a:pPr lvl="0"/>
             <a:r>
-              <a:rPr lang="ja-JP" altLang="en-US" smtClean="0"/>
+              <a:rPr lang="ja-JP" altLang="en-US"/>
               <a:t>マスター テキストの書式設定</a:t>
             </a:r>
           </a:p>
           <a:p>
             <a:pPr lvl="1"/>
             <a:r>
-              <a:rPr lang="ja-JP" altLang="en-US" smtClean="0"/>
+              <a:rPr lang="ja-JP" altLang="en-US"/>
               <a:t>第 </a:t>
             </a:r>
             <a:r>
-              <a:rPr lang="en-US" altLang="ja-JP" smtClean="0"/>
+              <a:rPr lang="en-US" altLang="ja-JP"/>
               <a:t>2 </a:t>
             </a:r>
             <a:r>
-              <a:rPr lang="ja-JP" altLang="en-US" smtClean="0"/>
+              <a:rPr lang="ja-JP" altLang="en-US"/>
               <a:t>レベル</a:t>
             </a:r>
           </a:p>
           <a:p>
             <a:pPr lvl="2"/>
             <a:r>
-              <a:rPr lang="ja-JP" altLang="en-US" smtClean="0"/>
+              <a:rPr lang="ja-JP" altLang="en-US"/>
               <a:t>第 </a:t>
             </a:r>
             <a:r>
-              <a:rPr lang="en-US" altLang="ja-JP" smtClean="0"/>
+              <a:rPr lang="en-US" altLang="ja-JP"/>
               <a:t>3 </a:t>
             </a:r>
             <a:r>
-              <a:rPr lang="ja-JP" altLang="en-US" smtClean="0"/>
+              <a:rPr lang="ja-JP" altLang="en-US"/>
               <a:t>レベル</a:t>
             </a:r>
           </a:p>
           <a:p>
             <a:pPr lvl="3"/>
             <a:r>
-              <a:rPr lang="ja-JP" altLang="en-US" smtClean="0"/>
+              <a:rPr lang="ja-JP" altLang="en-US"/>
               <a:t>第 </a:t>
             </a:r>
             <a:r>
-              <a:rPr lang="en-US" altLang="ja-JP" smtClean="0"/>
+              <a:rPr lang="en-US" altLang="ja-JP"/>
               <a:t>4 </a:t>
             </a:r>
             <a:r>
-              <a:rPr lang="ja-JP" altLang="en-US" smtClean="0"/>
+              <a:rPr lang="ja-JP" altLang="en-US"/>
               <a:t>レベル</a:t>
             </a:r>
           </a:p>
           <a:p>
             <a:pPr lvl="4"/>
             <a:r>
-              <a:rPr lang="ja-JP" altLang="en-US" smtClean="0"/>
+              <a:rPr lang="ja-JP" altLang="en-US"/>
               <a:t>第 </a:t>
             </a:r>
             <a:r>
-              <a:rPr lang="en-US" altLang="ja-JP" smtClean="0"/>
+              <a:rPr lang="en-US" altLang="ja-JP"/>
               <a:t>5 </a:t>
             </a:r>
             <a:r>
-              <a:rPr lang="ja-JP" altLang="en-US" smtClean="0"/>
+              <a:rPr lang="ja-JP" altLang="en-US"/>
               <a:t>レベル</a:t>
             </a:r>
             <a:endParaRPr lang="en-US" dirty="0"/>
@@ -5905,7 +5915,7 @@
           <a:p>
             <a:fld id="{42AF59CD-9B52-459E-8C08-9F139B94FE8C}" type="datetimeFigureOut">
               <a:rPr kumimoji="1" lang="ja-JP" altLang="en-US" smtClean="0"/>
-              <a:t>2019/9/24</a:t>
+              <a:t>2019/9/25</a:t>
             </a:fld>
             <a:endParaRPr kumimoji="1" lang="ja-JP" altLang="en-US"/>
           </a:p>
@@ -6008,7 +6018,7 @@
           </a:lstStyle>
           <a:p>
             <a:r>
-              <a:rPr lang="ja-JP" altLang="en-US" smtClean="0"/>
+              <a:rPr lang="ja-JP" altLang="en-US"/>
               <a:t>マスター タイトルの書式設定</a:t>
             </a:r>
             <a:endParaRPr lang="en-US" dirty="0"/>
@@ -6032,7 +6042,7 @@
           <a:p>
             <a:fld id="{42AF59CD-9B52-459E-8C08-9F139B94FE8C}" type="datetimeFigureOut">
               <a:rPr kumimoji="1" lang="ja-JP" altLang="en-US" smtClean="0"/>
-              <a:t>2019/9/24</a:t>
+              <a:t>2019/9/25</a:t>
             </a:fld>
             <a:endParaRPr kumimoji="1" lang="ja-JP" altLang="en-US"/>
           </a:p>
@@ -6127,7 +6137,7 @@
           <a:p>
             <a:fld id="{42AF59CD-9B52-459E-8C08-9F139B94FE8C}" type="datetimeFigureOut">
               <a:rPr kumimoji="1" lang="ja-JP" altLang="en-US" smtClean="0"/>
-              <a:t>2019/9/24</a:t>
+              <a:t>2019/9/25</a:t>
             </a:fld>
             <a:endParaRPr kumimoji="1" lang="ja-JP" altLang="en-US"/>
           </a:p>
@@ -7053,7 +7063,7 @@
           </a:lstStyle>
           <a:p>
             <a:r>
-              <a:rPr lang="ja-JP" altLang="en-US" smtClean="0"/>
+              <a:rPr lang="ja-JP" altLang="en-US"/>
               <a:t>マスター タイトルの書式設定</a:t>
             </a:r>
             <a:endParaRPr lang="en-US" dirty="0"/>
@@ -7084,67 +7094,67 @@
           <a:p>
             <a:pPr lvl="0"/>
             <a:r>
-              <a:rPr lang="ja-JP" altLang="en-US" smtClean="0"/>
+              <a:rPr lang="ja-JP" altLang="en-US"/>
               <a:t>マスター テキストの書式設定</a:t>
             </a:r>
           </a:p>
           <a:p>
             <a:pPr lvl="1"/>
             <a:r>
-              <a:rPr lang="ja-JP" altLang="en-US" smtClean="0"/>
+              <a:rPr lang="ja-JP" altLang="en-US"/>
               <a:t>第 </a:t>
             </a:r>
             <a:r>
-              <a:rPr lang="en-US" altLang="ja-JP" smtClean="0"/>
+              <a:rPr lang="en-US" altLang="ja-JP"/>
               <a:t>2 </a:t>
             </a:r>
             <a:r>
-              <a:rPr lang="ja-JP" altLang="en-US" smtClean="0"/>
+              <a:rPr lang="ja-JP" altLang="en-US"/>
               <a:t>レベル</a:t>
             </a:r>
           </a:p>
           <a:p>
             <a:pPr lvl="2"/>
             <a:r>
-              <a:rPr lang="ja-JP" altLang="en-US" smtClean="0"/>
+              <a:rPr lang="ja-JP" altLang="en-US"/>
               <a:t>第 </a:t>
             </a:r>
             <a:r>
-              <a:rPr lang="en-US" altLang="ja-JP" smtClean="0"/>
+              <a:rPr lang="en-US" altLang="ja-JP"/>
               <a:t>3 </a:t>
             </a:r>
             <a:r>
-              <a:rPr lang="ja-JP" altLang="en-US" smtClean="0"/>
+              <a:rPr lang="ja-JP" altLang="en-US"/>
               <a:t>レベル</a:t>
             </a:r>
           </a:p>
           <a:p>
             <a:pPr lvl="3"/>
             <a:r>
-              <a:rPr lang="ja-JP" altLang="en-US" smtClean="0"/>
+              <a:rPr lang="ja-JP" altLang="en-US"/>
               <a:t>第 </a:t>
             </a:r>
             <a:r>
-              <a:rPr lang="en-US" altLang="ja-JP" smtClean="0"/>
+              <a:rPr lang="en-US" altLang="ja-JP"/>
               <a:t>4 </a:t>
             </a:r>
             <a:r>
-              <a:rPr lang="ja-JP" altLang="en-US" smtClean="0"/>
+              <a:rPr lang="ja-JP" altLang="en-US"/>
               <a:t>レベル</a:t>
             </a:r>
           </a:p>
           <a:p>
             <a:pPr lvl="4"/>
             <a:r>
-              <a:rPr lang="ja-JP" altLang="en-US" smtClean="0"/>
+              <a:rPr lang="ja-JP" altLang="en-US"/>
               <a:t>第 </a:t>
             </a:r>
             <a:r>
-              <a:rPr lang="en-US" altLang="ja-JP" smtClean="0"/>
+              <a:rPr lang="en-US" altLang="ja-JP"/>
               <a:t>5 </a:t>
             </a:r>
             <a:r>
-              <a:rPr lang="ja-JP" altLang="en-US" smtClean="0"/>
+              <a:rPr lang="ja-JP" altLang="en-US"/>
               <a:t>レベル</a:t>
             </a:r>
             <a:endParaRPr lang="en-US" dirty="0"/>
@@ -7217,7 +7227,7 @@
           <a:p>
             <a:pPr lvl="0"/>
             <a:r>
-              <a:rPr lang="ja-JP" altLang="en-US" smtClean="0"/>
+              <a:rPr lang="ja-JP" altLang="en-US"/>
               <a:t>マスター テキストの書式設定</a:t>
             </a:r>
           </a:p>
@@ -7240,7 +7250,7 @@
           <a:p>
             <a:fld id="{42AF59CD-9B52-459E-8C08-9F139B94FE8C}" type="datetimeFigureOut">
               <a:rPr kumimoji="1" lang="ja-JP" altLang="en-US" smtClean="0"/>
-              <a:t>2019/9/24</a:t>
+              <a:t>2019/9/25</a:t>
             </a:fld>
             <a:endParaRPr kumimoji="1" lang="ja-JP" altLang="en-US"/>
           </a:p>
@@ -8168,7 +8178,7 @@
           </a:lstStyle>
           <a:p>
             <a:r>
-              <a:rPr lang="ja-JP" altLang="en-US" smtClean="0"/>
+              <a:rPr lang="ja-JP" altLang="en-US"/>
               <a:t>マスター タイトルの書式設定</a:t>
             </a:r>
             <a:endParaRPr lang="en-US" dirty="0"/>
@@ -8250,7 +8260,7 @@
               <a:buNone/>
             </a:pPr>
             <a:r>
-              <a:rPr lang="ja-JP" altLang="en-US" smtClean="0"/>
+              <a:rPr lang="ja-JP" altLang="en-US"/>
               <a:t>図を追加</a:t>
             </a:r>
             <a:endParaRPr lang="en-US" dirty="0"/>
@@ -8325,7 +8335,7 @@
           <a:p>
             <a:pPr lvl="0"/>
             <a:r>
-              <a:rPr lang="ja-JP" altLang="en-US" smtClean="0"/>
+              <a:rPr lang="ja-JP" altLang="en-US"/>
               <a:t>マスター テキストの書式設定</a:t>
             </a:r>
           </a:p>
@@ -8348,7 +8358,7 @@
           <a:p>
             <a:fld id="{42AF59CD-9B52-459E-8C08-9F139B94FE8C}" type="datetimeFigureOut">
               <a:rPr kumimoji="1" lang="ja-JP" altLang="en-US" smtClean="0"/>
-              <a:t>2019/9/24</a:t>
+              <a:t>2019/9/25</a:t>
             </a:fld>
             <a:endParaRPr kumimoji="1" lang="ja-JP" altLang="en-US"/>
           </a:p>
@@ -9239,7 +9249,7 @@
           </a:lstStyle>
           <a:p>
             <a:r>
-              <a:rPr lang="ja-JP" altLang="en-US" smtClean="0"/>
+              <a:rPr lang="ja-JP" altLang="en-US"/>
               <a:t>マスター タイトルの書式設定</a:t>
             </a:r>
             <a:endParaRPr lang="en-US" dirty="0"/>
@@ -9318,7 +9328,7 @@
           </a:lstStyle>
           <a:p>
             <a:r>
-              <a:rPr lang="ja-JP" altLang="en-US" smtClean="0"/>
+              <a:rPr lang="ja-JP" altLang="en-US"/>
               <a:t>図を追加</a:t>
             </a:r>
             <a:endParaRPr lang="en-US" dirty="0"/>
@@ -9393,7 +9403,7 @@
           <a:p>
             <a:pPr lvl="0"/>
             <a:r>
-              <a:rPr lang="ja-JP" altLang="en-US" smtClean="0"/>
+              <a:rPr lang="ja-JP" altLang="en-US"/>
               <a:t>マスター テキストの書式設定</a:t>
             </a:r>
           </a:p>
@@ -9416,7 +9426,7 @@
           <a:p>
             <a:fld id="{42AF59CD-9B52-459E-8C08-9F139B94FE8C}" type="datetimeFigureOut">
               <a:rPr kumimoji="1" lang="ja-JP" altLang="en-US" smtClean="0"/>
-              <a:t>2019/9/24</a:t>
+              <a:t>2019/9/25</a:t>
             </a:fld>
             <a:endParaRPr kumimoji="1" lang="ja-JP" altLang="en-US"/>
           </a:p>
@@ -10305,7 +10315,7 @@
           </a:lstStyle>
           <a:p>
             <a:r>
-              <a:rPr lang="ja-JP" altLang="en-US" smtClean="0"/>
+              <a:rPr lang="ja-JP" altLang="en-US"/>
               <a:t>マスター タイトルの書式設定</a:t>
             </a:r>
             <a:endParaRPr lang="en-US" dirty="0"/>
@@ -10373,7 +10383,7 @@
           <a:p>
             <a:pPr lvl="0"/>
             <a:r>
-              <a:rPr lang="ja-JP" altLang="en-US" smtClean="0"/>
+              <a:rPr lang="ja-JP" altLang="en-US"/>
               <a:t>マスター テキストの書式設定</a:t>
             </a:r>
           </a:p>
@@ -10396,7 +10406,7 @@
           <a:p>
             <a:fld id="{42AF59CD-9B52-459E-8C08-9F139B94FE8C}" type="datetimeFigureOut">
               <a:rPr kumimoji="1" lang="ja-JP" altLang="en-US" smtClean="0"/>
-              <a:t>2019/9/24</a:t>
+              <a:t>2019/9/25</a:t>
             </a:fld>
             <a:endParaRPr kumimoji="1" lang="ja-JP" altLang="en-US"/>
           </a:p>
@@ -11363,7 +11373,7 @@
           </a:lstStyle>
           <a:p>
             <a:r>
-              <a:rPr lang="ja-JP" altLang="en-US" smtClean="0"/>
+              <a:rPr lang="ja-JP" altLang="en-US"/>
               <a:t>マスター タイトルの書式設定</a:t>
             </a:r>
             <a:endParaRPr lang="en-US" dirty="0"/>
@@ -11440,7 +11450,7 @@
           <a:p>
             <a:pPr lvl="0"/>
             <a:r>
-              <a:rPr lang="ja-JP" altLang="en-US" smtClean="0"/>
+              <a:rPr lang="ja-JP" altLang="en-US"/>
               <a:t>マスター テキストの書式設定</a:t>
             </a:r>
           </a:p>
@@ -11507,7 +11517,7 @@
           <a:p>
             <a:pPr lvl="0"/>
             <a:r>
-              <a:rPr lang="ja-JP" altLang="en-US" smtClean="0"/>
+              <a:rPr lang="ja-JP" altLang="en-US"/>
               <a:t>マスター テキストの書式設定</a:t>
             </a:r>
           </a:p>
@@ -11530,7 +11540,7 @@
           <a:p>
             <a:fld id="{42AF59CD-9B52-459E-8C08-9F139B94FE8C}" type="datetimeFigureOut">
               <a:rPr kumimoji="1" lang="ja-JP" altLang="en-US" smtClean="0"/>
-              <a:t>2019/9/24</a:t>
+              <a:t>2019/9/25</a:t>
             </a:fld>
             <a:endParaRPr kumimoji="1" lang="ja-JP" altLang="en-US"/>
           </a:p>
@@ -11669,7 +11679,7 @@
           </a:lstStyle>
           <a:p>
             <a:r>
-              <a:rPr lang="ja-JP" altLang="en-US" smtClean="0"/>
+              <a:rPr lang="ja-JP" altLang="en-US"/>
               <a:t>マスター タイトルの書式設定</a:t>
             </a:r>
             <a:endParaRPr lang="en-US" dirty="0"/>
@@ -11789,7 +11799,7 @@
           <a:p>
             <a:pPr lvl="0"/>
             <a:r>
-              <a:rPr lang="ja-JP" altLang="en-US" smtClean="0"/>
+              <a:rPr lang="ja-JP" altLang="en-US"/>
               <a:t>マスター テキストの書式設定</a:t>
             </a:r>
           </a:p>
@@ -11812,7 +11822,7 @@
           <a:p>
             <a:fld id="{42AF59CD-9B52-459E-8C08-9F139B94FE8C}" type="datetimeFigureOut">
               <a:rPr kumimoji="1" lang="ja-JP" altLang="en-US" smtClean="0"/>
-              <a:t>2019/9/24</a:t>
+              <a:t>2019/9/25</a:t>
             </a:fld>
             <a:endParaRPr kumimoji="1" lang="ja-JP" altLang="en-US"/>
           </a:p>
@@ -12665,7 +12675,7 @@
           </a:lstStyle>
           <a:p>
             <a:r>
-              <a:rPr lang="ja-JP" altLang="en-US" smtClean="0"/>
+              <a:rPr lang="ja-JP" altLang="en-US"/>
               <a:t>マスター タイトルの書式設定</a:t>
             </a:r>
             <a:endParaRPr lang="en-US" dirty="0"/>
@@ -12786,7 +12796,7 @@
           <a:p>
             <a:pPr lvl="0"/>
             <a:r>
-              <a:rPr lang="ja-JP" altLang="en-US" smtClean="0"/>
+              <a:rPr lang="ja-JP" altLang="en-US"/>
               <a:t>マスター テキストの書式設定</a:t>
             </a:r>
           </a:p>
@@ -12809,7 +12819,7 @@
           <a:p>
             <a:fld id="{42AF59CD-9B52-459E-8C08-9F139B94FE8C}" type="datetimeFigureOut">
               <a:rPr kumimoji="1" lang="ja-JP" altLang="en-US" smtClean="0"/>
-              <a:t>2019/9/24</a:t>
+              <a:t>2019/9/25</a:t>
             </a:fld>
             <a:endParaRPr kumimoji="1" lang="ja-JP" altLang="en-US"/>
           </a:p>
@@ -12948,7 +12958,7 @@
           </a:lstStyle>
           <a:p>
             <a:r>
-              <a:rPr lang="ja-JP" altLang="en-US" smtClean="0"/>
+              <a:rPr lang="ja-JP" altLang="en-US"/>
               <a:t>マスター タイトルの書式設定</a:t>
             </a:r>
             <a:endParaRPr lang="en-US" dirty="0"/>
@@ -13023,7 +13033,7 @@
           <a:p>
             <a:pPr lvl="0"/>
             <a:r>
-              <a:rPr lang="ja-JP" altLang="en-US" smtClean="0"/>
+              <a:rPr lang="ja-JP" altLang="en-US"/>
               <a:t>マスター テキストの書式設定</a:t>
             </a:r>
           </a:p>
@@ -13090,7 +13100,7 @@
           <a:p>
             <a:pPr lvl="0"/>
             <a:r>
-              <a:rPr lang="ja-JP" altLang="en-US" smtClean="0"/>
+              <a:rPr lang="ja-JP" altLang="en-US"/>
               <a:t>マスター テキストの書式設定</a:t>
             </a:r>
           </a:p>
@@ -13164,7 +13174,7 @@
           <a:p>
             <a:pPr lvl="0"/>
             <a:r>
-              <a:rPr lang="ja-JP" altLang="en-US" smtClean="0"/>
+              <a:rPr lang="ja-JP" altLang="en-US"/>
               <a:t>マスター テキストの書式設定</a:t>
             </a:r>
           </a:p>
@@ -13231,7 +13241,7 @@
           <a:p>
             <a:pPr lvl="0"/>
             <a:r>
-              <a:rPr lang="ja-JP" altLang="en-US" smtClean="0"/>
+              <a:rPr lang="ja-JP" altLang="en-US"/>
               <a:t>マスター テキストの書式設定</a:t>
             </a:r>
           </a:p>
@@ -13305,7 +13315,7 @@
           <a:p>
             <a:pPr lvl="0"/>
             <a:r>
-              <a:rPr lang="ja-JP" altLang="en-US" smtClean="0"/>
+              <a:rPr lang="ja-JP" altLang="en-US"/>
               <a:t>マスター テキストの書式設定</a:t>
             </a:r>
           </a:p>
@@ -13372,7 +13382,7 @@
           <a:p>
             <a:pPr lvl="0"/>
             <a:r>
-              <a:rPr lang="ja-JP" altLang="en-US" smtClean="0"/>
+              <a:rPr lang="ja-JP" altLang="en-US"/>
               <a:t>マスター テキストの書式設定</a:t>
             </a:r>
           </a:p>
@@ -13469,7 +13479,7 @@
           <a:p>
             <a:fld id="{42AF59CD-9B52-459E-8C08-9F139B94FE8C}" type="datetimeFigureOut">
               <a:rPr kumimoji="1" lang="ja-JP" altLang="en-US" smtClean="0"/>
-              <a:t>2019/9/24</a:t>
+              <a:t>2019/9/25</a:t>
             </a:fld>
             <a:endParaRPr kumimoji="1" lang="ja-JP" altLang="en-US"/>
           </a:p>
@@ -13572,7 +13582,7 @@
           </a:lstStyle>
           <a:p>
             <a:r>
-              <a:rPr lang="ja-JP" altLang="en-US" smtClean="0"/>
+              <a:rPr lang="ja-JP" altLang="en-US"/>
               <a:t>マスター タイトルの書式設定</a:t>
             </a:r>
             <a:endParaRPr lang="en-US" dirty="0"/>
@@ -13647,7 +13657,7 @@
           <a:p>
             <a:pPr lvl="0"/>
             <a:r>
-              <a:rPr lang="ja-JP" altLang="en-US" smtClean="0"/>
+              <a:rPr lang="ja-JP" altLang="en-US"/>
               <a:t>マスター テキストの書式設定</a:t>
             </a:r>
           </a:p>
@@ -13725,7 +13735,7 @@
           </a:lstStyle>
           <a:p>
             <a:r>
-              <a:rPr lang="ja-JP" altLang="en-US" smtClean="0"/>
+              <a:rPr lang="ja-JP" altLang="en-US"/>
               <a:t>図を追加</a:t>
             </a:r>
             <a:endParaRPr lang="en-US" dirty="0"/>
@@ -13793,7 +13803,7 @@
           <a:p>
             <a:pPr lvl="0"/>
             <a:r>
-              <a:rPr lang="ja-JP" altLang="en-US" smtClean="0"/>
+              <a:rPr lang="ja-JP" altLang="en-US"/>
               <a:t>マスター テキストの書式設定</a:t>
             </a:r>
           </a:p>
@@ -13867,7 +13877,7 @@
           <a:p>
             <a:pPr lvl="0"/>
             <a:r>
-              <a:rPr lang="ja-JP" altLang="en-US" smtClean="0"/>
+              <a:rPr lang="ja-JP" altLang="en-US"/>
               <a:t>マスター テキストの書式設定</a:t>
             </a:r>
           </a:p>
@@ -13945,7 +13955,7 @@
           </a:lstStyle>
           <a:p>
             <a:r>
-              <a:rPr lang="ja-JP" altLang="en-US" smtClean="0"/>
+              <a:rPr lang="ja-JP" altLang="en-US"/>
               <a:t>図を追加</a:t>
             </a:r>
             <a:endParaRPr lang="en-US" dirty="0"/>
@@ -14013,7 +14023,7 @@
           <a:p>
             <a:pPr lvl="0"/>
             <a:r>
-              <a:rPr lang="ja-JP" altLang="en-US" smtClean="0"/>
+              <a:rPr lang="ja-JP" altLang="en-US"/>
               <a:t>マスター テキストの書式設定</a:t>
             </a:r>
           </a:p>
@@ -14087,7 +14097,7 @@
           <a:p>
             <a:pPr lvl="0"/>
             <a:r>
-              <a:rPr lang="ja-JP" altLang="en-US" smtClean="0"/>
+              <a:rPr lang="ja-JP" altLang="en-US"/>
               <a:t>マスター テキストの書式設定</a:t>
             </a:r>
           </a:p>
@@ -14165,7 +14175,7 @@
           </a:lstStyle>
           <a:p>
             <a:r>
-              <a:rPr lang="ja-JP" altLang="en-US" smtClean="0"/>
+              <a:rPr lang="ja-JP" altLang="en-US"/>
               <a:t>図を追加</a:t>
             </a:r>
             <a:endParaRPr lang="en-US" dirty="0"/>
@@ -14233,7 +14243,7 @@
           <a:p>
             <a:pPr lvl="0"/>
             <a:r>
-              <a:rPr lang="ja-JP" altLang="en-US" smtClean="0"/>
+              <a:rPr lang="ja-JP" altLang="en-US"/>
               <a:t>マスター テキストの書式設定</a:t>
             </a:r>
           </a:p>
@@ -14330,7 +14340,7 @@
           <a:p>
             <a:fld id="{42AF59CD-9B52-459E-8C08-9F139B94FE8C}" type="datetimeFigureOut">
               <a:rPr kumimoji="1" lang="ja-JP" altLang="en-US" smtClean="0"/>
-              <a:t>2019/9/24</a:t>
+              <a:t>2019/9/25</a:t>
             </a:fld>
             <a:endParaRPr kumimoji="1" lang="ja-JP" altLang="en-US"/>
           </a:p>
@@ -14434,7 +14444,7 @@
           <a:lstStyle/>
           <a:p>
             <a:r>
-              <a:rPr lang="ja-JP" altLang="en-US" smtClean="0"/>
+              <a:rPr lang="ja-JP" altLang="en-US"/>
               <a:t>マスター タイトルの書式設定</a:t>
             </a:r>
             <a:endParaRPr lang="en-US" dirty="0"/>
@@ -14463,67 +14473,67 @@
           <a:p>
             <a:pPr lvl="0"/>
             <a:r>
-              <a:rPr lang="ja-JP" altLang="en-US" smtClean="0"/>
+              <a:rPr lang="ja-JP" altLang="en-US"/>
               <a:t>マスター テキストの書式設定</a:t>
             </a:r>
           </a:p>
           <a:p>
             <a:pPr lvl="1"/>
             <a:r>
-              <a:rPr lang="ja-JP" altLang="en-US" smtClean="0"/>
+              <a:rPr lang="ja-JP" altLang="en-US"/>
               <a:t>第 </a:t>
             </a:r>
             <a:r>
-              <a:rPr lang="en-US" altLang="ja-JP" smtClean="0"/>
+              <a:rPr lang="en-US" altLang="ja-JP"/>
               <a:t>2 </a:t>
             </a:r>
             <a:r>
-              <a:rPr lang="ja-JP" altLang="en-US" smtClean="0"/>
+              <a:rPr lang="ja-JP" altLang="en-US"/>
               <a:t>レベル</a:t>
             </a:r>
           </a:p>
           <a:p>
             <a:pPr lvl="2"/>
             <a:r>
-              <a:rPr lang="ja-JP" altLang="en-US" smtClean="0"/>
+              <a:rPr lang="ja-JP" altLang="en-US"/>
               <a:t>第 </a:t>
             </a:r>
             <a:r>
-              <a:rPr lang="en-US" altLang="ja-JP" smtClean="0"/>
+              <a:rPr lang="en-US" altLang="ja-JP"/>
               <a:t>3 </a:t>
             </a:r>
             <a:r>
-              <a:rPr lang="ja-JP" altLang="en-US" smtClean="0"/>
+              <a:rPr lang="ja-JP" altLang="en-US"/>
               <a:t>レベル</a:t>
             </a:r>
           </a:p>
           <a:p>
             <a:pPr lvl="3"/>
             <a:r>
-              <a:rPr lang="ja-JP" altLang="en-US" smtClean="0"/>
+              <a:rPr lang="ja-JP" altLang="en-US"/>
               <a:t>第 </a:t>
             </a:r>
             <a:r>
-              <a:rPr lang="en-US" altLang="ja-JP" smtClean="0"/>
+              <a:rPr lang="en-US" altLang="ja-JP"/>
               <a:t>4 </a:t>
             </a:r>
             <a:r>
-              <a:rPr lang="ja-JP" altLang="en-US" smtClean="0"/>
+              <a:rPr lang="ja-JP" altLang="en-US"/>
               <a:t>レベル</a:t>
             </a:r>
           </a:p>
           <a:p>
             <a:pPr lvl="4"/>
             <a:r>
-              <a:rPr lang="ja-JP" altLang="en-US" smtClean="0"/>
+              <a:rPr lang="ja-JP" altLang="en-US"/>
               <a:t>第 </a:t>
             </a:r>
             <a:r>
-              <a:rPr lang="en-US" altLang="ja-JP" smtClean="0"/>
+              <a:rPr lang="en-US" altLang="ja-JP"/>
               <a:t>5 </a:t>
             </a:r>
             <a:r>
-              <a:rPr lang="ja-JP" altLang="en-US" smtClean="0"/>
+              <a:rPr lang="ja-JP" altLang="en-US"/>
               <a:t>レベル</a:t>
             </a:r>
             <a:endParaRPr lang="en-US" dirty="0"/>
@@ -14552,7 +14562,7 @@
           <a:p>
             <a:fld id="{42AF59CD-9B52-459E-8C08-9F139B94FE8C}" type="datetimeFigureOut">
               <a:rPr kumimoji="1" lang="ja-JP" altLang="en-US" smtClean="0"/>
-              <a:t>2019/9/24</a:t>
+              <a:t>2019/9/25</a:t>
             </a:fld>
             <a:endParaRPr kumimoji="1" lang="ja-JP" altLang="en-US"/>
           </a:p>
@@ -15438,7 +15448,7 @@
           <a:lstStyle/>
           <a:p>
             <a:r>
-              <a:rPr lang="ja-JP" altLang="en-US" smtClean="0"/>
+              <a:rPr lang="ja-JP" altLang="en-US"/>
               <a:t>マスター タイトルの書式設定</a:t>
             </a:r>
             <a:endParaRPr lang="en-US" dirty="0"/>
@@ -15467,67 +15477,67 @@
           <a:p>
             <a:pPr lvl="0"/>
             <a:r>
-              <a:rPr lang="ja-JP" altLang="en-US" smtClean="0"/>
+              <a:rPr lang="ja-JP" altLang="en-US"/>
               <a:t>マスター テキストの書式設定</a:t>
             </a:r>
           </a:p>
           <a:p>
             <a:pPr lvl="1"/>
             <a:r>
-              <a:rPr lang="ja-JP" altLang="en-US" smtClean="0"/>
+              <a:rPr lang="ja-JP" altLang="en-US"/>
               <a:t>第 </a:t>
             </a:r>
             <a:r>
-              <a:rPr lang="en-US" altLang="ja-JP" smtClean="0"/>
+              <a:rPr lang="en-US" altLang="ja-JP"/>
               <a:t>2 </a:t>
             </a:r>
             <a:r>
-              <a:rPr lang="ja-JP" altLang="en-US" smtClean="0"/>
+              <a:rPr lang="ja-JP" altLang="en-US"/>
               <a:t>レベル</a:t>
             </a:r>
           </a:p>
           <a:p>
             <a:pPr lvl="2"/>
             <a:r>
-              <a:rPr lang="ja-JP" altLang="en-US" smtClean="0"/>
+              <a:rPr lang="ja-JP" altLang="en-US"/>
               <a:t>第 </a:t>
             </a:r>
             <a:r>
-              <a:rPr lang="en-US" altLang="ja-JP" smtClean="0"/>
+              <a:rPr lang="en-US" altLang="ja-JP"/>
               <a:t>3 </a:t>
             </a:r>
             <a:r>
-              <a:rPr lang="ja-JP" altLang="en-US" smtClean="0"/>
+              <a:rPr lang="ja-JP" altLang="en-US"/>
               <a:t>レベル</a:t>
             </a:r>
           </a:p>
           <a:p>
             <a:pPr lvl="3"/>
             <a:r>
-              <a:rPr lang="ja-JP" altLang="en-US" smtClean="0"/>
+              <a:rPr lang="ja-JP" altLang="en-US"/>
               <a:t>第 </a:t>
             </a:r>
             <a:r>
-              <a:rPr lang="en-US" altLang="ja-JP" smtClean="0"/>
+              <a:rPr lang="en-US" altLang="ja-JP"/>
               <a:t>4 </a:t>
             </a:r>
             <a:r>
-              <a:rPr lang="ja-JP" altLang="en-US" smtClean="0"/>
+              <a:rPr lang="ja-JP" altLang="en-US"/>
               <a:t>レベル</a:t>
             </a:r>
           </a:p>
           <a:p>
             <a:pPr lvl="4"/>
             <a:r>
-              <a:rPr lang="ja-JP" altLang="en-US" smtClean="0"/>
+              <a:rPr lang="ja-JP" altLang="en-US"/>
               <a:t>第 </a:t>
             </a:r>
             <a:r>
-              <a:rPr lang="en-US" altLang="ja-JP" smtClean="0"/>
+              <a:rPr lang="en-US" altLang="ja-JP"/>
               <a:t>5 </a:t>
             </a:r>
             <a:r>
-              <a:rPr lang="ja-JP" altLang="en-US" smtClean="0"/>
+              <a:rPr lang="ja-JP" altLang="en-US"/>
               <a:t>レベル</a:t>
             </a:r>
             <a:endParaRPr lang="en-US" dirty="0"/>
@@ -15556,7 +15566,7 @@
           <a:p>
             <a:fld id="{42AF59CD-9B52-459E-8C08-9F139B94FE8C}" type="datetimeFigureOut">
               <a:rPr kumimoji="1" lang="ja-JP" altLang="en-US" smtClean="0"/>
-              <a:t>2019/9/24</a:t>
+              <a:t>2019/9/25</a:t>
             </a:fld>
             <a:endParaRPr kumimoji="1" lang="ja-JP" altLang="en-US"/>
           </a:p>
@@ -15748,7 +15758,7 @@
           <a:effectLst/>
           <a:extLst>
             <a:ext uri="{91240B29-F687-4f45-9708-019B960494DF}">
-              <a14:hiddenLine xmlns:a14="http://schemas.microsoft.com/office/drawing/2010/main" xmlns="" w="9525">
+              <a14:hiddenLine xmlns="" xmlns:a14="http://schemas.microsoft.com/office/drawing/2010/main" w="9525">
                 <a:solidFill>
                   <a:srgbClr val="000000"/>
                 </a:solidFill>
@@ -15799,7 +15809,7 @@
           </a:lstStyle>
           <a:p>
             <a:r>
-              <a:rPr lang="ja-JP" altLang="en-US" smtClean="0"/>
+              <a:rPr lang="ja-JP" altLang="en-US"/>
               <a:t>マスター タイトルの書式設定</a:t>
             </a:r>
             <a:endParaRPr lang="en-US" dirty="0"/>
@@ -15916,7 +15926,7 @@
           </a:lstStyle>
           <a:p>
             <a:r>
-              <a:rPr lang="ja-JP" altLang="en-US" smtClean="0"/>
+              <a:rPr lang="ja-JP" altLang="en-US"/>
               <a:t>マスター サブタイトルの書式設定</a:t>
             </a:r>
             <a:endParaRPr lang="en-US" dirty="0"/>
@@ -15940,7 +15950,7 @@
           <a:p>
             <a:fld id="{42AF59CD-9B52-459E-8C08-9F139B94FE8C}" type="datetimeFigureOut">
               <a:rPr kumimoji="1" lang="ja-JP" altLang="en-US" smtClean="0"/>
-              <a:t>2019/9/24</a:t>
+              <a:t>2019/9/25</a:t>
             </a:fld>
             <a:endParaRPr kumimoji="1" lang="ja-JP" altLang="en-US"/>
           </a:p>
@@ -16095,7 +16105,7 @@
           <a:ln/>
           <a:extLst>
             <a:ext uri="{91240B29-F687-4f45-9708-019B960494DF}">
-              <a14:hiddenLine xmlns:a14="http://schemas.microsoft.com/office/drawing/2010/main" xmlns="" w="9525">
+              <a14:hiddenLine xmlns="" xmlns:a14="http://schemas.microsoft.com/office/drawing/2010/main" w="9525">
                 <a:solidFill>
                   <a:srgbClr val="000000"/>
                 </a:solidFill>
@@ -16142,7 +16152,7 @@
           <a:lstStyle/>
           <a:p>
             <a:r>
-              <a:rPr lang="ja-JP" altLang="en-US" smtClean="0"/>
+              <a:rPr lang="ja-JP" altLang="en-US"/>
               <a:t>マスター タイトルの書式設定</a:t>
             </a:r>
             <a:endParaRPr lang="en-US" dirty="0"/>
@@ -16171,67 +16181,67 @@
           <a:p>
             <a:pPr lvl="0"/>
             <a:r>
-              <a:rPr lang="ja-JP" altLang="en-US" smtClean="0"/>
+              <a:rPr lang="ja-JP" altLang="en-US"/>
               <a:t>マスター テキストの書式設定</a:t>
             </a:r>
           </a:p>
           <a:p>
             <a:pPr lvl="1"/>
             <a:r>
-              <a:rPr lang="ja-JP" altLang="en-US" smtClean="0"/>
+              <a:rPr lang="ja-JP" altLang="en-US"/>
               <a:t>第 </a:t>
             </a:r>
             <a:r>
-              <a:rPr lang="en-US" altLang="ja-JP" smtClean="0"/>
+              <a:rPr lang="en-US" altLang="ja-JP"/>
               <a:t>2 </a:t>
             </a:r>
             <a:r>
-              <a:rPr lang="ja-JP" altLang="en-US" smtClean="0"/>
+              <a:rPr lang="ja-JP" altLang="en-US"/>
               <a:t>レベル</a:t>
             </a:r>
           </a:p>
           <a:p>
             <a:pPr lvl="2"/>
             <a:r>
-              <a:rPr lang="ja-JP" altLang="en-US" smtClean="0"/>
+              <a:rPr lang="ja-JP" altLang="en-US"/>
               <a:t>第 </a:t>
             </a:r>
             <a:r>
-              <a:rPr lang="en-US" altLang="ja-JP" smtClean="0"/>
+              <a:rPr lang="en-US" altLang="ja-JP"/>
               <a:t>3 </a:t>
             </a:r>
             <a:r>
-              <a:rPr lang="ja-JP" altLang="en-US" smtClean="0"/>
+              <a:rPr lang="ja-JP" altLang="en-US"/>
               <a:t>レベル</a:t>
             </a:r>
           </a:p>
           <a:p>
             <a:pPr lvl="3"/>
             <a:r>
-              <a:rPr lang="ja-JP" altLang="en-US" smtClean="0"/>
+              <a:rPr lang="ja-JP" altLang="en-US"/>
               <a:t>第 </a:t>
             </a:r>
             <a:r>
-              <a:rPr lang="en-US" altLang="ja-JP" smtClean="0"/>
+              <a:rPr lang="en-US" altLang="ja-JP"/>
               <a:t>4 </a:t>
             </a:r>
             <a:r>
-              <a:rPr lang="ja-JP" altLang="en-US" smtClean="0"/>
+              <a:rPr lang="ja-JP" altLang="en-US"/>
               <a:t>レベル</a:t>
             </a:r>
           </a:p>
           <a:p>
             <a:pPr lvl="4"/>
             <a:r>
-              <a:rPr lang="ja-JP" altLang="en-US" smtClean="0"/>
+              <a:rPr lang="ja-JP" altLang="en-US"/>
               <a:t>第 </a:t>
             </a:r>
             <a:r>
-              <a:rPr lang="en-US" altLang="ja-JP" smtClean="0"/>
+              <a:rPr lang="en-US" altLang="ja-JP"/>
               <a:t>5 </a:t>
             </a:r>
             <a:r>
-              <a:rPr lang="ja-JP" altLang="en-US" smtClean="0"/>
+              <a:rPr lang="ja-JP" altLang="en-US"/>
               <a:t>レベル</a:t>
             </a:r>
             <a:endParaRPr lang="en-US" dirty="0"/>
@@ -16255,7 +16265,7 @@
           <a:p>
             <a:fld id="{42AF59CD-9B52-459E-8C08-9F139B94FE8C}" type="datetimeFigureOut">
               <a:rPr kumimoji="1" lang="ja-JP" altLang="en-US" smtClean="0"/>
-              <a:t>2019/9/24</a:t>
+              <a:t>2019/9/25</a:t>
             </a:fld>
             <a:endParaRPr kumimoji="1" lang="ja-JP" altLang="en-US"/>
           </a:p>
@@ -16455,7 +16465,7 @@
           </a:lstStyle>
           <a:p>
             <a:r>
-              <a:rPr lang="ja-JP" altLang="en-US" smtClean="0"/>
+              <a:rPr lang="ja-JP" altLang="en-US"/>
               <a:t>マスター タイトルの書式設定</a:t>
             </a:r>
             <a:endParaRPr lang="en-US" dirty="0"/>
@@ -16575,7 +16585,7 @@
           <a:p>
             <a:pPr lvl="0"/>
             <a:r>
-              <a:rPr lang="ja-JP" altLang="en-US" smtClean="0"/>
+              <a:rPr lang="ja-JP" altLang="en-US"/>
               <a:t>マスター テキストの書式設定</a:t>
             </a:r>
           </a:p>
@@ -16598,7 +16608,7 @@
           <a:p>
             <a:fld id="{42AF59CD-9B52-459E-8C08-9F139B94FE8C}" type="datetimeFigureOut">
               <a:rPr kumimoji="1" lang="ja-JP" altLang="en-US" smtClean="0"/>
-              <a:t>2019/9/24</a:t>
+              <a:t>2019/9/25</a:t>
             </a:fld>
             <a:endParaRPr kumimoji="1" lang="ja-JP" altLang="en-US"/>
           </a:p>
@@ -16753,7 +16763,7 @@
           <a:ln/>
           <a:extLst>
             <a:ext uri="{91240B29-F687-4f45-9708-019B960494DF}">
-              <a14:hiddenLine xmlns:a14="http://schemas.microsoft.com/office/drawing/2010/main" xmlns="" w="9525">
+              <a14:hiddenLine xmlns="" xmlns:a14="http://schemas.microsoft.com/office/drawing/2010/main" w="9525">
                 <a:solidFill>
                   <a:srgbClr val="000000"/>
                 </a:solidFill>
@@ -16795,7 +16805,7 @@
           <a:lstStyle/>
           <a:p>
             <a:r>
-              <a:rPr lang="ja-JP" altLang="en-US" smtClean="0"/>
+              <a:rPr lang="ja-JP" altLang="en-US"/>
               <a:t>マスター タイトルの書式設定</a:t>
             </a:r>
             <a:endParaRPr lang="en-US" dirty="0"/>
@@ -16826,67 +16836,67 @@
           <a:p>
             <a:pPr lvl="0"/>
             <a:r>
-              <a:rPr lang="ja-JP" altLang="en-US" smtClean="0"/>
+              <a:rPr lang="ja-JP" altLang="en-US"/>
               <a:t>マスター テキストの書式設定</a:t>
             </a:r>
           </a:p>
           <a:p>
             <a:pPr lvl="1"/>
             <a:r>
-              <a:rPr lang="ja-JP" altLang="en-US" smtClean="0"/>
+              <a:rPr lang="ja-JP" altLang="en-US"/>
               <a:t>第 </a:t>
             </a:r>
             <a:r>
-              <a:rPr lang="en-US" altLang="ja-JP" smtClean="0"/>
+              <a:rPr lang="en-US" altLang="ja-JP"/>
               <a:t>2 </a:t>
             </a:r>
             <a:r>
-              <a:rPr lang="ja-JP" altLang="en-US" smtClean="0"/>
+              <a:rPr lang="ja-JP" altLang="en-US"/>
               <a:t>レベル</a:t>
             </a:r>
           </a:p>
           <a:p>
             <a:pPr lvl="2"/>
             <a:r>
-              <a:rPr lang="ja-JP" altLang="en-US" smtClean="0"/>
+              <a:rPr lang="ja-JP" altLang="en-US"/>
               <a:t>第 </a:t>
             </a:r>
             <a:r>
-              <a:rPr lang="en-US" altLang="ja-JP" smtClean="0"/>
+              <a:rPr lang="en-US" altLang="ja-JP"/>
               <a:t>3 </a:t>
             </a:r>
             <a:r>
-              <a:rPr lang="ja-JP" altLang="en-US" smtClean="0"/>
+              <a:rPr lang="ja-JP" altLang="en-US"/>
               <a:t>レベル</a:t>
             </a:r>
           </a:p>
           <a:p>
             <a:pPr lvl="3"/>
             <a:r>
-              <a:rPr lang="ja-JP" altLang="en-US" smtClean="0"/>
+              <a:rPr lang="ja-JP" altLang="en-US"/>
               <a:t>第 </a:t>
             </a:r>
             <a:r>
-              <a:rPr lang="en-US" altLang="ja-JP" smtClean="0"/>
+              <a:rPr lang="en-US" altLang="ja-JP"/>
               <a:t>4 </a:t>
             </a:r>
             <a:r>
-              <a:rPr lang="ja-JP" altLang="en-US" smtClean="0"/>
+              <a:rPr lang="ja-JP" altLang="en-US"/>
               <a:t>レベル</a:t>
             </a:r>
           </a:p>
           <a:p>
             <a:pPr lvl="4"/>
             <a:r>
-              <a:rPr lang="ja-JP" altLang="en-US" smtClean="0"/>
+              <a:rPr lang="ja-JP" altLang="en-US"/>
               <a:t>第 </a:t>
             </a:r>
             <a:r>
-              <a:rPr lang="en-US" altLang="ja-JP" smtClean="0"/>
+              <a:rPr lang="en-US" altLang="ja-JP"/>
               <a:t>5 </a:t>
             </a:r>
             <a:r>
-              <a:rPr lang="ja-JP" altLang="en-US" smtClean="0"/>
+              <a:rPr lang="ja-JP" altLang="en-US"/>
               <a:t>レベル</a:t>
             </a:r>
             <a:endParaRPr lang="en-US" dirty="0"/>
@@ -16917,67 +16927,67 @@
           <a:p>
             <a:pPr lvl="0"/>
             <a:r>
-              <a:rPr lang="ja-JP" altLang="en-US" smtClean="0"/>
+              <a:rPr lang="ja-JP" altLang="en-US"/>
               <a:t>マスター テキストの書式設定</a:t>
             </a:r>
           </a:p>
           <a:p>
             <a:pPr lvl="1"/>
             <a:r>
-              <a:rPr lang="ja-JP" altLang="en-US" smtClean="0"/>
+              <a:rPr lang="ja-JP" altLang="en-US"/>
               <a:t>第 </a:t>
             </a:r>
             <a:r>
-              <a:rPr lang="en-US" altLang="ja-JP" smtClean="0"/>
+              <a:rPr lang="en-US" altLang="ja-JP"/>
               <a:t>2 </a:t>
             </a:r>
             <a:r>
-              <a:rPr lang="ja-JP" altLang="en-US" smtClean="0"/>
+              <a:rPr lang="ja-JP" altLang="en-US"/>
               <a:t>レベル</a:t>
             </a:r>
           </a:p>
           <a:p>
             <a:pPr lvl="2"/>
             <a:r>
-              <a:rPr lang="ja-JP" altLang="en-US" smtClean="0"/>
+              <a:rPr lang="ja-JP" altLang="en-US"/>
               <a:t>第 </a:t>
             </a:r>
             <a:r>
-              <a:rPr lang="en-US" altLang="ja-JP" smtClean="0"/>
+              <a:rPr lang="en-US" altLang="ja-JP"/>
               <a:t>3 </a:t>
             </a:r>
             <a:r>
-              <a:rPr lang="ja-JP" altLang="en-US" smtClean="0"/>
+              <a:rPr lang="ja-JP" altLang="en-US"/>
               <a:t>レベル</a:t>
             </a:r>
           </a:p>
           <a:p>
             <a:pPr lvl="3"/>
             <a:r>
-              <a:rPr lang="ja-JP" altLang="en-US" smtClean="0"/>
+              <a:rPr lang="ja-JP" altLang="en-US"/>
               <a:t>第 </a:t>
             </a:r>
             <a:r>
-              <a:rPr lang="en-US" altLang="ja-JP" smtClean="0"/>
+              <a:rPr lang="en-US" altLang="ja-JP"/>
               <a:t>4 </a:t>
             </a:r>
             <a:r>
-              <a:rPr lang="ja-JP" altLang="en-US" smtClean="0"/>
+              <a:rPr lang="ja-JP" altLang="en-US"/>
               <a:t>レベル</a:t>
             </a:r>
           </a:p>
           <a:p>
             <a:pPr lvl="4"/>
             <a:r>
-              <a:rPr lang="ja-JP" altLang="en-US" smtClean="0"/>
+              <a:rPr lang="ja-JP" altLang="en-US"/>
               <a:t>第 </a:t>
             </a:r>
             <a:r>
-              <a:rPr lang="en-US" altLang="ja-JP" smtClean="0"/>
+              <a:rPr lang="en-US" altLang="ja-JP"/>
               <a:t>5 </a:t>
             </a:r>
             <a:r>
-              <a:rPr lang="ja-JP" altLang="en-US" smtClean="0"/>
+              <a:rPr lang="ja-JP" altLang="en-US"/>
               <a:t>レベル</a:t>
             </a:r>
             <a:endParaRPr lang="en-US" dirty="0"/>
@@ -17001,7 +17011,7 @@
           <a:p>
             <a:fld id="{42AF59CD-9B52-459E-8C08-9F139B94FE8C}" type="datetimeFigureOut">
               <a:rPr kumimoji="1" lang="ja-JP" altLang="en-US" smtClean="0"/>
-              <a:t>2019/9/24</a:t>
+              <a:t>2019/9/25</a:t>
             </a:fld>
             <a:endParaRPr kumimoji="1" lang="ja-JP" altLang="en-US"/>
           </a:p>
@@ -17156,7 +17166,7 @@
           <a:ln/>
           <a:extLst>
             <a:ext uri="{91240B29-F687-4f45-9708-019B960494DF}">
-              <a14:hiddenLine xmlns:a14="http://schemas.microsoft.com/office/drawing/2010/main" xmlns="" w="9525">
+              <a14:hiddenLine xmlns="" xmlns:a14="http://schemas.microsoft.com/office/drawing/2010/main" w="9525">
                 <a:solidFill>
                   <a:srgbClr val="000000"/>
                 </a:solidFill>
@@ -17202,7 +17212,7 @@
           </a:lstStyle>
           <a:p>
             <a:r>
-              <a:rPr lang="ja-JP" altLang="en-US" smtClean="0"/>
+              <a:rPr lang="ja-JP" altLang="en-US"/>
               <a:t>マスター タイトルの書式設定</a:t>
             </a:r>
             <a:endParaRPr lang="en-US" dirty="0"/>
@@ -17270,7 +17280,7 @@
           <a:p>
             <a:pPr lvl="0"/>
             <a:r>
-              <a:rPr lang="ja-JP" altLang="en-US" smtClean="0"/>
+              <a:rPr lang="ja-JP" altLang="en-US"/>
               <a:t>マスター テキストの書式設定</a:t>
             </a:r>
           </a:p>
@@ -17300,67 +17310,67 @@
           <a:p>
             <a:pPr lvl="0"/>
             <a:r>
-              <a:rPr lang="ja-JP" altLang="en-US" smtClean="0"/>
+              <a:rPr lang="ja-JP" altLang="en-US"/>
               <a:t>マスター テキストの書式設定</a:t>
             </a:r>
           </a:p>
           <a:p>
             <a:pPr lvl="1"/>
             <a:r>
-              <a:rPr lang="ja-JP" altLang="en-US" smtClean="0"/>
+              <a:rPr lang="ja-JP" altLang="en-US"/>
               <a:t>第 </a:t>
             </a:r>
             <a:r>
-              <a:rPr lang="en-US" altLang="ja-JP" smtClean="0"/>
+              <a:rPr lang="en-US" altLang="ja-JP"/>
               <a:t>2 </a:t>
             </a:r>
             <a:r>
-              <a:rPr lang="ja-JP" altLang="en-US" smtClean="0"/>
+              <a:rPr lang="ja-JP" altLang="en-US"/>
               <a:t>レベル</a:t>
             </a:r>
           </a:p>
           <a:p>
             <a:pPr lvl="2"/>
             <a:r>
-              <a:rPr lang="ja-JP" altLang="en-US" smtClean="0"/>
+              <a:rPr lang="ja-JP" altLang="en-US"/>
               <a:t>第 </a:t>
             </a:r>
             <a:r>
-              <a:rPr lang="en-US" altLang="ja-JP" smtClean="0"/>
+              <a:rPr lang="en-US" altLang="ja-JP"/>
               <a:t>3 </a:t>
             </a:r>
             <a:r>
-              <a:rPr lang="ja-JP" altLang="en-US" smtClean="0"/>
+              <a:rPr lang="ja-JP" altLang="en-US"/>
               <a:t>レベル</a:t>
             </a:r>
           </a:p>
           <a:p>
             <a:pPr lvl="3"/>
             <a:r>
-              <a:rPr lang="ja-JP" altLang="en-US" smtClean="0"/>
+              <a:rPr lang="ja-JP" altLang="en-US"/>
               <a:t>第 </a:t>
             </a:r>
             <a:r>
-              <a:rPr lang="en-US" altLang="ja-JP" smtClean="0"/>
+              <a:rPr lang="en-US" altLang="ja-JP"/>
               <a:t>4 </a:t>
             </a:r>
             <a:r>
-              <a:rPr lang="ja-JP" altLang="en-US" smtClean="0"/>
+              <a:rPr lang="ja-JP" altLang="en-US"/>
               <a:t>レベル</a:t>
             </a:r>
           </a:p>
           <a:p>
             <a:pPr lvl="4"/>
             <a:r>
-              <a:rPr lang="ja-JP" altLang="en-US" smtClean="0"/>
+              <a:rPr lang="ja-JP" altLang="en-US"/>
               <a:t>第 </a:t>
             </a:r>
             <a:r>
-              <a:rPr lang="en-US" altLang="ja-JP" smtClean="0"/>
+              <a:rPr lang="en-US" altLang="ja-JP"/>
               <a:t>5 </a:t>
             </a:r>
             <a:r>
-              <a:rPr lang="ja-JP" altLang="en-US" smtClean="0"/>
+              <a:rPr lang="ja-JP" altLang="en-US"/>
               <a:t>レベル</a:t>
             </a:r>
             <a:endParaRPr lang="en-US" dirty="0"/>
@@ -17428,7 +17438,7 @@
           <a:p>
             <a:pPr lvl="0"/>
             <a:r>
-              <a:rPr lang="ja-JP" altLang="en-US" smtClean="0"/>
+              <a:rPr lang="ja-JP" altLang="en-US"/>
               <a:t>マスター テキストの書式設定</a:t>
             </a:r>
           </a:p>
@@ -17458,67 +17468,67 @@
           <a:p>
             <a:pPr lvl="0"/>
             <a:r>
-              <a:rPr lang="ja-JP" altLang="en-US" smtClean="0"/>
+              <a:rPr lang="ja-JP" altLang="en-US"/>
               <a:t>マスター テキストの書式設定</a:t>
             </a:r>
           </a:p>
           <a:p>
             <a:pPr lvl="1"/>
             <a:r>
-              <a:rPr lang="ja-JP" altLang="en-US" smtClean="0"/>
+              <a:rPr lang="ja-JP" altLang="en-US"/>
               <a:t>第 </a:t>
             </a:r>
             <a:r>
-              <a:rPr lang="en-US" altLang="ja-JP" smtClean="0"/>
+              <a:rPr lang="en-US" altLang="ja-JP"/>
               <a:t>2 </a:t>
             </a:r>
             <a:r>
-              <a:rPr lang="ja-JP" altLang="en-US" smtClean="0"/>
+              <a:rPr lang="ja-JP" altLang="en-US"/>
               <a:t>レベル</a:t>
             </a:r>
           </a:p>
           <a:p>
             <a:pPr lvl="2"/>
             <a:r>
-              <a:rPr lang="ja-JP" altLang="en-US" smtClean="0"/>
+              <a:rPr lang="ja-JP" altLang="en-US"/>
               <a:t>第 </a:t>
             </a:r>
             <a:r>
-              <a:rPr lang="en-US" altLang="ja-JP" smtClean="0"/>
+              <a:rPr lang="en-US" altLang="ja-JP"/>
               <a:t>3 </a:t>
             </a:r>
             <a:r>
-              <a:rPr lang="ja-JP" altLang="en-US" smtClean="0"/>
+              <a:rPr lang="ja-JP" altLang="en-US"/>
               <a:t>レベル</a:t>
             </a:r>
           </a:p>
           <a:p>
             <a:pPr lvl="3"/>
             <a:r>
-              <a:rPr lang="ja-JP" altLang="en-US" smtClean="0"/>
+              <a:rPr lang="ja-JP" altLang="en-US"/>
               <a:t>第 </a:t>
             </a:r>
             <a:r>
-              <a:rPr lang="en-US" altLang="ja-JP" smtClean="0"/>
+              <a:rPr lang="en-US" altLang="ja-JP"/>
               <a:t>4 </a:t>
             </a:r>
             <a:r>
-              <a:rPr lang="ja-JP" altLang="en-US" smtClean="0"/>
+              <a:rPr lang="ja-JP" altLang="en-US"/>
               <a:t>レベル</a:t>
             </a:r>
           </a:p>
           <a:p>
             <a:pPr lvl="4"/>
             <a:r>
-              <a:rPr lang="ja-JP" altLang="en-US" smtClean="0"/>
+              <a:rPr lang="ja-JP" altLang="en-US"/>
               <a:t>第 </a:t>
             </a:r>
             <a:r>
-              <a:rPr lang="en-US" altLang="ja-JP" smtClean="0"/>
+              <a:rPr lang="en-US" altLang="ja-JP"/>
               <a:t>5 </a:t>
             </a:r>
             <a:r>
-              <a:rPr lang="ja-JP" altLang="en-US" smtClean="0"/>
+              <a:rPr lang="ja-JP" altLang="en-US"/>
               <a:t>レベル</a:t>
             </a:r>
             <a:endParaRPr lang="en-US" dirty="0"/>
@@ -17542,7 +17552,7 @@
           <a:p>
             <a:fld id="{42AF59CD-9B52-459E-8C08-9F139B94FE8C}" type="datetimeFigureOut">
               <a:rPr kumimoji="1" lang="ja-JP" altLang="en-US" smtClean="0"/>
-              <a:t>2019/9/24</a:t>
+              <a:t>2019/9/25</a:t>
             </a:fld>
             <a:endParaRPr kumimoji="1" lang="ja-JP" altLang="en-US"/>
           </a:p>
@@ -17641,7 +17651,7 @@
           <a:lstStyle/>
           <a:p>
             <a:r>
-              <a:rPr lang="ja-JP" altLang="en-US" smtClean="0"/>
+              <a:rPr lang="ja-JP" altLang="en-US"/>
               <a:t>マスター タイトルの書式設定</a:t>
             </a:r>
             <a:endParaRPr lang="en-US" dirty="0"/>
@@ -17700,67 +17710,67 @@
           <a:p>
             <a:pPr lvl="0"/>
             <a:r>
-              <a:rPr lang="ja-JP" altLang="en-US" smtClean="0"/>
+              <a:rPr lang="ja-JP" altLang="en-US"/>
               <a:t>マスター テキストの書式設定</a:t>
             </a:r>
           </a:p>
           <a:p>
             <a:pPr lvl="1"/>
             <a:r>
-              <a:rPr lang="ja-JP" altLang="en-US" smtClean="0"/>
+              <a:rPr lang="ja-JP" altLang="en-US"/>
               <a:t>第 </a:t>
             </a:r>
             <a:r>
-              <a:rPr lang="en-US" altLang="ja-JP" smtClean="0"/>
+              <a:rPr lang="en-US" altLang="ja-JP"/>
               <a:t>2 </a:t>
             </a:r>
             <a:r>
-              <a:rPr lang="ja-JP" altLang="en-US" smtClean="0"/>
+              <a:rPr lang="ja-JP" altLang="en-US"/>
               <a:t>レベル</a:t>
             </a:r>
           </a:p>
           <a:p>
             <a:pPr lvl="2"/>
             <a:r>
-              <a:rPr lang="ja-JP" altLang="en-US" smtClean="0"/>
+              <a:rPr lang="ja-JP" altLang="en-US"/>
               <a:t>第 </a:t>
             </a:r>
             <a:r>
-              <a:rPr lang="en-US" altLang="ja-JP" smtClean="0"/>
+              <a:rPr lang="en-US" altLang="ja-JP"/>
               <a:t>3 </a:t>
             </a:r>
             <a:r>
-              <a:rPr lang="ja-JP" altLang="en-US" smtClean="0"/>
+              <a:rPr lang="ja-JP" altLang="en-US"/>
               <a:t>レベル</a:t>
             </a:r>
           </a:p>
           <a:p>
             <a:pPr lvl="3"/>
             <a:r>
-              <a:rPr lang="ja-JP" altLang="en-US" smtClean="0"/>
+              <a:rPr lang="ja-JP" altLang="en-US"/>
               <a:t>第 </a:t>
             </a:r>
             <a:r>
-              <a:rPr lang="en-US" altLang="ja-JP" smtClean="0"/>
+              <a:rPr lang="en-US" altLang="ja-JP"/>
               <a:t>4 </a:t>
             </a:r>
             <a:r>
-              <a:rPr lang="ja-JP" altLang="en-US" smtClean="0"/>
+              <a:rPr lang="ja-JP" altLang="en-US"/>
               <a:t>レベル</a:t>
             </a:r>
           </a:p>
           <a:p>
             <a:pPr lvl="4"/>
             <a:r>
-              <a:rPr lang="ja-JP" altLang="en-US" smtClean="0"/>
+              <a:rPr lang="ja-JP" altLang="en-US"/>
               <a:t>第 </a:t>
             </a:r>
             <a:r>
-              <a:rPr lang="en-US" altLang="ja-JP" smtClean="0"/>
+              <a:rPr lang="en-US" altLang="ja-JP"/>
               <a:t>5 </a:t>
             </a:r>
             <a:r>
-              <a:rPr lang="ja-JP" altLang="en-US" smtClean="0"/>
+              <a:rPr lang="ja-JP" altLang="en-US"/>
               <a:t>レベル</a:t>
             </a:r>
             <a:endParaRPr lang="en-US" dirty="0"/>
@@ -17819,67 +17829,67 @@
           <a:p>
             <a:pPr lvl="0"/>
             <a:r>
-              <a:rPr lang="ja-JP" altLang="en-US" smtClean="0"/>
+              <a:rPr lang="ja-JP" altLang="en-US"/>
               <a:t>マスター テキストの書式設定</a:t>
             </a:r>
           </a:p>
           <a:p>
             <a:pPr lvl="1"/>
             <a:r>
-              <a:rPr lang="ja-JP" altLang="en-US" smtClean="0"/>
+              <a:rPr lang="ja-JP" altLang="en-US"/>
               <a:t>第 </a:t>
             </a:r>
             <a:r>
-              <a:rPr lang="en-US" altLang="ja-JP" smtClean="0"/>
+              <a:rPr lang="en-US" altLang="ja-JP"/>
               <a:t>2 </a:t>
             </a:r>
             <a:r>
-              <a:rPr lang="ja-JP" altLang="en-US" smtClean="0"/>
+              <a:rPr lang="ja-JP" altLang="en-US"/>
               <a:t>レベル</a:t>
             </a:r>
           </a:p>
           <a:p>
             <a:pPr lvl="2"/>
             <a:r>
-              <a:rPr lang="ja-JP" altLang="en-US" smtClean="0"/>
+              <a:rPr lang="ja-JP" altLang="en-US"/>
               <a:t>第 </a:t>
             </a:r>
             <a:r>
-              <a:rPr lang="en-US" altLang="ja-JP" smtClean="0"/>
+              <a:rPr lang="en-US" altLang="ja-JP"/>
               <a:t>3 </a:t>
             </a:r>
             <a:r>
-              <a:rPr lang="ja-JP" altLang="en-US" smtClean="0"/>
+              <a:rPr lang="ja-JP" altLang="en-US"/>
               <a:t>レベル</a:t>
             </a:r>
           </a:p>
           <a:p>
             <a:pPr lvl="3"/>
             <a:r>
-              <a:rPr lang="ja-JP" altLang="en-US" smtClean="0"/>
+              <a:rPr lang="ja-JP" altLang="en-US"/>
               <a:t>第 </a:t>
             </a:r>
             <a:r>
-              <a:rPr lang="en-US" altLang="ja-JP" smtClean="0"/>
+              <a:rPr lang="en-US" altLang="ja-JP"/>
               <a:t>4 </a:t>
             </a:r>
             <a:r>
-              <a:rPr lang="ja-JP" altLang="en-US" smtClean="0"/>
+              <a:rPr lang="ja-JP" altLang="en-US"/>
               <a:t>レベル</a:t>
             </a:r>
           </a:p>
           <a:p>
             <a:pPr lvl="4"/>
             <a:r>
-              <a:rPr lang="ja-JP" altLang="en-US" smtClean="0"/>
+              <a:rPr lang="ja-JP" altLang="en-US"/>
               <a:t>第 </a:t>
             </a:r>
             <a:r>
-              <a:rPr lang="en-US" altLang="ja-JP" smtClean="0"/>
+              <a:rPr lang="en-US" altLang="ja-JP"/>
               <a:t>5 </a:t>
             </a:r>
             <a:r>
-              <a:rPr lang="ja-JP" altLang="en-US" smtClean="0"/>
+              <a:rPr lang="ja-JP" altLang="en-US"/>
               <a:t>レベル</a:t>
             </a:r>
             <a:endParaRPr lang="en-US" dirty="0"/>
@@ -17903,7 +17913,7 @@
           <a:p>
             <a:fld id="{42AF59CD-9B52-459E-8C08-9F139B94FE8C}" type="datetimeFigureOut">
               <a:rPr kumimoji="1" lang="ja-JP" altLang="en-US" smtClean="0"/>
-              <a:t>2019/9/24</a:t>
+              <a:t>2019/9/25</a:t>
             </a:fld>
             <a:endParaRPr kumimoji="1" lang="ja-JP" altLang="en-US"/>
           </a:p>
@@ -18058,7 +18068,7 @@
           <a:ln/>
           <a:extLst>
             <a:ext uri="{91240B29-F687-4f45-9708-019B960494DF}">
-              <a14:hiddenLine xmlns:a14="http://schemas.microsoft.com/office/drawing/2010/main" xmlns="" w="9525">
+              <a14:hiddenLine xmlns="" xmlns:a14="http://schemas.microsoft.com/office/drawing/2010/main" w="9525">
                 <a:solidFill>
                   <a:srgbClr val="000000"/>
                 </a:solidFill>
@@ -18100,7 +18110,7 @@
           <a:lstStyle/>
           <a:p>
             <a:r>
-              <a:rPr lang="ja-JP" altLang="en-US" smtClean="0"/>
+              <a:rPr lang="ja-JP" altLang="en-US"/>
               <a:t>マスター タイトルの書式設定</a:t>
             </a:r>
             <a:endParaRPr lang="en-US" dirty="0"/>
@@ -18124,7 +18134,7 @@
           <a:p>
             <a:fld id="{42AF59CD-9B52-459E-8C08-9F139B94FE8C}" type="datetimeFigureOut">
               <a:rPr kumimoji="1" lang="ja-JP" altLang="en-US" smtClean="0"/>
-              <a:t>2019/9/24</a:t>
+              <a:t>2019/9/25</a:t>
             </a:fld>
             <a:endParaRPr kumimoji="1" lang="ja-JP" altLang="en-US"/>
           </a:p>
@@ -18219,7 +18229,7 @@
           <a:p>
             <a:fld id="{42AF59CD-9B52-459E-8C08-9F139B94FE8C}" type="datetimeFigureOut">
               <a:rPr kumimoji="1" lang="ja-JP" altLang="en-US" smtClean="0"/>
-              <a:t>2019/9/24</a:t>
+              <a:t>2019/9/25</a:t>
             </a:fld>
             <a:endParaRPr kumimoji="1" lang="ja-JP" altLang="en-US"/>
           </a:p>
@@ -18487,7 +18497,7 @@
           <a:ln/>
           <a:extLst>
             <a:ext uri="{91240B29-F687-4f45-9708-019B960494DF}">
-              <a14:hiddenLine xmlns:a14="http://schemas.microsoft.com/office/drawing/2010/main" xmlns="" w="9525">
+              <a14:hiddenLine xmlns="" xmlns:a14="http://schemas.microsoft.com/office/drawing/2010/main" w="9525">
                 <a:solidFill>
                   <a:srgbClr val="000000"/>
                 </a:solidFill>
@@ -18538,7 +18548,7 @@
           </a:lstStyle>
           <a:p>
             <a:r>
-              <a:rPr lang="ja-JP" altLang="en-US" smtClean="0"/>
+              <a:rPr lang="ja-JP" altLang="en-US"/>
               <a:t>マスター タイトルの書式設定</a:t>
             </a:r>
             <a:endParaRPr lang="en-US" dirty="0"/>
@@ -18569,67 +18579,67 @@
           <a:p>
             <a:pPr lvl="0"/>
             <a:r>
-              <a:rPr lang="ja-JP" altLang="en-US" smtClean="0"/>
+              <a:rPr lang="ja-JP" altLang="en-US"/>
               <a:t>マスター テキストの書式設定</a:t>
             </a:r>
           </a:p>
           <a:p>
             <a:pPr lvl="1"/>
             <a:r>
-              <a:rPr lang="ja-JP" altLang="en-US" smtClean="0"/>
+              <a:rPr lang="ja-JP" altLang="en-US"/>
               <a:t>第 </a:t>
             </a:r>
             <a:r>
-              <a:rPr lang="en-US" altLang="ja-JP" smtClean="0"/>
+              <a:rPr lang="en-US" altLang="ja-JP"/>
               <a:t>2 </a:t>
             </a:r>
             <a:r>
-              <a:rPr lang="ja-JP" altLang="en-US" smtClean="0"/>
+              <a:rPr lang="ja-JP" altLang="en-US"/>
               <a:t>レベル</a:t>
             </a:r>
           </a:p>
           <a:p>
             <a:pPr lvl="2"/>
             <a:r>
-              <a:rPr lang="ja-JP" altLang="en-US" smtClean="0"/>
+              <a:rPr lang="ja-JP" altLang="en-US"/>
               <a:t>第 </a:t>
             </a:r>
             <a:r>
-              <a:rPr lang="en-US" altLang="ja-JP" smtClean="0"/>
+              <a:rPr lang="en-US" altLang="ja-JP"/>
               <a:t>3 </a:t>
             </a:r>
             <a:r>
-              <a:rPr lang="ja-JP" altLang="en-US" smtClean="0"/>
+              <a:rPr lang="ja-JP" altLang="en-US"/>
               <a:t>レベル</a:t>
             </a:r>
           </a:p>
           <a:p>
             <a:pPr lvl="3"/>
             <a:r>
-              <a:rPr lang="ja-JP" altLang="en-US" smtClean="0"/>
+              <a:rPr lang="ja-JP" altLang="en-US"/>
               <a:t>第 </a:t>
             </a:r>
             <a:r>
-              <a:rPr lang="en-US" altLang="ja-JP" smtClean="0"/>
+              <a:rPr lang="en-US" altLang="ja-JP"/>
               <a:t>4 </a:t>
             </a:r>
             <a:r>
-              <a:rPr lang="ja-JP" altLang="en-US" smtClean="0"/>
+              <a:rPr lang="ja-JP" altLang="en-US"/>
               <a:t>レベル</a:t>
             </a:r>
           </a:p>
           <a:p>
             <a:pPr lvl="4"/>
             <a:r>
-              <a:rPr lang="ja-JP" altLang="en-US" smtClean="0"/>
+              <a:rPr lang="ja-JP" altLang="en-US"/>
               <a:t>第 </a:t>
             </a:r>
             <a:r>
-              <a:rPr lang="en-US" altLang="ja-JP" smtClean="0"/>
+              <a:rPr lang="en-US" altLang="ja-JP"/>
               <a:t>5 </a:t>
             </a:r>
             <a:r>
-              <a:rPr lang="ja-JP" altLang="en-US" smtClean="0"/>
+              <a:rPr lang="ja-JP" altLang="en-US"/>
               <a:t>レベル</a:t>
             </a:r>
             <a:endParaRPr lang="en-US" dirty="0"/>
@@ -18695,7 +18705,7 @@
           <a:p>
             <a:pPr lvl="0"/>
             <a:r>
-              <a:rPr lang="ja-JP" altLang="en-US" smtClean="0"/>
+              <a:rPr lang="ja-JP" altLang="en-US"/>
               <a:t>マスター テキストの書式設定</a:t>
             </a:r>
           </a:p>
@@ -18718,7 +18728,7 @@
           <a:p>
             <a:fld id="{42AF59CD-9B52-459E-8C08-9F139B94FE8C}" type="datetimeFigureOut">
               <a:rPr kumimoji="1" lang="ja-JP" altLang="en-US" smtClean="0"/>
-              <a:t>2019/9/24</a:t>
+              <a:t>2019/9/25</a:t>
             </a:fld>
             <a:endParaRPr kumimoji="1" lang="ja-JP" altLang="en-US"/>
           </a:p>
@@ -18823,7 +18833,7 @@
           </a:lstStyle>
           <a:p>
             <a:r>
-              <a:rPr lang="ja-JP" altLang="en-US" smtClean="0"/>
+              <a:rPr lang="ja-JP" altLang="en-US"/>
               <a:t>マスター タイトルの書式設定</a:t>
             </a:r>
             <a:endParaRPr lang="en-US" dirty="0"/>
@@ -18935,7 +18945,7 @@
           </a:lstStyle>
           <a:p>
             <a:r>
-              <a:rPr lang="ja-JP" altLang="en-US" smtClean="0"/>
+              <a:rPr lang="ja-JP" altLang="en-US"/>
               <a:t>図を追加</a:t>
             </a:r>
             <a:endParaRPr lang="en-US" dirty="0"/>
@@ -19003,7 +19013,7 @@
           <a:p>
             <a:pPr lvl="0"/>
             <a:r>
-              <a:rPr lang="ja-JP" altLang="en-US" smtClean="0"/>
+              <a:rPr lang="ja-JP" altLang="en-US"/>
               <a:t>マスター テキストの書式設定</a:t>
             </a:r>
           </a:p>
@@ -19031,7 +19041,7 @@
           <a:p>
             <a:fld id="{42AF59CD-9B52-459E-8C08-9F139B94FE8C}" type="datetimeFigureOut">
               <a:rPr kumimoji="1" lang="ja-JP" altLang="en-US" smtClean="0"/>
-              <a:t>2019/9/24</a:t>
+              <a:t>2019/9/25</a:t>
             </a:fld>
             <a:endParaRPr kumimoji="1" lang="ja-JP" altLang="en-US"/>
           </a:p>
@@ -19146,7 +19156,7 @@
           </a:lstStyle>
           <a:p>
             <a:r>
-              <a:rPr lang="ja-JP" altLang="en-US" smtClean="0"/>
+              <a:rPr lang="ja-JP" altLang="en-US"/>
               <a:t>マスター タイトルの書式設定</a:t>
             </a:r>
             <a:endParaRPr lang="en-US" dirty="0"/>
@@ -19268,7 +19278,7 @@
           </a:lstStyle>
           <a:p>
             <a:r>
-              <a:rPr lang="ja-JP" altLang="en-US" smtClean="0"/>
+              <a:rPr lang="ja-JP" altLang="en-US"/>
               <a:t>図を追加</a:t>
             </a:r>
             <a:endParaRPr lang="en-US" dirty="0"/>
@@ -19336,7 +19346,7 @@
           <a:p>
             <a:pPr lvl="0"/>
             <a:r>
-              <a:rPr lang="ja-JP" altLang="en-US" smtClean="0"/>
+              <a:rPr lang="ja-JP" altLang="en-US"/>
               <a:t>マスター テキストの書式設定</a:t>
             </a:r>
           </a:p>
@@ -19359,7 +19369,7 @@
           <a:p>
             <a:fld id="{42AF59CD-9B52-459E-8C08-9F139B94FE8C}" type="datetimeFigureOut">
               <a:rPr kumimoji="1" lang="ja-JP" altLang="en-US" smtClean="0"/>
-              <a:t>2019/9/24</a:t>
+              <a:t>2019/9/25</a:t>
             </a:fld>
             <a:endParaRPr kumimoji="1" lang="ja-JP" altLang="en-US"/>
           </a:p>
@@ -19670,7 +19680,7 @@
           </a:lstStyle>
           <a:p>
             <a:r>
-              <a:rPr lang="ja-JP" altLang="en-US" smtClean="0"/>
+              <a:rPr lang="ja-JP" altLang="en-US"/>
               <a:t>マスター タイトルの書式設定</a:t>
             </a:r>
             <a:endParaRPr lang="en-US" dirty="0"/>
@@ -19790,7 +19800,7 @@
           <a:p>
             <a:pPr lvl="0"/>
             <a:r>
-              <a:rPr lang="ja-JP" altLang="en-US" smtClean="0"/>
+              <a:rPr lang="ja-JP" altLang="en-US"/>
               <a:t>マスター テキストの書式設定</a:t>
             </a:r>
           </a:p>
@@ -19824,7 +19834,7 @@
           <a:p>
             <a:pPr lvl="0"/>
             <a:r>
-              <a:rPr lang="ja-JP" altLang="en-US" smtClean="0"/>
+              <a:rPr lang="ja-JP" altLang="en-US"/>
               <a:t>マスター テキストの書式設定</a:t>
             </a:r>
           </a:p>
@@ -19847,7 +19857,7 @@
           <a:p>
             <a:fld id="{42AF59CD-9B52-459E-8C08-9F139B94FE8C}" type="datetimeFigureOut">
               <a:rPr kumimoji="1" lang="ja-JP" altLang="en-US" smtClean="0"/>
-              <a:t>2019/9/24</a:t>
+              <a:t>2019/9/25</a:t>
             </a:fld>
             <a:endParaRPr kumimoji="1" lang="ja-JP" altLang="en-US"/>
           </a:p>
@@ -20158,7 +20168,7 @@
           </a:lstStyle>
           <a:p>
             <a:r>
-              <a:rPr lang="ja-JP" altLang="en-US" smtClean="0"/>
+              <a:rPr lang="ja-JP" altLang="en-US"/>
               <a:t>マスター タイトルの書式設定</a:t>
             </a:r>
             <a:endParaRPr lang="en-US" dirty="0"/>
@@ -20193,7 +20203,7 @@
           <a:p>
             <a:pPr lvl="0"/>
             <a:r>
-              <a:rPr lang="ja-JP" altLang="en-US" smtClean="0"/>
+              <a:rPr lang="ja-JP" altLang="en-US"/>
               <a:t>マスター テキストの書式設定</a:t>
             </a:r>
           </a:p>
@@ -20216,7 +20226,7 @@
           <a:p>
             <a:fld id="{42AF59CD-9B52-459E-8C08-9F139B94FE8C}" type="datetimeFigureOut">
               <a:rPr kumimoji="1" lang="ja-JP" altLang="en-US" smtClean="0"/>
-              <a:t>2019/9/24</a:t>
+              <a:t>2019/9/25</a:t>
             </a:fld>
             <a:endParaRPr kumimoji="1" lang="ja-JP" altLang="en-US"/>
           </a:p>
@@ -20371,7 +20381,7 @@
           <a:ln/>
           <a:extLst>
             <a:ext uri="{91240B29-F687-4f45-9708-019B960494DF}">
-              <a14:hiddenLine xmlns:a14="http://schemas.microsoft.com/office/drawing/2010/main" xmlns="" w="9525">
+              <a14:hiddenLine xmlns="" xmlns:a14="http://schemas.microsoft.com/office/drawing/2010/main" w="9525">
                 <a:solidFill>
                   <a:srgbClr val="000000"/>
                 </a:solidFill>
@@ -20413,7 +20423,7 @@
           <a:lstStyle/>
           <a:p>
             <a:r>
-              <a:rPr lang="ja-JP" altLang="en-US" smtClean="0"/>
+              <a:rPr lang="ja-JP" altLang="en-US"/>
               <a:t>マスター タイトルの書式設定</a:t>
             </a:r>
             <a:endParaRPr lang="en-US" dirty="0"/>
@@ -20437,67 +20447,67 @@
           <a:p>
             <a:pPr lvl="0"/>
             <a:r>
-              <a:rPr lang="ja-JP" altLang="en-US" smtClean="0"/>
+              <a:rPr lang="ja-JP" altLang="en-US"/>
               <a:t>マスター テキストの書式設定</a:t>
             </a:r>
           </a:p>
           <a:p>
             <a:pPr lvl="1"/>
             <a:r>
-              <a:rPr lang="ja-JP" altLang="en-US" smtClean="0"/>
+              <a:rPr lang="ja-JP" altLang="en-US"/>
               <a:t>第 </a:t>
             </a:r>
             <a:r>
-              <a:rPr lang="en-US" altLang="ja-JP" smtClean="0"/>
+              <a:rPr lang="en-US" altLang="ja-JP"/>
               <a:t>2 </a:t>
             </a:r>
             <a:r>
-              <a:rPr lang="ja-JP" altLang="en-US" smtClean="0"/>
+              <a:rPr lang="ja-JP" altLang="en-US"/>
               <a:t>レベル</a:t>
             </a:r>
           </a:p>
           <a:p>
             <a:pPr lvl="2"/>
             <a:r>
-              <a:rPr lang="ja-JP" altLang="en-US" smtClean="0"/>
+              <a:rPr lang="ja-JP" altLang="en-US"/>
               <a:t>第 </a:t>
             </a:r>
             <a:r>
-              <a:rPr lang="en-US" altLang="ja-JP" smtClean="0"/>
+              <a:rPr lang="en-US" altLang="ja-JP"/>
               <a:t>3 </a:t>
             </a:r>
             <a:r>
-              <a:rPr lang="ja-JP" altLang="en-US" smtClean="0"/>
+              <a:rPr lang="ja-JP" altLang="en-US"/>
               <a:t>レベル</a:t>
             </a:r>
           </a:p>
           <a:p>
             <a:pPr lvl="3"/>
             <a:r>
-              <a:rPr lang="ja-JP" altLang="en-US" smtClean="0"/>
+              <a:rPr lang="ja-JP" altLang="en-US"/>
               <a:t>第 </a:t>
             </a:r>
             <a:r>
-              <a:rPr lang="en-US" altLang="ja-JP" smtClean="0"/>
+              <a:rPr lang="en-US" altLang="ja-JP"/>
               <a:t>4 </a:t>
             </a:r>
             <a:r>
-              <a:rPr lang="ja-JP" altLang="en-US" smtClean="0"/>
+              <a:rPr lang="ja-JP" altLang="en-US"/>
               <a:t>レベル</a:t>
             </a:r>
           </a:p>
           <a:p>
             <a:pPr lvl="4"/>
             <a:r>
-              <a:rPr lang="ja-JP" altLang="en-US" smtClean="0"/>
+              <a:rPr lang="ja-JP" altLang="en-US"/>
               <a:t>第 </a:t>
             </a:r>
             <a:r>
-              <a:rPr lang="en-US" altLang="ja-JP" smtClean="0"/>
+              <a:rPr lang="en-US" altLang="ja-JP"/>
               <a:t>5 </a:t>
             </a:r>
             <a:r>
-              <a:rPr lang="ja-JP" altLang="en-US" smtClean="0"/>
+              <a:rPr lang="ja-JP" altLang="en-US"/>
               <a:t>レベル</a:t>
             </a:r>
             <a:endParaRPr lang="en-US" dirty="0"/>
@@ -20521,7 +20531,7 @@
           <a:p>
             <a:fld id="{42AF59CD-9B52-459E-8C08-9F139B94FE8C}" type="datetimeFigureOut">
               <a:rPr kumimoji="1" lang="ja-JP" altLang="en-US" smtClean="0"/>
-              <a:t>2019/9/24</a:t>
+              <a:t>2019/9/25</a:t>
             </a:fld>
             <a:endParaRPr kumimoji="1" lang="ja-JP" altLang="en-US"/>
           </a:p>
@@ -20678,7 +20688,7 @@
           <a:ln/>
           <a:extLst>
             <a:ext uri="{91240B29-F687-4f45-9708-019B960494DF}">
-              <a14:hiddenLine xmlns:a14="http://schemas.microsoft.com/office/drawing/2010/main" xmlns="" w="9525">
+              <a14:hiddenLine xmlns="" xmlns:a14="http://schemas.microsoft.com/office/drawing/2010/main" w="9525">
                 <a:solidFill>
                   <a:srgbClr val="000000"/>
                 </a:solidFill>
@@ -20725,7 +20735,7 @@
           <a:lstStyle/>
           <a:p>
             <a:r>
-              <a:rPr lang="ja-JP" altLang="en-US" smtClean="0"/>
+              <a:rPr lang="ja-JP" altLang="en-US"/>
               <a:t>マスター タイトルの書式設定</a:t>
             </a:r>
             <a:endParaRPr lang="en-US" dirty="0"/>
@@ -20754,67 +20764,67 @@
           <a:p>
             <a:pPr lvl="0"/>
             <a:r>
-              <a:rPr lang="ja-JP" altLang="en-US" smtClean="0"/>
+              <a:rPr lang="ja-JP" altLang="en-US"/>
               <a:t>マスター テキストの書式設定</a:t>
             </a:r>
           </a:p>
           <a:p>
             <a:pPr lvl="1"/>
             <a:r>
-              <a:rPr lang="ja-JP" altLang="en-US" smtClean="0"/>
+              <a:rPr lang="ja-JP" altLang="en-US"/>
               <a:t>第 </a:t>
             </a:r>
             <a:r>
-              <a:rPr lang="en-US" altLang="ja-JP" smtClean="0"/>
+              <a:rPr lang="en-US" altLang="ja-JP"/>
               <a:t>2 </a:t>
             </a:r>
             <a:r>
-              <a:rPr lang="ja-JP" altLang="en-US" smtClean="0"/>
+              <a:rPr lang="ja-JP" altLang="en-US"/>
               <a:t>レベル</a:t>
             </a:r>
           </a:p>
           <a:p>
             <a:pPr lvl="2"/>
             <a:r>
-              <a:rPr lang="ja-JP" altLang="en-US" smtClean="0"/>
+              <a:rPr lang="ja-JP" altLang="en-US"/>
               <a:t>第 </a:t>
             </a:r>
             <a:r>
-              <a:rPr lang="en-US" altLang="ja-JP" smtClean="0"/>
+              <a:rPr lang="en-US" altLang="ja-JP"/>
               <a:t>3 </a:t>
             </a:r>
             <a:r>
-              <a:rPr lang="ja-JP" altLang="en-US" smtClean="0"/>
+              <a:rPr lang="ja-JP" altLang="en-US"/>
               <a:t>レベル</a:t>
             </a:r>
           </a:p>
           <a:p>
             <a:pPr lvl="3"/>
             <a:r>
-              <a:rPr lang="ja-JP" altLang="en-US" smtClean="0"/>
+              <a:rPr lang="ja-JP" altLang="en-US"/>
               <a:t>第 </a:t>
             </a:r>
             <a:r>
-              <a:rPr lang="en-US" altLang="ja-JP" smtClean="0"/>
+              <a:rPr lang="en-US" altLang="ja-JP"/>
               <a:t>4 </a:t>
             </a:r>
             <a:r>
-              <a:rPr lang="ja-JP" altLang="en-US" smtClean="0"/>
+              <a:rPr lang="ja-JP" altLang="en-US"/>
               <a:t>レベル</a:t>
             </a:r>
           </a:p>
           <a:p>
             <a:pPr lvl="4"/>
             <a:r>
-              <a:rPr lang="ja-JP" altLang="en-US" smtClean="0"/>
+              <a:rPr lang="ja-JP" altLang="en-US"/>
               <a:t>第 </a:t>
             </a:r>
             <a:r>
-              <a:rPr lang="en-US" altLang="ja-JP" smtClean="0"/>
+              <a:rPr lang="en-US" altLang="ja-JP"/>
               <a:t>5 </a:t>
             </a:r>
             <a:r>
-              <a:rPr lang="ja-JP" altLang="en-US" smtClean="0"/>
+              <a:rPr lang="ja-JP" altLang="en-US"/>
               <a:t>レベル</a:t>
             </a:r>
             <a:endParaRPr lang="en-US" dirty="0"/>
@@ -20838,7 +20848,7 @@
           <a:p>
             <a:fld id="{42AF59CD-9B52-459E-8C08-9F139B94FE8C}" type="datetimeFigureOut">
               <a:rPr kumimoji="1" lang="ja-JP" altLang="en-US" smtClean="0"/>
-              <a:t>2019/9/24</a:t>
+              <a:t>2019/9/25</a:t>
             </a:fld>
             <a:endParaRPr kumimoji="1" lang="ja-JP" altLang="en-US"/>
           </a:p>
@@ -20936,7 +20946,7 @@
           </a:lstStyle>
           <a:p>
             <a:r>
-              <a:rPr lang="ja-JP" altLang="en-US" smtClean="0"/>
+              <a:rPr lang="ja-JP" altLang="en-US"/>
               <a:t>マスター タイトルの書式設定</a:t>
             </a:r>
             <a:endParaRPr lang="en-US" dirty="0"/>
@@ -21010,7 +21020,7 @@
           <a:p>
             <a:pPr lvl="0"/>
             <a:r>
-              <a:rPr lang="ja-JP" altLang="en-US" smtClean="0"/>
+              <a:rPr lang="ja-JP" altLang="en-US"/>
               <a:t>マスター テキストの書式設定</a:t>
             </a:r>
           </a:p>
@@ -21068,67 +21078,67 @@
           <a:p>
             <a:pPr lvl="0"/>
             <a:r>
-              <a:rPr lang="ja-JP" altLang="en-US" smtClean="0"/>
+              <a:rPr lang="ja-JP" altLang="en-US"/>
               <a:t>マスター テキストの書式設定</a:t>
             </a:r>
           </a:p>
           <a:p>
             <a:pPr lvl="1"/>
             <a:r>
-              <a:rPr lang="ja-JP" altLang="en-US" smtClean="0"/>
+              <a:rPr lang="ja-JP" altLang="en-US"/>
               <a:t>第 </a:t>
             </a:r>
             <a:r>
-              <a:rPr lang="en-US" altLang="ja-JP" smtClean="0"/>
+              <a:rPr lang="en-US" altLang="ja-JP"/>
               <a:t>2 </a:t>
             </a:r>
             <a:r>
-              <a:rPr lang="ja-JP" altLang="en-US" smtClean="0"/>
+              <a:rPr lang="ja-JP" altLang="en-US"/>
               <a:t>レベル</a:t>
             </a:r>
           </a:p>
           <a:p>
             <a:pPr lvl="2"/>
             <a:r>
-              <a:rPr lang="ja-JP" altLang="en-US" smtClean="0"/>
+              <a:rPr lang="ja-JP" altLang="en-US"/>
               <a:t>第 </a:t>
             </a:r>
             <a:r>
-              <a:rPr lang="en-US" altLang="ja-JP" smtClean="0"/>
+              <a:rPr lang="en-US" altLang="ja-JP"/>
               <a:t>3 </a:t>
             </a:r>
             <a:r>
-              <a:rPr lang="ja-JP" altLang="en-US" smtClean="0"/>
+              <a:rPr lang="ja-JP" altLang="en-US"/>
               <a:t>レベル</a:t>
             </a:r>
           </a:p>
           <a:p>
             <a:pPr lvl="3"/>
             <a:r>
-              <a:rPr lang="ja-JP" altLang="en-US" smtClean="0"/>
+              <a:rPr lang="ja-JP" altLang="en-US"/>
               <a:t>第 </a:t>
             </a:r>
             <a:r>
-              <a:rPr lang="en-US" altLang="ja-JP" smtClean="0"/>
+              <a:rPr lang="en-US" altLang="ja-JP"/>
               <a:t>4 </a:t>
             </a:r>
             <a:r>
-              <a:rPr lang="ja-JP" altLang="en-US" smtClean="0"/>
+              <a:rPr lang="ja-JP" altLang="en-US"/>
               <a:t>レベル</a:t>
             </a:r>
           </a:p>
           <a:p>
             <a:pPr lvl="4"/>
             <a:r>
-              <a:rPr lang="ja-JP" altLang="en-US" smtClean="0"/>
+              <a:rPr lang="ja-JP" altLang="en-US"/>
               <a:t>第 </a:t>
             </a:r>
             <a:r>
-              <a:rPr lang="en-US" altLang="ja-JP" smtClean="0"/>
+              <a:rPr lang="en-US" altLang="ja-JP"/>
               <a:t>5 </a:t>
             </a:r>
             <a:r>
-              <a:rPr lang="ja-JP" altLang="en-US" smtClean="0"/>
+              <a:rPr lang="ja-JP" altLang="en-US"/>
               <a:t>レベル</a:t>
             </a:r>
             <a:endParaRPr lang="en-US" dirty="0"/>
@@ -21202,7 +21212,7 @@
           <a:p>
             <a:pPr lvl="0"/>
             <a:r>
-              <a:rPr lang="ja-JP" altLang="en-US" smtClean="0"/>
+              <a:rPr lang="ja-JP" altLang="en-US"/>
               <a:t>マスター テキストの書式設定</a:t>
             </a:r>
           </a:p>
@@ -21260,67 +21270,67 @@
           <a:p>
             <a:pPr lvl="0"/>
             <a:r>
-              <a:rPr lang="ja-JP" altLang="en-US" smtClean="0"/>
+              <a:rPr lang="ja-JP" altLang="en-US"/>
               <a:t>マスター テキストの書式設定</a:t>
             </a:r>
           </a:p>
           <a:p>
             <a:pPr lvl="1"/>
             <a:r>
-              <a:rPr lang="ja-JP" altLang="en-US" smtClean="0"/>
+              <a:rPr lang="ja-JP" altLang="en-US"/>
               <a:t>第 </a:t>
             </a:r>
             <a:r>
-              <a:rPr lang="en-US" altLang="ja-JP" smtClean="0"/>
+              <a:rPr lang="en-US" altLang="ja-JP"/>
               <a:t>2 </a:t>
             </a:r>
             <a:r>
-              <a:rPr lang="ja-JP" altLang="en-US" smtClean="0"/>
+              <a:rPr lang="ja-JP" altLang="en-US"/>
               <a:t>レベル</a:t>
             </a:r>
           </a:p>
           <a:p>
             <a:pPr lvl="2"/>
             <a:r>
-              <a:rPr lang="ja-JP" altLang="en-US" smtClean="0"/>
+              <a:rPr lang="ja-JP" altLang="en-US"/>
               <a:t>第 </a:t>
             </a:r>
             <a:r>
-              <a:rPr lang="en-US" altLang="ja-JP" smtClean="0"/>
+              <a:rPr lang="en-US" altLang="ja-JP"/>
               <a:t>3 </a:t>
             </a:r>
             <a:r>
-              <a:rPr lang="ja-JP" altLang="en-US" smtClean="0"/>
+              <a:rPr lang="ja-JP" altLang="en-US"/>
               <a:t>レベル</a:t>
             </a:r>
           </a:p>
           <a:p>
             <a:pPr lvl="3"/>
             <a:r>
-              <a:rPr lang="ja-JP" altLang="en-US" smtClean="0"/>
+              <a:rPr lang="ja-JP" altLang="en-US"/>
               <a:t>第 </a:t>
             </a:r>
             <a:r>
-              <a:rPr lang="en-US" altLang="ja-JP" smtClean="0"/>
+              <a:rPr lang="en-US" altLang="ja-JP"/>
               <a:t>4 </a:t>
             </a:r>
             <a:r>
-              <a:rPr lang="ja-JP" altLang="en-US" smtClean="0"/>
+              <a:rPr lang="ja-JP" altLang="en-US"/>
               <a:t>レベル</a:t>
             </a:r>
           </a:p>
           <a:p>
             <a:pPr lvl="4"/>
             <a:r>
-              <a:rPr lang="ja-JP" altLang="en-US" smtClean="0"/>
+              <a:rPr lang="ja-JP" altLang="en-US"/>
               <a:t>第 </a:t>
             </a:r>
             <a:r>
-              <a:rPr lang="en-US" altLang="ja-JP" smtClean="0"/>
+              <a:rPr lang="en-US" altLang="ja-JP"/>
               <a:t>5 </a:t>
             </a:r>
             <a:r>
-              <a:rPr lang="ja-JP" altLang="en-US" smtClean="0"/>
+              <a:rPr lang="ja-JP" altLang="en-US"/>
               <a:t>レベル</a:t>
             </a:r>
             <a:endParaRPr lang="en-US" dirty="0"/>
@@ -21344,7 +21354,7 @@
           <a:p>
             <a:fld id="{42AF59CD-9B52-459E-8C08-9F139B94FE8C}" type="datetimeFigureOut">
               <a:rPr kumimoji="1" lang="ja-JP" altLang="en-US" smtClean="0"/>
-              <a:t>2019/9/24</a:t>
+              <a:t>2019/9/25</a:t>
             </a:fld>
             <a:endParaRPr kumimoji="1" lang="ja-JP" altLang="en-US"/>
           </a:p>
@@ -21438,7 +21448,7 @@
           <a:lstStyle/>
           <a:p>
             <a:r>
-              <a:rPr lang="ja-JP" altLang="en-US" smtClean="0"/>
+              <a:rPr lang="ja-JP" altLang="en-US"/>
               <a:t>マスター タイトルの書式設定</a:t>
             </a:r>
             <a:endParaRPr lang="en-US" dirty="0"/>
@@ -21462,7 +21472,7 @@
           <a:p>
             <a:fld id="{42AF59CD-9B52-459E-8C08-9F139B94FE8C}" type="datetimeFigureOut">
               <a:rPr kumimoji="1" lang="ja-JP" altLang="en-US" smtClean="0"/>
-              <a:t>2019/9/24</a:t>
+              <a:t>2019/9/25</a:t>
             </a:fld>
             <a:endParaRPr kumimoji="1" lang="ja-JP" altLang="en-US"/>
           </a:p>
@@ -21557,7 +21567,7 @@
           <a:p>
             <a:fld id="{42AF59CD-9B52-459E-8C08-9F139B94FE8C}" type="datetimeFigureOut">
               <a:rPr kumimoji="1" lang="ja-JP" altLang="en-US" smtClean="0"/>
-              <a:t>2019/9/24</a:t>
+              <a:t>2019/9/25</a:t>
             </a:fld>
             <a:endParaRPr kumimoji="1" lang="ja-JP" altLang="en-US"/>
           </a:p>
@@ -21662,7 +21672,7 @@
           </a:lstStyle>
           <a:p>
             <a:r>
-              <a:rPr lang="ja-JP" altLang="en-US" smtClean="0"/>
+              <a:rPr lang="ja-JP" altLang="en-US"/>
               <a:t>マスター タイトルの書式設定</a:t>
             </a:r>
             <a:endParaRPr lang="en-US" dirty="0"/>
@@ -21721,67 +21731,67 @@
           <a:p>
             <a:pPr lvl="0"/>
             <a:r>
-              <a:rPr lang="ja-JP" altLang="en-US" smtClean="0"/>
+              <a:rPr lang="ja-JP" altLang="en-US"/>
               <a:t>マスター テキストの書式設定</a:t>
             </a:r>
           </a:p>
           <a:p>
             <a:pPr lvl="1"/>
             <a:r>
-              <a:rPr lang="ja-JP" altLang="en-US" smtClean="0"/>
+              <a:rPr lang="ja-JP" altLang="en-US"/>
               <a:t>第 </a:t>
             </a:r>
             <a:r>
-              <a:rPr lang="en-US" altLang="ja-JP" smtClean="0"/>
+              <a:rPr lang="en-US" altLang="ja-JP"/>
               <a:t>2 </a:t>
             </a:r>
             <a:r>
-              <a:rPr lang="ja-JP" altLang="en-US" smtClean="0"/>
+              <a:rPr lang="ja-JP" altLang="en-US"/>
               <a:t>レベル</a:t>
             </a:r>
           </a:p>
           <a:p>
             <a:pPr lvl="2"/>
             <a:r>
-              <a:rPr lang="ja-JP" altLang="en-US" smtClean="0"/>
+              <a:rPr lang="ja-JP" altLang="en-US"/>
               <a:t>第 </a:t>
             </a:r>
             <a:r>
-              <a:rPr lang="en-US" altLang="ja-JP" smtClean="0"/>
+              <a:rPr lang="en-US" altLang="ja-JP"/>
               <a:t>3 </a:t>
             </a:r>
             <a:r>
-              <a:rPr lang="ja-JP" altLang="en-US" smtClean="0"/>
+              <a:rPr lang="ja-JP" altLang="en-US"/>
               <a:t>レベル</a:t>
             </a:r>
           </a:p>
           <a:p>
             <a:pPr lvl="3"/>
             <a:r>
-              <a:rPr lang="ja-JP" altLang="en-US" smtClean="0"/>
+              <a:rPr lang="ja-JP" altLang="en-US"/>
               <a:t>第 </a:t>
             </a:r>
             <a:r>
-              <a:rPr lang="en-US" altLang="ja-JP" smtClean="0"/>
+              <a:rPr lang="en-US" altLang="ja-JP"/>
               <a:t>4 </a:t>
             </a:r>
             <a:r>
-              <a:rPr lang="ja-JP" altLang="en-US" smtClean="0"/>
+              <a:rPr lang="ja-JP" altLang="en-US"/>
               <a:t>レベル</a:t>
             </a:r>
           </a:p>
           <a:p>
             <a:pPr lvl="4"/>
             <a:r>
-              <a:rPr lang="ja-JP" altLang="en-US" smtClean="0"/>
+              <a:rPr lang="ja-JP" altLang="en-US"/>
               <a:t>第 </a:t>
             </a:r>
             <a:r>
-              <a:rPr lang="en-US" altLang="ja-JP" smtClean="0"/>
+              <a:rPr lang="en-US" altLang="ja-JP"/>
               <a:t>5 </a:t>
             </a:r>
             <a:r>
-              <a:rPr lang="ja-JP" altLang="en-US" smtClean="0"/>
+              <a:rPr lang="ja-JP" altLang="en-US"/>
               <a:t>レベル</a:t>
             </a:r>
             <a:endParaRPr lang="en-US" dirty="0"/>
@@ -21849,7 +21859,7 @@
           <a:p>
             <a:pPr lvl="0"/>
             <a:r>
-              <a:rPr lang="ja-JP" altLang="en-US" smtClean="0"/>
+              <a:rPr lang="ja-JP" altLang="en-US"/>
               <a:t>マスター テキストの書式設定</a:t>
             </a:r>
           </a:p>
@@ -21872,7 +21882,7 @@
           <a:p>
             <a:fld id="{42AF59CD-9B52-459E-8C08-9F139B94FE8C}" type="datetimeFigureOut">
               <a:rPr kumimoji="1" lang="ja-JP" altLang="en-US" smtClean="0"/>
-              <a:t>2019/9/24</a:t>
+              <a:t>2019/9/25</a:t>
             </a:fld>
             <a:endParaRPr kumimoji="1" lang="ja-JP" altLang="en-US"/>
           </a:p>
@@ -21977,7 +21987,7 @@
           </a:lstStyle>
           <a:p>
             <a:r>
-              <a:rPr lang="ja-JP" altLang="en-US" smtClean="0"/>
+              <a:rPr lang="ja-JP" altLang="en-US"/>
               <a:t>マスター タイトルの書式設定</a:t>
             </a:r>
             <a:endParaRPr lang="en-US" dirty="0"/>
@@ -22072,7 +22082,7 @@
           </a:lstStyle>
           <a:p>
             <a:r>
-              <a:rPr lang="ja-JP" altLang="en-US" smtClean="0"/>
+              <a:rPr lang="ja-JP" altLang="en-US"/>
               <a:t>図を追加</a:t>
             </a:r>
             <a:endParaRPr lang="en-US" dirty="0"/>
@@ -22140,7 +22150,7 @@
           <a:p>
             <a:pPr lvl="0"/>
             <a:r>
-              <a:rPr lang="ja-JP" altLang="en-US" smtClean="0"/>
+              <a:rPr lang="ja-JP" altLang="en-US"/>
               <a:t>マスター テキストの書式設定</a:t>
             </a:r>
           </a:p>
@@ -22163,7 +22173,7 @@
           <a:p>
             <a:fld id="{42AF59CD-9B52-459E-8C08-9F139B94FE8C}" type="datetimeFigureOut">
               <a:rPr kumimoji="1" lang="ja-JP" altLang="en-US" smtClean="0"/>
-              <a:t>2019/9/24</a:t>
+              <a:t>2019/9/25</a:t>
             </a:fld>
             <a:endParaRPr kumimoji="1" lang="ja-JP" altLang="en-US"/>
           </a:p>
@@ -22589,7 +22599,7 @@
           <a:lstStyle/>
           <a:p>
             <a:r>
-              <a:rPr lang="ja-JP" altLang="en-US" smtClean="0"/>
+              <a:rPr lang="ja-JP" altLang="en-US"/>
               <a:t>マスター タイトルの書式設定</a:t>
             </a:r>
             <a:endParaRPr lang="en-US" dirty="0"/>
@@ -22623,67 +22633,67 @@
           <a:p>
             <a:pPr lvl="0"/>
             <a:r>
-              <a:rPr lang="ja-JP" altLang="en-US" smtClean="0"/>
+              <a:rPr lang="ja-JP" altLang="en-US"/>
               <a:t>マスター テキストの書式設定</a:t>
             </a:r>
           </a:p>
           <a:p>
             <a:pPr lvl="1"/>
             <a:r>
-              <a:rPr lang="ja-JP" altLang="en-US" smtClean="0"/>
+              <a:rPr lang="ja-JP" altLang="en-US"/>
               <a:t>第 </a:t>
             </a:r>
             <a:r>
-              <a:rPr lang="en-US" altLang="ja-JP" smtClean="0"/>
+              <a:rPr lang="en-US" altLang="ja-JP"/>
               <a:t>2 </a:t>
             </a:r>
             <a:r>
-              <a:rPr lang="ja-JP" altLang="en-US" smtClean="0"/>
+              <a:rPr lang="ja-JP" altLang="en-US"/>
               <a:t>レベル</a:t>
             </a:r>
           </a:p>
           <a:p>
             <a:pPr lvl="2"/>
             <a:r>
-              <a:rPr lang="ja-JP" altLang="en-US" smtClean="0"/>
+              <a:rPr lang="ja-JP" altLang="en-US"/>
               <a:t>第 </a:t>
             </a:r>
             <a:r>
-              <a:rPr lang="en-US" altLang="ja-JP" smtClean="0"/>
+              <a:rPr lang="en-US" altLang="ja-JP"/>
               <a:t>3 </a:t>
             </a:r>
             <a:r>
-              <a:rPr lang="ja-JP" altLang="en-US" smtClean="0"/>
+              <a:rPr lang="ja-JP" altLang="en-US"/>
               <a:t>レベル</a:t>
             </a:r>
           </a:p>
           <a:p>
             <a:pPr lvl="3"/>
             <a:r>
-              <a:rPr lang="ja-JP" altLang="en-US" smtClean="0"/>
+              <a:rPr lang="ja-JP" altLang="en-US"/>
               <a:t>第 </a:t>
             </a:r>
             <a:r>
-              <a:rPr lang="en-US" altLang="ja-JP" smtClean="0"/>
+              <a:rPr lang="en-US" altLang="ja-JP"/>
               <a:t>4 </a:t>
             </a:r>
             <a:r>
-              <a:rPr lang="ja-JP" altLang="en-US" smtClean="0"/>
+              <a:rPr lang="ja-JP" altLang="en-US"/>
               <a:t>レベル</a:t>
             </a:r>
           </a:p>
           <a:p>
             <a:pPr lvl="4"/>
             <a:r>
-              <a:rPr lang="ja-JP" altLang="en-US" smtClean="0"/>
+              <a:rPr lang="ja-JP" altLang="en-US"/>
               <a:t>第 </a:t>
             </a:r>
             <a:r>
-              <a:rPr lang="en-US" altLang="ja-JP" smtClean="0"/>
+              <a:rPr lang="en-US" altLang="ja-JP"/>
               <a:t>5 </a:t>
             </a:r>
             <a:r>
-              <a:rPr lang="ja-JP" altLang="en-US" smtClean="0"/>
+              <a:rPr lang="ja-JP" altLang="en-US"/>
               <a:t>レベル</a:t>
             </a:r>
             <a:endParaRPr lang="en-US" dirty="0"/>
@@ -22725,7 +22735,7 @@
           <a:p>
             <a:fld id="{42AF59CD-9B52-459E-8C08-9F139B94FE8C}" type="datetimeFigureOut">
               <a:rPr kumimoji="1" lang="ja-JP" altLang="en-US" smtClean="0"/>
-              <a:t>2019/9/24</a:t>
+              <a:t>2019/9/25</a:t>
             </a:fld>
             <a:endParaRPr kumimoji="1" lang="ja-JP" altLang="en-US"/>
           </a:p>
@@ -24037,7 +24047,7 @@
           <a:lstStyle/>
           <a:p>
             <a:r>
-              <a:rPr lang="ja-JP" altLang="en-US" smtClean="0"/>
+              <a:rPr lang="ja-JP" altLang="en-US"/>
               <a:t>マスター タイトルの書式設定</a:t>
             </a:r>
             <a:endParaRPr lang="en-US" dirty="0"/>
@@ -24071,67 +24081,67 @@
           <a:p>
             <a:pPr lvl="0"/>
             <a:r>
-              <a:rPr lang="ja-JP" altLang="en-US" smtClean="0"/>
+              <a:rPr lang="ja-JP" altLang="en-US"/>
               <a:t>マスター テキストの書式設定</a:t>
             </a:r>
           </a:p>
           <a:p>
             <a:pPr lvl="1"/>
             <a:r>
-              <a:rPr lang="ja-JP" altLang="en-US" smtClean="0"/>
+              <a:rPr lang="ja-JP" altLang="en-US"/>
               <a:t>第 </a:t>
             </a:r>
             <a:r>
-              <a:rPr lang="en-US" altLang="ja-JP" smtClean="0"/>
+              <a:rPr lang="en-US" altLang="ja-JP"/>
               <a:t>2 </a:t>
             </a:r>
             <a:r>
-              <a:rPr lang="ja-JP" altLang="en-US" smtClean="0"/>
+              <a:rPr lang="ja-JP" altLang="en-US"/>
               <a:t>レベル</a:t>
             </a:r>
           </a:p>
           <a:p>
             <a:pPr lvl="2"/>
             <a:r>
-              <a:rPr lang="ja-JP" altLang="en-US" smtClean="0"/>
+              <a:rPr lang="ja-JP" altLang="en-US"/>
               <a:t>第 </a:t>
             </a:r>
             <a:r>
-              <a:rPr lang="en-US" altLang="ja-JP" smtClean="0"/>
+              <a:rPr lang="en-US" altLang="ja-JP"/>
               <a:t>3 </a:t>
             </a:r>
             <a:r>
-              <a:rPr lang="ja-JP" altLang="en-US" smtClean="0"/>
+              <a:rPr lang="ja-JP" altLang="en-US"/>
               <a:t>レベル</a:t>
             </a:r>
           </a:p>
           <a:p>
             <a:pPr lvl="3"/>
             <a:r>
-              <a:rPr lang="ja-JP" altLang="en-US" smtClean="0"/>
+              <a:rPr lang="ja-JP" altLang="en-US"/>
               <a:t>第 </a:t>
             </a:r>
             <a:r>
-              <a:rPr lang="en-US" altLang="ja-JP" smtClean="0"/>
+              <a:rPr lang="en-US" altLang="ja-JP"/>
               <a:t>4 </a:t>
             </a:r>
             <a:r>
-              <a:rPr lang="ja-JP" altLang="en-US" smtClean="0"/>
+              <a:rPr lang="ja-JP" altLang="en-US"/>
               <a:t>レベル</a:t>
             </a:r>
           </a:p>
           <a:p>
             <a:pPr lvl="4"/>
             <a:r>
-              <a:rPr lang="ja-JP" altLang="en-US" smtClean="0"/>
+              <a:rPr lang="ja-JP" altLang="en-US"/>
               <a:t>第 </a:t>
             </a:r>
             <a:r>
-              <a:rPr lang="en-US" altLang="ja-JP" smtClean="0"/>
+              <a:rPr lang="en-US" altLang="ja-JP"/>
               <a:t>5 </a:t>
             </a:r>
             <a:r>
-              <a:rPr lang="ja-JP" altLang="en-US" smtClean="0"/>
+              <a:rPr lang="ja-JP" altLang="en-US"/>
               <a:t>レベル</a:t>
             </a:r>
             <a:endParaRPr lang="en-US" dirty="0"/>
@@ -24171,7 +24181,7 @@
           <a:p>
             <a:fld id="{42AF59CD-9B52-459E-8C08-9F139B94FE8C}" type="datetimeFigureOut">
               <a:rPr kumimoji="1" lang="ja-JP" altLang="en-US" smtClean="0"/>
-              <a:t>2019/9/24</a:t>
+              <a:t>2019/9/25</a:t>
             </a:fld>
             <a:endParaRPr kumimoji="1" lang="ja-JP" altLang="en-US"/>
           </a:p>
@@ -24768,7 +24778,7 @@
           <a:lstStyle/>
           <a:p>
             <a:r>
-              <a:rPr lang="ja-JP" altLang="en-US" smtClean="0"/>
+              <a:rPr lang="ja-JP" altLang="en-US"/>
               <a:t>マスター タイトルの書式設定</a:t>
             </a:r>
             <a:endParaRPr lang="en-US" dirty="0"/>
@@ -24809,67 +24819,67 @@
           <a:p>
             <a:pPr lvl="0"/>
             <a:r>
-              <a:rPr lang="ja-JP" altLang="en-US" smtClean="0"/>
+              <a:rPr lang="ja-JP" altLang="en-US"/>
               <a:t>マスター テキストの書式設定</a:t>
             </a:r>
           </a:p>
           <a:p>
             <a:pPr lvl="1"/>
             <a:r>
-              <a:rPr lang="ja-JP" altLang="en-US" smtClean="0"/>
+              <a:rPr lang="ja-JP" altLang="en-US"/>
               <a:t>第 </a:t>
             </a:r>
             <a:r>
-              <a:rPr lang="en-US" altLang="ja-JP" smtClean="0"/>
+              <a:rPr lang="en-US" altLang="ja-JP"/>
               <a:t>2 </a:t>
             </a:r>
             <a:r>
-              <a:rPr lang="ja-JP" altLang="en-US" smtClean="0"/>
+              <a:rPr lang="ja-JP" altLang="en-US"/>
               <a:t>レベル</a:t>
             </a:r>
           </a:p>
           <a:p>
             <a:pPr lvl="2"/>
             <a:r>
-              <a:rPr lang="ja-JP" altLang="en-US" smtClean="0"/>
+              <a:rPr lang="ja-JP" altLang="en-US"/>
               <a:t>第 </a:t>
             </a:r>
             <a:r>
-              <a:rPr lang="en-US" altLang="ja-JP" smtClean="0"/>
+              <a:rPr lang="en-US" altLang="ja-JP"/>
               <a:t>3 </a:t>
             </a:r>
             <a:r>
-              <a:rPr lang="ja-JP" altLang="en-US" smtClean="0"/>
+              <a:rPr lang="ja-JP" altLang="en-US"/>
               <a:t>レベル</a:t>
             </a:r>
           </a:p>
           <a:p>
             <a:pPr lvl="3"/>
             <a:r>
-              <a:rPr lang="ja-JP" altLang="en-US" smtClean="0"/>
+              <a:rPr lang="ja-JP" altLang="en-US"/>
               <a:t>第 </a:t>
             </a:r>
             <a:r>
-              <a:rPr lang="en-US" altLang="ja-JP" smtClean="0"/>
+              <a:rPr lang="en-US" altLang="ja-JP"/>
               <a:t>4 </a:t>
             </a:r>
             <a:r>
-              <a:rPr lang="ja-JP" altLang="en-US" smtClean="0"/>
+              <a:rPr lang="ja-JP" altLang="en-US"/>
               <a:t>レベル</a:t>
             </a:r>
           </a:p>
           <a:p>
             <a:pPr lvl="4"/>
             <a:r>
-              <a:rPr lang="ja-JP" altLang="en-US" smtClean="0"/>
+              <a:rPr lang="ja-JP" altLang="en-US"/>
               <a:t>第 </a:t>
             </a:r>
             <a:r>
-              <a:rPr lang="en-US" altLang="ja-JP" smtClean="0"/>
+              <a:rPr lang="en-US" altLang="ja-JP"/>
               <a:t>5 </a:t>
             </a:r>
             <a:r>
-              <a:rPr lang="ja-JP" altLang="en-US" smtClean="0"/>
+              <a:rPr lang="ja-JP" altLang="en-US"/>
               <a:t>レベル</a:t>
             </a:r>
             <a:endParaRPr lang="en-US" dirty="0"/>
@@ -24944,7 +24954,7 @@
           <a:p>
             <a:fld id="{42AF59CD-9B52-459E-8C08-9F139B94FE8C}" type="datetimeFigureOut">
               <a:rPr kumimoji="1" lang="ja-JP" altLang="en-US" smtClean="0"/>
-              <a:t>2019/9/24</a:t>
+              <a:t>2019/9/25</a:t>
             </a:fld>
             <a:endParaRPr kumimoji="1" lang="ja-JP" altLang="en-US"/>
           </a:p>
@@ -25411,57 +25421,46 @@
           <a:lstStyle/>
           <a:p>
             <a:r>
-              <a:rPr kumimoji="1" lang="en-US" altLang="ja-JP" dirty="0" err="1" smtClean="0">
+              <a:rPr kumimoji="1" lang="en-US" altLang="ja-JP" dirty="0" err="1">
                 <a:latin typeface="+mn-ea"/>
                 <a:ea typeface="+mn-ea"/>
               </a:rPr>
               <a:t>Git</a:t>
             </a:r>
             <a:r>
-              <a:rPr kumimoji="1" lang="ja-JP" altLang="en-US" dirty="0" smtClean="0">
+              <a:rPr kumimoji="1" lang="ja-JP" altLang="en-US" dirty="0">
                 <a:latin typeface="+mn-ea"/>
                 <a:ea typeface="+mn-ea"/>
               </a:rPr>
               <a:t>使い方講座</a:t>
             </a:r>
-            <a:r>
-              <a:rPr kumimoji="1" lang="en-US" altLang="ja-JP" dirty="0" smtClean="0">
-                <a:latin typeface="+mn-ea"/>
-                <a:ea typeface="+mn-ea"/>
-              </a:rPr>
-              <a:t/>
-            </a:r>
             <a:br>
-              <a:rPr kumimoji="1" lang="en-US" altLang="ja-JP" dirty="0" smtClean="0">
+              <a:rPr kumimoji="1" lang="en-US" altLang="ja-JP" dirty="0">
                 <a:latin typeface="+mn-ea"/>
                 <a:ea typeface="+mn-ea"/>
               </a:rPr>
             </a:br>
             <a:r>
-              <a:rPr kumimoji="1" lang="ja-JP" altLang="en-US" dirty="0" smtClean="0">
+              <a:rPr kumimoji="1" lang="ja-JP" altLang="en-US" dirty="0">
                 <a:latin typeface="+mn-ea"/>
                 <a:ea typeface="+mn-ea"/>
               </a:rPr>
               <a:t>（基礎＋</a:t>
             </a:r>
             <a:r>
-              <a:rPr kumimoji="1" lang="en-US" altLang="ja-JP" dirty="0" smtClean="0">
+              <a:rPr kumimoji="1" lang="en-US" altLang="ja-JP" dirty="0">
                 <a:latin typeface="+mn-ea"/>
                 <a:ea typeface="+mn-ea"/>
               </a:rPr>
               <a:t>α</a:t>
             </a:r>
             <a:r>
-              <a:rPr kumimoji="1" lang="ja-JP" altLang="en-US" dirty="0" smtClean="0">
+              <a:rPr kumimoji="1" lang="ja-JP" altLang="en-US" dirty="0">
                 <a:latin typeface="+mn-ea"/>
                 <a:ea typeface="+mn-ea"/>
               </a:rPr>
               <a:t>）</a:t>
             </a:r>
-            <a:endParaRPr kumimoji="1" lang="ja-JP" altLang="en-US" dirty="0">
-              <a:latin typeface="+mn-ea"/>
-              <a:ea typeface="+mn-ea"/>
-            </a:endParaRPr>
           </a:p>
         </p:txBody>
       </p:sp>
@@ -25481,7 +25480,7 @@
           <a:lstStyle/>
           <a:p>
             <a:r>
-              <a:rPr lang="ja-JP" altLang="en-US" dirty="0" smtClean="0">
+              <a:rPr lang="ja-JP" altLang="en-US" dirty="0">
                 <a:latin typeface="+mn-ea"/>
               </a:rPr>
               <a:t>副部長　スパゲッティ</a:t>
@@ -25502,13 +25501,226 @@
   <p:clrMapOvr>
     <a:masterClrMapping/>
   </p:clrMapOvr>
-  <p:timing>
-    <p:tnLst>
-      <p:par>
-        <p:cTn id="1" dur="indefinite" restart="never" nodeType="tmRoot"/>
-      </p:par>
-    </p:tnLst>
-  </p:timing>
+</p:sld>
+</file>
+
+<file path=ppt/slides/slide10.xml><?xml version="1.0" encoding="utf-8"?>
+<p:sld xmlns:a="http://schemas.openxmlformats.org/drawingml/2006/main" xmlns:r="http://schemas.openxmlformats.org/officeDocument/2006/relationships" xmlns:p="http://schemas.openxmlformats.org/presentationml/2006/main">
+  <p:cSld>
+    <p:spTree>
+      <p:nvGrpSpPr>
+        <p:cNvPr id="1" name=""/>
+        <p:cNvGrpSpPr/>
+        <p:nvPr/>
+      </p:nvGrpSpPr>
+      <p:grpSpPr>
+        <a:xfrm>
+          <a:off x="0" y="0"/>
+          <a:ext cx="0" cy="0"/>
+          <a:chOff x="0" y="0"/>
+          <a:chExt cx="0" cy="0"/>
+        </a:xfrm>
+      </p:grpSpPr>
+      <p:sp>
+        <p:nvSpPr>
+          <p:cNvPr id="2" name="タイトル 1">
+            <a:extLst>
+              <a:ext uri="{FF2B5EF4-FFF2-40B4-BE49-F238E27FC236}">
+                <a16:creationId xmlns:a16="http://schemas.microsoft.com/office/drawing/2014/main" id="{9A320DAF-E051-4E89-B8A8-7BA3DABD1F70}"/>
+              </a:ext>
+            </a:extLst>
+          </p:cNvPr>
+          <p:cNvSpPr>
+            <a:spLocks noGrp="1"/>
+          </p:cNvSpPr>
+          <p:nvPr>
+            <p:ph type="title"/>
+          </p:nvPr>
+        </p:nvSpPr>
+        <p:spPr/>
+        <p:txBody>
+          <a:bodyPr/>
+          <a:lstStyle/>
+          <a:p>
+            <a:r>
+              <a:rPr kumimoji="1" lang="en-US" altLang="ja-JP" dirty="0"/>
+              <a:t>Git</a:t>
+            </a:r>
+            <a:r>
+              <a:rPr kumimoji="1" lang="ja-JP" altLang="en-US" dirty="0"/>
+              <a:t>実践</a:t>
+            </a:r>
+            <a:r>
+              <a:rPr lang="ja-JP" altLang="en-US" dirty="0"/>
+              <a:t>演習③（コマンド</a:t>
+            </a:r>
+            <a:r>
+              <a:rPr lang="en-US" altLang="ja-JP" dirty="0"/>
+              <a:t>-</a:t>
+            </a:r>
+            <a:r>
+              <a:rPr lang="ja-JP" altLang="en-US" dirty="0"/>
+              <a:t>通常利用時編）</a:t>
+            </a:r>
+            <a:endParaRPr kumimoji="1" lang="ja-JP" altLang="en-US" dirty="0"/>
+          </a:p>
+        </p:txBody>
+      </p:sp>
+      <p:sp>
+        <p:nvSpPr>
+          <p:cNvPr id="3" name="コンテンツ プレースホルダー 2">
+            <a:extLst>
+              <a:ext uri="{FF2B5EF4-FFF2-40B4-BE49-F238E27FC236}">
+                <a16:creationId xmlns:a16="http://schemas.microsoft.com/office/drawing/2014/main" id="{A39F53EA-9B00-492F-90C1-B5EC476C214F}"/>
+              </a:ext>
+            </a:extLst>
+          </p:cNvPr>
+          <p:cNvSpPr>
+            <a:spLocks noGrp="1"/>
+          </p:cNvSpPr>
+          <p:nvPr>
+            <p:ph idx="1"/>
+          </p:nvPr>
+        </p:nvSpPr>
+        <p:spPr/>
+        <p:txBody>
+          <a:bodyPr>
+            <a:normAutofit/>
+          </a:bodyPr>
+          <a:lstStyle/>
+          <a:p>
+            <a:r>
+              <a:rPr kumimoji="1" lang="ja-JP" altLang="en-US" sz="2800" dirty="0"/>
+              <a:t>リモートリポジトリに登録したら、ローカルのリポジトリを変更してみましょう。</a:t>
+            </a:r>
+            <a:endParaRPr kumimoji="1" lang="en-US" altLang="ja-JP" sz="2800" dirty="0"/>
+          </a:p>
+          <a:p>
+            <a:r>
+              <a:rPr lang="ja-JP" altLang="en-US" sz="2800" dirty="0"/>
+              <a:t>ローカルのリポジトリ変更をステージングする</a:t>
+            </a:r>
+            <a:endParaRPr lang="en-US" altLang="ja-JP" sz="2800" dirty="0"/>
+          </a:p>
+          <a:p>
+            <a:r>
+              <a:rPr lang="en-US" altLang="ja-JP" sz="2800" dirty="0"/>
+              <a:t>git add </a:t>
+            </a:r>
+            <a:r>
+              <a:rPr lang="ja-JP" altLang="en-US" sz="2800" dirty="0"/>
+              <a:t>変更したファイル名（</a:t>
+            </a:r>
+            <a:r>
+              <a:rPr lang="en-US" altLang="ja-JP" sz="2800" dirty="0"/>
+              <a:t>.</a:t>
+            </a:r>
+            <a:r>
+              <a:rPr lang="ja-JP" altLang="en-US" sz="2800" dirty="0"/>
+              <a:t>で全指定）</a:t>
+            </a:r>
+            <a:endParaRPr lang="en-US" altLang="ja-JP" sz="2800" dirty="0"/>
+          </a:p>
+        </p:txBody>
+      </p:sp>
+    </p:spTree>
+    <p:extLst>
+      <p:ext uri="{BB962C8B-B14F-4D97-AF65-F5344CB8AC3E}">
+        <p14:creationId xmlns:p14="http://schemas.microsoft.com/office/powerpoint/2010/main" val="1989165251"/>
+      </p:ext>
+    </p:extLst>
+  </p:cSld>
+  <p:clrMapOvr>
+    <a:masterClrMapping/>
+  </p:clrMapOvr>
+</p:sld>
+</file>
+
+<file path=ppt/slides/slide11.xml><?xml version="1.0" encoding="utf-8"?>
+<p:sld xmlns:a="http://schemas.openxmlformats.org/drawingml/2006/main" xmlns:r="http://schemas.openxmlformats.org/officeDocument/2006/relationships" xmlns:p="http://schemas.openxmlformats.org/presentationml/2006/main">
+  <p:cSld>
+    <p:spTree>
+      <p:nvGrpSpPr>
+        <p:cNvPr id="1" name=""/>
+        <p:cNvGrpSpPr/>
+        <p:nvPr/>
+      </p:nvGrpSpPr>
+      <p:grpSpPr>
+        <a:xfrm>
+          <a:off x="0" y="0"/>
+          <a:ext cx="0" cy="0"/>
+          <a:chOff x="0" y="0"/>
+          <a:chExt cx="0" cy="0"/>
+        </a:xfrm>
+      </p:grpSpPr>
+      <p:sp>
+        <p:nvSpPr>
+          <p:cNvPr id="2" name="タイトル 1">
+            <a:extLst>
+              <a:ext uri="{FF2B5EF4-FFF2-40B4-BE49-F238E27FC236}">
+                <a16:creationId xmlns:a16="http://schemas.microsoft.com/office/drawing/2014/main" id="{D2651635-0360-4B6C-93E4-F0385AFAAB97}"/>
+              </a:ext>
+            </a:extLst>
+          </p:cNvPr>
+          <p:cNvSpPr>
+            <a:spLocks noGrp="1"/>
+          </p:cNvSpPr>
+          <p:nvPr>
+            <p:ph type="title"/>
+          </p:nvPr>
+        </p:nvSpPr>
+        <p:spPr/>
+        <p:txBody>
+          <a:bodyPr/>
+          <a:lstStyle/>
+          <a:p>
+            <a:r>
+              <a:rPr kumimoji="1" lang="en-US" altLang="ja-JP" dirty="0"/>
+              <a:t>git</a:t>
+            </a:r>
+            <a:r>
+              <a:rPr kumimoji="1" lang="ja-JP" altLang="en-US"/>
+              <a:t>実践演習④</a:t>
+            </a:r>
+            <a:endParaRPr kumimoji="1" lang="ja-JP" altLang="en-US" dirty="0"/>
+          </a:p>
+        </p:txBody>
+      </p:sp>
+      <p:sp>
+        <p:nvSpPr>
+          <p:cNvPr id="3" name="コンテンツ プレースホルダー 2">
+            <a:extLst>
+              <a:ext uri="{FF2B5EF4-FFF2-40B4-BE49-F238E27FC236}">
+                <a16:creationId xmlns:a16="http://schemas.microsoft.com/office/drawing/2014/main" id="{C8E0B10A-088C-4411-B758-D2D9079F690A}"/>
+              </a:ext>
+            </a:extLst>
+          </p:cNvPr>
+          <p:cNvSpPr>
+            <a:spLocks noGrp="1"/>
+          </p:cNvSpPr>
+          <p:nvPr>
+            <p:ph idx="1"/>
+          </p:nvPr>
+        </p:nvSpPr>
+        <p:spPr/>
+        <p:txBody>
+          <a:bodyPr/>
+          <a:lstStyle/>
+          <a:p>
+            <a:endParaRPr kumimoji="1" lang="ja-JP" altLang="en-US"/>
+          </a:p>
+        </p:txBody>
+      </p:sp>
+    </p:spTree>
+    <p:extLst>
+      <p:ext uri="{BB962C8B-B14F-4D97-AF65-F5344CB8AC3E}">
+        <p14:creationId xmlns:p14="http://schemas.microsoft.com/office/powerpoint/2010/main" val="907250047"/>
+      </p:ext>
+    </p:extLst>
+  </p:cSld>
+  <p:clrMapOvr>
+    <a:masterClrMapping/>
+  </p:clrMapOvr>
 </p:sld>
 </file>
 
@@ -25545,14 +25757,14 @@
           <a:lstStyle/>
           <a:p>
             <a:r>
-              <a:rPr lang="en-US" altLang="ja-JP" dirty="0" err="1" smtClean="0">
+              <a:rPr lang="en-US" altLang="ja-JP" dirty="0" err="1">
                 <a:latin typeface="游ゴシック" panose="020B0400000000000000" pitchFamily="50" charset="-128"/>
                 <a:ea typeface="游ゴシック" panose="020B0400000000000000" pitchFamily="50" charset="-128"/>
               </a:rPr>
               <a:t>git</a:t>
             </a:r>
             <a:r>
-              <a:rPr lang="ja-JP" altLang="en-US" dirty="0" smtClean="0">
+              <a:rPr lang="ja-JP" altLang="en-US" dirty="0">
                 <a:latin typeface="游ゴシック" panose="020B0400000000000000" pitchFamily="50" charset="-128"/>
                 <a:ea typeface="游ゴシック" panose="020B0400000000000000" pitchFamily="50" charset="-128"/>
               </a:rPr>
@@ -25587,32 +25799,28 @@
           <a:p>
             <a:r>
               <a:rPr lang="en-US" altLang="ja-JP" dirty="0" err="1"/>
-              <a:t>g</a:t>
-            </a:r>
-            <a:r>
-              <a:rPr lang="en-US" altLang="ja-JP" dirty="0" err="1" smtClean="0"/>
-              <a:t>it</a:t>
-            </a:r>
-            <a:r>
-              <a:rPr lang="ja-JP" altLang="en-US" dirty="0" smtClean="0"/>
+              <a:t>git</a:t>
+            </a:r>
+            <a:r>
+              <a:rPr lang="ja-JP" altLang="en-US" dirty="0"/>
               <a:t>と</a:t>
             </a:r>
             <a:r>
-              <a:rPr lang="en-US" altLang="ja-JP" dirty="0" smtClean="0"/>
+              <a:rPr lang="en-US" altLang="ja-JP" dirty="0"/>
               <a:t>Linux</a:t>
             </a:r>
             <a:r>
-              <a:rPr lang="ja-JP" altLang="en-US" dirty="0" smtClean="0"/>
+              <a:rPr lang="ja-JP" altLang="en-US" dirty="0"/>
               <a:t>作った人</a:t>
             </a:r>
-            <a:endParaRPr lang="en-US" altLang="ja-JP" dirty="0" smtClean="0"/>
-          </a:p>
-          <a:p>
-            <a:r>
-              <a:rPr lang="ja-JP" altLang="en-US" dirty="0" smtClean="0"/>
+            <a:endParaRPr lang="en-US" altLang="ja-JP" dirty="0"/>
+          </a:p>
+          <a:p>
+            <a:r>
+              <a:rPr lang="ja-JP" altLang="en-US" dirty="0"/>
               <a:t>リーナスおじさん</a:t>
             </a:r>
-            <a:endParaRPr lang="en-US" altLang="ja-JP" dirty="0" smtClean="0"/>
+            <a:endParaRPr lang="en-US" altLang="ja-JP" dirty="0"/>
           </a:p>
         </p:txBody>
       </p:sp>
@@ -25919,23 +26127,19 @@
           <a:lstStyle/>
           <a:p>
             <a:r>
-              <a:rPr kumimoji="1" lang="en-US" altLang="ja-JP" dirty="0" err="1" smtClean="0">
+              <a:rPr kumimoji="1" lang="en-US" altLang="ja-JP" dirty="0" err="1">
                 <a:latin typeface="游ゴシック" panose="020B0400000000000000" pitchFamily="50" charset="-128"/>
                 <a:ea typeface="游ゴシック" panose="020B0400000000000000" pitchFamily="50" charset="-128"/>
               </a:rPr>
               <a:t>git</a:t>
             </a:r>
             <a:r>
-              <a:rPr kumimoji="1" lang="ja-JP" altLang="en-US" dirty="0" smtClean="0">
+              <a:rPr kumimoji="1" lang="ja-JP" altLang="en-US" dirty="0">
                 <a:latin typeface="游ゴシック" panose="020B0400000000000000" pitchFamily="50" charset="-128"/>
                 <a:ea typeface="游ゴシック" panose="020B0400000000000000" pitchFamily="50" charset="-128"/>
               </a:rPr>
               <a:t>の歴史（作った目的）</a:t>
             </a:r>
-            <a:endParaRPr kumimoji="1" lang="ja-JP" altLang="en-US" dirty="0">
-              <a:latin typeface="游ゴシック" panose="020B0400000000000000" pitchFamily="50" charset="-128"/>
-              <a:ea typeface="游ゴシック" panose="020B0400000000000000" pitchFamily="50" charset="-128"/>
-            </a:endParaRPr>
           </a:p>
         </p:txBody>
       </p:sp>
@@ -25955,26 +26159,22 @@
           <a:lstStyle/>
           <a:p>
             <a:r>
-              <a:rPr lang="ja-JP" altLang="en-US" dirty="0" smtClean="0"/>
-              <a:t>ペンギン</a:t>
-            </a:r>
-            <a:r>
               <a:rPr lang="ja-JP" altLang="en-US" dirty="0"/>
-              <a:t>（</a:t>
-            </a:r>
-            <a:r>
-              <a:rPr lang="en-US" altLang="ja-JP" dirty="0" err="1" smtClean="0"/>
+              <a:t>ペンギン（</a:t>
+            </a:r>
+            <a:r>
+              <a:rPr lang="en-US" altLang="ja-JP" dirty="0" err="1"/>
               <a:t>linux</a:t>
             </a:r>
             <a:r>
-              <a:rPr lang="ja-JP" altLang="en-US" dirty="0" smtClean="0"/>
+              <a:rPr lang="ja-JP" altLang="en-US" dirty="0"/>
               <a:t>カーネル）</a:t>
             </a:r>
             <a:r>
-              <a:rPr kumimoji="1" lang="ja-JP" altLang="en-US" dirty="0" smtClean="0"/>
+              <a:rPr kumimoji="1" lang="ja-JP" altLang="en-US" dirty="0"/>
               <a:t>のためにリーナスおじさんが作った</a:t>
             </a:r>
-            <a:endParaRPr kumimoji="1" lang="en-US" altLang="ja-JP" dirty="0" smtClean="0"/>
+            <a:endParaRPr kumimoji="1" lang="en-US" altLang="ja-JP" dirty="0"/>
           </a:p>
           <a:p>
             <a:pPr marL="0" indent="0">
@@ -26287,11 +26487,11 @@
           <a:lstStyle/>
           <a:p>
             <a:r>
-              <a:rPr kumimoji="1" lang="en-US" altLang="ja-JP" dirty="0" err="1" smtClean="0"/>
+              <a:rPr kumimoji="1" lang="en-US" altLang="ja-JP" dirty="0" err="1"/>
               <a:t>Git</a:t>
             </a:r>
             <a:r>
-              <a:rPr lang="ja-JP" altLang="en-US" dirty="0" smtClean="0"/>
+              <a:rPr lang="ja-JP" altLang="en-US" dirty="0"/>
               <a:t>の概要①</a:t>
             </a:r>
             <a:endParaRPr kumimoji="1" lang="ja-JP" altLang="en-US" dirty="0"/>
@@ -26350,83 +26550,46 @@
           <a:lstStyle/>
           <a:p>
             <a:r>
-              <a:rPr kumimoji="1" lang="ja-JP" altLang="en-US" sz="2000" dirty="0" smtClean="0"/>
+              <a:rPr kumimoji="1" lang="ja-JP" altLang="en-US" sz="2000" dirty="0"/>
               <a:t>・お勧めする人</a:t>
             </a:r>
-            <a:endParaRPr kumimoji="1" lang="en-US" altLang="ja-JP" sz="2000" dirty="0" smtClean="0"/>
-          </a:p>
-          <a:p>
-            <a:endParaRPr kumimoji="1" lang="en-US" altLang="ja-JP" sz="2000" dirty="0" smtClean="0"/>
-          </a:p>
-          <a:p>
-            <a:r>
-              <a:rPr kumimoji="1" lang="ja-JP" altLang="en-US" sz="2000" dirty="0" smtClean="0"/>
-              <a:t>動かないファイル</a:t>
-            </a:r>
+            <a:endParaRPr kumimoji="1" lang="en-US" altLang="ja-JP" sz="2000" dirty="0"/>
+          </a:p>
+          <a:p>
+            <a:endParaRPr kumimoji="1" lang="en-US" altLang="ja-JP" sz="2000" dirty="0"/>
+          </a:p>
+          <a:p>
             <a:r>
               <a:rPr kumimoji="1" lang="ja-JP" altLang="en-US" sz="2000" dirty="0"/>
-              <a:t>を編集前</a:t>
-            </a:r>
-            <a:r>
-              <a:rPr kumimoji="1" lang="ja-JP" altLang="en-US" sz="2000" dirty="0" smtClean="0"/>
-              <a:t>の動く状態</a:t>
-            </a:r>
+              <a:t>動かないファイルを編集前の動く状態に戻したい人</a:t>
+            </a:r>
+            <a:endParaRPr kumimoji="1" lang="en-US" altLang="ja-JP" sz="2000" dirty="0"/>
+          </a:p>
+          <a:p>
+            <a:endParaRPr lang="en-US" altLang="ja-JP" sz="2000" dirty="0"/>
+          </a:p>
+          <a:p>
+            <a:r>
+              <a:rPr lang="ja-JP" altLang="en-US" sz="2000" dirty="0"/>
+              <a:t>チームで共有しているファイルで、</a:t>
+            </a:r>
+            <a:endParaRPr lang="en-US" altLang="ja-JP" sz="2000" dirty="0"/>
+          </a:p>
+          <a:p>
+            <a:r>
+              <a:rPr lang="ja-JP" altLang="en-US" sz="2000" dirty="0"/>
+              <a:t>二人で同時に編集してしまったために、先に編集した人の変更内容を消してしまった人</a:t>
+            </a:r>
+            <a:endParaRPr lang="en-US" altLang="ja-JP" sz="2000" dirty="0"/>
+          </a:p>
+          <a:p>
+            <a:endParaRPr kumimoji="1" lang="en-US" altLang="ja-JP" sz="2000" dirty="0"/>
+          </a:p>
+          <a:p>
             <a:r>
               <a:rPr kumimoji="1" lang="ja-JP" altLang="en-US" sz="2000" dirty="0"/>
-              <a:t>に</a:t>
-            </a:r>
-            <a:r>
-              <a:rPr kumimoji="1" lang="ja-JP" altLang="en-US" sz="2000" dirty="0" smtClean="0"/>
-              <a:t>戻したい</a:t>
-            </a:r>
-            <a:r>
-              <a:rPr kumimoji="1" lang="ja-JP" altLang="en-US" sz="2000" dirty="0"/>
-              <a:t>人</a:t>
-            </a:r>
-            <a:endParaRPr kumimoji="1" lang="en-US" altLang="ja-JP" sz="2000" dirty="0" smtClean="0"/>
-          </a:p>
-          <a:p>
-            <a:endParaRPr lang="en-US" altLang="ja-JP" sz="2000" dirty="0" smtClean="0"/>
-          </a:p>
-          <a:p>
-            <a:r>
-              <a:rPr lang="ja-JP" altLang="en-US" sz="2000" dirty="0" smtClean="0"/>
-              <a:t>チーム</a:t>
-            </a:r>
-            <a:r>
-              <a:rPr lang="ja-JP" altLang="en-US" sz="2000" dirty="0"/>
-              <a:t>で共有している</a:t>
-            </a:r>
-            <a:r>
-              <a:rPr lang="ja-JP" altLang="en-US" sz="2000" dirty="0" smtClean="0"/>
-              <a:t>ファイルで、</a:t>
-            </a:r>
-            <a:endParaRPr lang="en-US" altLang="ja-JP" sz="2000" dirty="0" smtClean="0"/>
-          </a:p>
-          <a:p>
-            <a:r>
-              <a:rPr lang="ja-JP" altLang="en-US" sz="2000" dirty="0" smtClean="0"/>
-              <a:t>二人</a:t>
-            </a:r>
-            <a:r>
-              <a:rPr lang="ja-JP" altLang="en-US" sz="2000" dirty="0"/>
-              <a:t>で同時に編集してしまったために、先に編集した人の変更</a:t>
-            </a:r>
-            <a:r>
-              <a:rPr lang="ja-JP" altLang="en-US" sz="2000" dirty="0" smtClean="0"/>
-              <a:t>内容を消してしまった人</a:t>
-            </a:r>
-            <a:endParaRPr lang="en-US" altLang="ja-JP" sz="2000" dirty="0" smtClean="0"/>
-          </a:p>
-          <a:p>
-            <a:endParaRPr kumimoji="1" lang="en-US" altLang="ja-JP" sz="2000" dirty="0"/>
-          </a:p>
-          <a:p>
-            <a:r>
-              <a:rPr kumimoji="1" lang="ja-JP" altLang="en-US" sz="2000" dirty="0" smtClean="0"/>
               <a:t>時空は越えられないけど、ファイルの時空だけでも管理したい人</a:t>
             </a:r>
-            <a:endParaRPr kumimoji="1" lang="ja-JP" altLang="en-US" sz="2000" dirty="0"/>
           </a:p>
         </p:txBody>
       </p:sp>
@@ -26440,13 +26603,6 @@
   <p:clrMapOvr>
     <a:masterClrMapping/>
   </p:clrMapOvr>
-  <p:timing>
-    <p:tnLst>
-      <p:par>
-        <p:cTn id="1" dur="indefinite" restart="never" nodeType="tmRoot"/>
-      </p:par>
-    </p:tnLst>
-  </p:timing>
 </p:sld>
 </file>
 
@@ -26483,14 +26639,13 @@
           <a:lstStyle/>
           <a:p>
             <a:r>
-              <a:rPr kumimoji="1" lang="en-US" altLang="ja-JP" dirty="0" err="1" smtClean="0"/>
+              <a:rPr kumimoji="1" lang="en-US" altLang="ja-JP" dirty="0" err="1"/>
               <a:t>git</a:t>
             </a:r>
             <a:r>
-              <a:rPr kumimoji="1" lang="ja-JP" altLang="en-US" dirty="0" smtClean="0"/>
+              <a:rPr kumimoji="1" lang="ja-JP" altLang="en-US" dirty="0"/>
               <a:t>概要②</a:t>
             </a:r>
-            <a:endParaRPr kumimoji="1" lang="ja-JP" altLang="en-US" dirty="0"/>
           </a:p>
         </p:txBody>
       </p:sp>
@@ -26512,37 +26667,21 @@
           <a:lstStyle/>
           <a:p>
             <a:r>
-              <a:rPr lang="en-US" altLang="ja-JP" sz="2800" dirty="0" err="1" smtClean="0"/>
+              <a:rPr lang="en-US" altLang="ja-JP" sz="2800" dirty="0" err="1"/>
               <a:t>git</a:t>
             </a:r>
             <a:r>
               <a:rPr lang="ja-JP" altLang="en-US" sz="2800" dirty="0"/>
-              <a:t>では、ファイルの状態を好きなときに更新履歴として保存しておくことができます。そのため、一度編集したファイルを過去の状態に戻したり、編集箇所の</a:t>
-            </a:r>
-            <a:r>
-              <a:rPr lang="ja-JP" altLang="en-US" sz="2800" dirty="0" smtClean="0"/>
-              <a:t>差を</a:t>
-            </a:r>
+              <a:t>では、ファイルの状態を好きなときに更新履歴として保存しておくことができます。そのため、一度編集したファイルを過去の状態に戻したり、編集箇所の差を表示したりすることができます。</a:t>
+            </a:r>
+          </a:p>
+          <a:p>
             <a:r>
               <a:rPr lang="ja-JP" altLang="en-US" sz="2800" dirty="0"/>
-              <a:t>表示したりすることができます。</a:t>
-            </a:r>
-          </a:p>
-          <a:p>
-            <a:r>
-              <a:rPr lang="ja-JP" altLang="en-US" sz="2800" dirty="0" smtClean="0"/>
-              <a:t>他人</a:t>
-            </a:r>
-            <a:r>
-              <a:rPr lang="ja-JP" altLang="en-US" sz="2800" dirty="0"/>
-              <a:t>の編集した最新ファイルを上書きしようとすると、サーバにアップロードした時に警告が出ます。そのため、知らず知らずのうちに他人の編集内容を上書きしてしまうといった失敗</a:t>
-            </a:r>
-            <a:r>
-              <a:rPr lang="ja-JP" altLang="en-US" sz="2800" dirty="0" smtClean="0"/>
-              <a:t>は</a:t>
-            </a:r>
-            <a:r>
-              <a:rPr lang="ja-JP" altLang="en-US" sz="2800" dirty="0" smtClean="0">
+              <a:t>他人の編集した最新ファイルを上書きしようとすると、サーバにアップロードした時に警告が出ます。そのため、知らず知らずのうちに他人の編集内容を上書きしてしまうといった失敗は</a:t>
+            </a:r>
+            <a:r>
+              <a:rPr lang="ja-JP" altLang="en-US" sz="2800" dirty="0">
                 <a:solidFill>
                   <a:srgbClr val="FFC000"/>
                 </a:solidFill>
@@ -26550,12 +26689,8 @@
               <a:t>故意にやらない限り</a:t>
             </a:r>
             <a:r>
-              <a:rPr lang="ja-JP" altLang="en-US" sz="2800" dirty="0" smtClean="0"/>
-              <a:t>起こりません</a:t>
-            </a:r>
-            <a:r>
               <a:rPr lang="ja-JP" altLang="en-US" sz="2800" dirty="0"/>
-              <a:t>。</a:t>
+              <a:t>起こりません。</a:t>
             </a:r>
           </a:p>
           <a:p>
@@ -26576,13 +26711,6 @@
   <p:clrMapOvr>
     <a:masterClrMapping/>
   </p:clrMapOvr>
-  <p:timing>
-    <p:tnLst>
-      <p:par>
-        <p:cTn id="1" dur="indefinite" restart="never" nodeType="tmRoot"/>
-      </p:par>
-    </p:tnLst>
-  </p:timing>
 </p:sld>
 </file>
 
@@ -26605,7 +26733,13 @@
       </p:grpSpPr>
       <p:sp>
         <p:nvSpPr>
-          <p:cNvPr id="2" name="タイトル 1"/>
+          <p:cNvPr id="2" name="タイトル 1">
+            <a:extLst>
+              <a:ext uri="{FF2B5EF4-FFF2-40B4-BE49-F238E27FC236}">
+                <a16:creationId xmlns:a16="http://schemas.microsoft.com/office/drawing/2014/main" id="{9FA6E3D0-AE14-4B24-843E-721FED15B2B0}"/>
+              </a:ext>
+            </a:extLst>
+          </p:cNvPr>
           <p:cNvSpPr>
             <a:spLocks noGrp="1"/>
           </p:cNvSpPr>
@@ -26619,14 +26753,300 @@
           <a:lstStyle/>
           <a:p>
             <a:r>
-              <a:rPr kumimoji="1" lang="en-US" altLang="ja-JP" dirty="0" err="1" smtClean="0"/>
+              <a:rPr kumimoji="1" lang="en-US" altLang="ja-JP" dirty="0"/>
+              <a:t>Git</a:t>
+            </a:r>
+            <a:r>
+              <a:rPr kumimoji="1" lang="ja-JP" altLang="en-US" dirty="0"/>
+              <a:t>概要③</a:t>
+            </a:r>
+          </a:p>
+        </p:txBody>
+      </p:sp>
+      <p:sp>
+        <p:nvSpPr>
+          <p:cNvPr id="3" name="コンテンツ プレースホルダー 2">
+            <a:extLst>
+              <a:ext uri="{FF2B5EF4-FFF2-40B4-BE49-F238E27FC236}">
+                <a16:creationId xmlns:a16="http://schemas.microsoft.com/office/drawing/2014/main" id="{AE916586-6F60-4DD7-BD2C-1C9554253DC6}"/>
+              </a:ext>
+            </a:extLst>
+          </p:cNvPr>
+          <p:cNvSpPr>
+            <a:spLocks noGrp="1"/>
+          </p:cNvSpPr>
+          <p:nvPr>
+            <p:ph idx="1"/>
+          </p:nvPr>
+        </p:nvSpPr>
+        <p:spPr/>
+        <p:txBody>
+          <a:bodyPr/>
+          <a:lstStyle/>
+          <a:p>
+            <a:r>
+              <a:rPr lang="ja-JP" altLang="en-US" dirty="0"/>
+              <a:t>リポジトリとは、ファイルやディレクトリの状態を記録する場所です。</a:t>
+            </a:r>
+            <a:endParaRPr lang="en-US" altLang="ja-JP" dirty="0"/>
+          </a:p>
+          <a:p>
+            <a:endParaRPr kumimoji="1" lang="ja-JP" altLang="en-US" dirty="0"/>
+          </a:p>
+        </p:txBody>
+      </p:sp>
+      <p:pic>
+        <p:nvPicPr>
+          <p:cNvPr id="5" name="図 4">
+            <a:extLst>
+              <a:ext uri="{FF2B5EF4-FFF2-40B4-BE49-F238E27FC236}">
+                <a16:creationId xmlns:a16="http://schemas.microsoft.com/office/drawing/2014/main" id="{546444E0-5A93-4E2A-8B4F-C73FE1686800}"/>
+              </a:ext>
+            </a:extLst>
+          </p:cNvPr>
+          <p:cNvPicPr>
+            <a:picLocks noChangeAspect="1"/>
+          </p:cNvPicPr>
+          <p:nvPr/>
+        </p:nvPicPr>
+        <p:blipFill>
+          <a:blip r:embed="rId2">
+            <a:extLst>
+              <a:ext uri="{28A0092B-C50C-407E-A947-70E740481C1C}">
+                <a14:useLocalDpi xmlns:a14="http://schemas.microsoft.com/office/drawing/2010/main" val="0"/>
+              </a:ext>
+            </a:extLst>
+          </a:blip>
+          <a:stretch>
+            <a:fillRect/>
+          </a:stretch>
+        </p:blipFill>
+        <p:spPr>
+          <a:xfrm>
+            <a:off x="1597791" y="4228493"/>
+            <a:ext cx="8297357" cy="2182319"/>
+          </a:xfrm>
+          <a:prstGeom prst="rect">
+            <a:avLst/>
+          </a:prstGeom>
+        </p:spPr>
+      </p:pic>
+    </p:spTree>
+    <p:extLst>
+      <p:ext uri="{BB962C8B-B14F-4D97-AF65-F5344CB8AC3E}">
+        <p14:creationId xmlns:p14="http://schemas.microsoft.com/office/powerpoint/2010/main" val="90384173"/>
+      </p:ext>
+    </p:extLst>
+  </p:cSld>
+  <p:clrMapOvr>
+    <a:masterClrMapping/>
+  </p:clrMapOvr>
+</p:sld>
+</file>
+
+<file path=ppt/slides/slide7.xml><?xml version="1.0" encoding="utf-8"?>
+<p:sld xmlns:a="http://schemas.openxmlformats.org/drawingml/2006/main" xmlns:r="http://schemas.openxmlformats.org/officeDocument/2006/relationships" xmlns:p="http://schemas.openxmlformats.org/presentationml/2006/main">
+  <p:cSld>
+    <p:spTree>
+      <p:nvGrpSpPr>
+        <p:cNvPr id="1" name=""/>
+        <p:cNvGrpSpPr/>
+        <p:nvPr/>
+      </p:nvGrpSpPr>
+      <p:grpSpPr>
+        <a:xfrm>
+          <a:off x="0" y="0"/>
+          <a:ext cx="0" cy="0"/>
+          <a:chOff x="0" y="0"/>
+          <a:chExt cx="0" cy="0"/>
+        </a:xfrm>
+      </p:grpSpPr>
+      <p:sp>
+        <p:nvSpPr>
+          <p:cNvPr id="2" name="タイトル 1">
+            <a:extLst>
+              <a:ext uri="{FF2B5EF4-FFF2-40B4-BE49-F238E27FC236}">
+                <a16:creationId xmlns:a16="http://schemas.microsoft.com/office/drawing/2014/main" id="{F06DB2AC-C517-4B5A-AA26-D6AD1582B79B}"/>
+              </a:ext>
+            </a:extLst>
+          </p:cNvPr>
+          <p:cNvSpPr>
+            <a:spLocks noGrp="1"/>
+          </p:cNvSpPr>
+          <p:nvPr>
+            <p:ph type="title"/>
+          </p:nvPr>
+        </p:nvSpPr>
+        <p:spPr/>
+        <p:txBody>
+          <a:bodyPr/>
+          <a:lstStyle/>
+          <a:p>
+            <a:r>
+              <a:rPr kumimoji="1" lang="en-US" altLang="ja-JP" dirty="0"/>
+              <a:t>Git</a:t>
+            </a:r>
+            <a:r>
+              <a:rPr kumimoji="1" lang="ja-JP" altLang="en-US" dirty="0"/>
+              <a:t>概要④</a:t>
+            </a:r>
+          </a:p>
+        </p:txBody>
+      </p:sp>
+      <p:sp>
+        <p:nvSpPr>
+          <p:cNvPr id="3" name="コンテンツ プレースホルダー 2">
+            <a:extLst>
+              <a:ext uri="{FF2B5EF4-FFF2-40B4-BE49-F238E27FC236}">
+                <a16:creationId xmlns:a16="http://schemas.microsoft.com/office/drawing/2014/main" id="{572D92EA-7455-401D-9FA4-6E7DB2BADF8B}"/>
+              </a:ext>
+            </a:extLst>
+          </p:cNvPr>
+          <p:cNvSpPr>
+            <a:spLocks noGrp="1"/>
+          </p:cNvSpPr>
+          <p:nvPr>
+            <p:ph idx="1"/>
+          </p:nvPr>
+        </p:nvSpPr>
+        <p:spPr>
+          <a:xfrm>
+            <a:off x="423746" y="2110775"/>
+            <a:ext cx="3646449" cy="4479595"/>
+          </a:xfrm>
+        </p:spPr>
+        <p:txBody>
+          <a:bodyPr/>
+          <a:lstStyle/>
+          <a:p>
+            <a:r>
+              <a:rPr lang="ja-JP" altLang="en-US" dirty="0"/>
+              <a:t>リモートリポジトリ</a:t>
+            </a:r>
+          </a:p>
+          <a:p>
+            <a:pPr marL="0" indent="0">
+              <a:buNone/>
+            </a:pPr>
+            <a:r>
+              <a:rPr lang="ja-JP" altLang="en-US" dirty="0"/>
+              <a:t>専用のサーバに配置して複数人で共有するためのリポジトリです。</a:t>
+            </a:r>
+            <a:endParaRPr lang="en-US" altLang="ja-JP" dirty="0"/>
+          </a:p>
+          <a:p>
+            <a:pPr marL="0" indent="0">
+              <a:buNone/>
+            </a:pPr>
+            <a:endParaRPr lang="ja-JP" altLang="en-US" dirty="0"/>
+          </a:p>
+          <a:p>
+            <a:r>
+              <a:rPr lang="ja-JP" altLang="en-US" dirty="0"/>
+              <a:t>ローカルリポジトリ</a:t>
+            </a:r>
+          </a:p>
+          <a:p>
+            <a:pPr marL="0" indent="0">
+              <a:buNone/>
+            </a:pPr>
+            <a:r>
+              <a:rPr lang="ja-JP" altLang="en-US" dirty="0"/>
+              <a:t>自分の手元のマシン上に配置するリポジトリです。</a:t>
+            </a:r>
+            <a:endParaRPr kumimoji="1" lang="ja-JP" altLang="en-US" dirty="0"/>
+          </a:p>
+        </p:txBody>
+      </p:sp>
+      <p:pic>
+        <p:nvPicPr>
+          <p:cNvPr id="5" name="図 4">
+            <a:extLst>
+              <a:ext uri="{FF2B5EF4-FFF2-40B4-BE49-F238E27FC236}">
+                <a16:creationId xmlns:a16="http://schemas.microsoft.com/office/drawing/2014/main" id="{17F855F8-531B-4822-8DE2-5DE160654FB9}"/>
+              </a:ext>
+            </a:extLst>
+          </p:cNvPr>
+          <p:cNvPicPr>
+            <a:picLocks noChangeAspect="1"/>
+          </p:cNvPicPr>
+          <p:nvPr/>
+        </p:nvPicPr>
+        <p:blipFill>
+          <a:blip r:embed="rId2">
+            <a:extLst>
+              <a:ext uri="{28A0092B-C50C-407E-A947-70E740481C1C}">
+                <a14:useLocalDpi xmlns:a14="http://schemas.microsoft.com/office/drawing/2010/main" val="0"/>
+              </a:ext>
+            </a:extLst>
+          </a:blip>
+          <a:stretch>
+            <a:fillRect/>
+          </a:stretch>
+        </p:blipFill>
+        <p:spPr>
+          <a:xfrm>
+            <a:off x="4262378" y="792306"/>
+            <a:ext cx="7718858" cy="5496412"/>
+          </a:xfrm>
+          <a:prstGeom prst="rect">
+            <a:avLst/>
+          </a:prstGeom>
+        </p:spPr>
+      </p:pic>
+    </p:spTree>
+    <p:extLst>
+      <p:ext uri="{BB962C8B-B14F-4D97-AF65-F5344CB8AC3E}">
+        <p14:creationId xmlns:p14="http://schemas.microsoft.com/office/powerpoint/2010/main" val="3939939823"/>
+      </p:ext>
+    </p:extLst>
+  </p:cSld>
+  <p:clrMapOvr>
+    <a:masterClrMapping/>
+  </p:clrMapOvr>
+</p:sld>
+</file>
+
+<file path=ppt/slides/slide8.xml><?xml version="1.0" encoding="utf-8"?>
+<p:sld xmlns:a="http://schemas.openxmlformats.org/drawingml/2006/main" xmlns:r="http://schemas.openxmlformats.org/officeDocument/2006/relationships" xmlns:p="http://schemas.openxmlformats.org/presentationml/2006/main">
+  <p:cSld>
+    <p:spTree>
+      <p:nvGrpSpPr>
+        <p:cNvPr id="1" name=""/>
+        <p:cNvGrpSpPr/>
+        <p:nvPr/>
+      </p:nvGrpSpPr>
+      <p:grpSpPr>
+        <a:xfrm>
+          <a:off x="0" y="0"/>
+          <a:ext cx="0" cy="0"/>
+          <a:chOff x="0" y="0"/>
+          <a:chExt cx="0" cy="0"/>
+        </a:xfrm>
+      </p:grpSpPr>
+      <p:sp>
+        <p:nvSpPr>
+          <p:cNvPr id="2" name="タイトル 1"/>
+          <p:cNvSpPr>
+            <a:spLocks noGrp="1"/>
+          </p:cNvSpPr>
+          <p:nvPr>
+            <p:ph type="title"/>
+          </p:nvPr>
+        </p:nvSpPr>
+        <p:spPr/>
+        <p:txBody>
+          <a:bodyPr/>
+          <a:lstStyle/>
+          <a:p>
+            <a:r>
+              <a:rPr kumimoji="1" lang="en-US" altLang="ja-JP" dirty="0"/>
               <a:t>git</a:t>
             </a:r>
             <a:r>
-              <a:rPr kumimoji="1" lang="ja-JP" altLang="en-US" dirty="0" smtClean="0"/>
-              <a:t>実践演習（必要なもの）</a:t>
-            </a:r>
-            <a:endParaRPr kumimoji="1" lang="ja-JP" altLang="en-US" dirty="0"/>
+              <a:rPr kumimoji="1" lang="ja-JP" altLang="en-US" dirty="0"/>
+              <a:t>実践演習①（必要なもの）</a:t>
+            </a:r>
           </a:p>
         </p:txBody>
       </p:sp>
@@ -26648,89 +27068,81 @@
           <a:lstStyle/>
           <a:p>
             <a:r>
-              <a:rPr kumimoji="1" lang="ja-JP" altLang="en-US" sz="2400" dirty="0" smtClean="0"/>
+              <a:rPr kumimoji="1" lang="ja-JP" altLang="en-US" sz="2400" dirty="0"/>
               <a:t>やる気</a:t>
             </a:r>
-            <a:endParaRPr kumimoji="1" lang="en-US" altLang="ja-JP" sz="2400" dirty="0" smtClean="0"/>
-          </a:p>
-          <a:p>
-            <a:r>
-              <a:rPr lang="en-US" altLang="ja-JP" sz="2400" dirty="0" err="1" smtClean="0"/>
+            <a:endParaRPr kumimoji="1" lang="en-US" altLang="ja-JP" sz="2400" dirty="0"/>
+          </a:p>
+          <a:p>
+            <a:r>
+              <a:rPr lang="en-US" altLang="ja-JP" sz="2400" dirty="0" err="1"/>
               <a:t>git</a:t>
             </a:r>
-            <a:endParaRPr lang="en-US" altLang="ja-JP" sz="2400" dirty="0" smtClean="0"/>
+            <a:endParaRPr lang="en-US" altLang="ja-JP" sz="2400" dirty="0"/>
           </a:p>
           <a:p>
             <a:pPr marL="0" indent="0">
               <a:buNone/>
             </a:pPr>
             <a:r>
-              <a:rPr lang="ja-JP" altLang="en-US" sz="2400" dirty="0" smtClean="0"/>
-              <a:t>（</a:t>
-            </a:r>
-            <a:r>
               <a:rPr lang="ja-JP" altLang="en-US" sz="2400" dirty="0"/>
-              <a:t>↑</a:t>
-            </a:r>
-            <a:r>
-              <a:rPr lang="ja-JP" altLang="en-US" sz="2400" dirty="0" smtClean="0"/>
-              <a:t>クライアント</a:t>
-            </a:r>
-            <a:r>
-              <a:rPr lang="en-US" altLang="ja-JP" sz="2400" dirty="0" smtClean="0"/>
+              <a:t>（↑クライアント</a:t>
+            </a:r>
+            <a:r>
+              <a:rPr lang="en-US" altLang="ja-JP" sz="2400" dirty="0"/>
               <a:t>PC</a:t>
             </a:r>
             <a:r>
-              <a:rPr lang="ja-JP" altLang="en-US" sz="2400" dirty="0" smtClean="0"/>
+              <a:rPr lang="ja-JP" altLang="en-US" sz="2400" dirty="0"/>
               <a:t>がサーバーにファイルを</a:t>
             </a:r>
             <a:r>
-              <a:rPr lang="en-US" altLang="ja-JP" sz="2400" dirty="0" err="1" smtClean="0"/>
+              <a:rPr lang="en-US" altLang="ja-JP" sz="2400" dirty="0" err="1"/>
               <a:t>up,down</a:t>
             </a:r>
             <a:r>
-              <a:rPr lang="ja-JP" altLang="en-US" sz="2400" dirty="0" smtClean="0"/>
+              <a:rPr lang="ja-JP" altLang="en-US" sz="2400" dirty="0"/>
               <a:t>するために使う</a:t>
             </a:r>
             <a:r>
-              <a:rPr lang="en-US" altLang="ja-JP" sz="2400" dirty="0" smtClean="0"/>
+              <a:rPr lang="en-US" altLang="ja-JP" sz="2400" dirty="0"/>
               <a:t>soft</a:t>
             </a:r>
             <a:r>
-              <a:rPr lang="ja-JP" altLang="en-US" sz="2400" dirty="0" smtClean="0"/>
+              <a:rPr lang="ja-JP" altLang="en-US" sz="2400" dirty="0"/>
               <a:t>）</a:t>
             </a:r>
-            <a:endParaRPr lang="en-US" altLang="ja-JP" sz="2400" dirty="0" smtClean="0"/>
-          </a:p>
-          <a:p>
-            <a:r>
-              <a:rPr lang="ja-JP" altLang="en-US" sz="2400" dirty="0" smtClean="0"/>
+            <a:endParaRPr lang="en-US" altLang="ja-JP" sz="2400" dirty="0"/>
+          </a:p>
+          <a:p>
+            <a:r>
+              <a:rPr lang="ja-JP" altLang="en-US" sz="2400" dirty="0"/>
               <a:t>エディタ</a:t>
             </a:r>
             <a:r>
-              <a:rPr lang="en-US" altLang="ja-JP" sz="2400" dirty="0" smtClean="0"/>
+              <a:rPr lang="en-US" altLang="ja-JP" sz="2400" dirty="0"/>
               <a:t>and</a:t>
             </a:r>
             <a:r>
-              <a:rPr lang="ja-JP" altLang="en-US" sz="2400" dirty="0" smtClean="0"/>
+              <a:rPr lang="ja-JP" altLang="en-US" sz="2400" dirty="0"/>
               <a:t>ターミナル（</a:t>
             </a:r>
             <a:r>
-              <a:rPr lang="en-US" altLang="ja-JP" sz="2400" dirty="0" err="1" smtClean="0"/>
+              <a:rPr lang="en-US" altLang="ja-JP" sz="2400" dirty="0" err="1"/>
               <a:t>vscode</a:t>
             </a:r>
             <a:r>
-              <a:rPr lang="ja-JP" altLang="en-US" sz="2400" dirty="0" smtClean="0"/>
+              <a:rPr lang="ja-JP" altLang="en-US" sz="2400" dirty="0"/>
               <a:t>推奨）</a:t>
             </a:r>
-            <a:endParaRPr lang="en-US" altLang="ja-JP" sz="2400" dirty="0" smtClean="0"/>
-          </a:p>
-          <a:p>
-            <a:r>
-              <a:rPr lang="ja-JP" altLang="en-US" sz="2400" dirty="0" smtClean="0"/>
+            <a:endParaRPr lang="en-US" altLang="ja-JP" sz="2400" dirty="0"/>
+          </a:p>
+          <a:p>
+            <a:r>
+              <a:rPr lang="ja-JP" altLang="en-US" sz="2400" dirty="0"/>
               <a:t>バージョン管理したいファイル</a:t>
             </a:r>
-            <a:endParaRPr lang="en-US" altLang="ja-JP" sz="2400" dirty="0" smtClean="0"/>
+            <a:endParaRPr lang="en-US" altLang="ja-JP" sz="2400" dirty="0"/>
           </a:p>
         </p:txBody>
       </p:sp>
@@ -26744,13 +27156,139 @@
   <p:clrMapOvr>
     <a:masterClrMapping/>
   </p:clrMapOvr>
-  <p:timing>
-    <p:tnLst>
-      <p:par>
-        <p:cTn id="1" dur="indefinite" restart="never" nodeType="tmRoot"/>
-      </p:par>
-    </p:tnLst>
-  </p:timing>
+</p:sld>
+</file>
+
+<file path=ppt/slides/slide9.xml><?xml version="1.0" encoding="utf-8"?>
+<p:sld xmlns:a="http://schemas.openxmlformats.org/drawingml/2006/main" xmlns:r="http://schemas.openxmlformats.org/officeDocument/2006/relationships" xmlns:p="http://schemas.openxmlformats.org/presentationml/2006/main">
+  <p:cSld>
+    <p:spTree>
+      <p:nvGrpSpPr>
+        <p:cNvPr id="1" name=""/>
+        <p:cNvGrpSpPr/>
+        <p:nvPr/>
+      </p:nvGrpSpPr>
+      <p:grpSpPr>
+        <a:xfrm>
+          <a:off x="0" y="0"/>
+          <a:ext cx="0" cy="0"/>
+          <a:chOff x="0" y="0"/>
+          <a:chExt cx="0" cy="0"/>
+        </a:xfrm>
+      </p:grpSpPr>
+      <p:sp>
+        <p:nvSpPr>
+          <p:cNvPr id="2" name="タイトル 1">
+            <a:extLst>
+              <a:ext uri="{FF2B5EF4-FFF2-40B4-BE49-F238E27FC236}">
+                <a16:creationId xmlns:a16="http://schemas.microsoft.com/office/drawing/2014/main" id="{33FE233B-3C83-42B4-BAC6-7A036115001C}"/>
+              </a:ext>
+            </a:extLst>
+          </p:cNvPr>
+          <p:cNvSpPr>
+            <a:spLocks noGrp="1"/>
+          </p:cNvSpPr>
+          <p:nvPr>
+            <p:ph type="title"/>
+          </p:nvPr>
+        </p:nvSpPr>
+        <p:spPr/>
+        <p:txBody>
+          <a:bodyPr/>
+          <a:lstStyle/>
+          <a:p>
+            <a:r>
+              <a:rPr kumimoji="1" lang="en-US" altLang="ja-JP" dirty="0"/>
+              <a:t>Git</a:t>
+            </a:r>
+            <a:r>
+              <a:rPr kumimoji="1" lang="ja-JP" altLang="en-US" dirty="0"/>
+              <a:t>実践演習②</a:t>
+            </a:r>
+            <a:r>
+              <a:rPr lang="ja-JP" altLang="en-US" dirty="0"/>
+              <a:t>（コマンド</a:t>
+            </a:r>
+            <a:r>
+              <a:rPr lang="en-US" altLang="ja-JP" dirty="0"/>
+              <a:t>-</a:t>
+            </a:r>
+            <a:r>
+              <a:rPr lang="ja-JP" altLang="en-US" dirty="0"/>
+              <a:t>初期設定編）</a:t>
+            </a:r>
+            <a:endParaRPr kumimoji="1" lang="ja-JP" altLang="en-US" dirty="0"/>
+          </a:p>
+        </p:txBody>
+      </p:sp>
+      <p:sp>
+        <p:nvSpPr>
+          <p:cNvPr id="3" name="コンテンツ プレースホルダー 2">
+            <a:extLst>
+              <a:ext uri="{FF2B5EF4-FFF2-40B4-BE49-F238E27FC236}">
+                <a16:creationId xmlns:a16="http://schemas.microsoft.com/office/drawing/2014/main" id="{9753F50E-6B98-461C-B8F3-36188343729D}"/>
+              </a:ext>
+            </a:extLst>
+          </p:cNvPr>
+          <p:cNvSpPr>
+            <a:spLocks noGrp="1"/>
+          </p:cNvSpPr>
+          <p:nvPr>
+            <p:ph idx="1"/>
+          </p:nvPr>
+        </p:nvSpPr>
+        <p:spPr/>
+        <p:txBody>
+          <a:bodyPr>
+            <a:normAutofit/>
+          </a:bodyPr>
+          <a:lstStyle/>
+          <a:p>
+            <a:r>
+              <a:rPr kumimoji="1" lang="en-US" altLang="ja-JP" sz="3200" dirty="0" err="1"/>
+              <a:t>github</a:t>
+            </a:r>
+            <a:r>
+              <a:rPr kumimoji="1" lang="ja-JP" altLang="en-US" sz="3200" dirty="0"/>
+              <a:t>にリモートリポジトリを作成する</a:t>
+            </a:r>
+            <a:endParaRPr kumimoji="1" lang="en-US" altLang="ja-JP" sz="3200" dirty="0"/>
+          </a:p>
+          <a:p>
+            <a:r>
+              <a:rPr lang="en-US" altLang="ja-JP" sz="3200" dirty="0"/>
+              <a:t>git bash</a:t>
+            </a:r>
+            <a:r>
+              <a:rPr lang="ja-JP" altLang="en-US" sz="3200" dirty="0"/>
+              <a:t>でリモートに登録したいディレクトリに移動、</a:t>
+            </a:r>
+            <a:r>
+              <a:rPr lang="en-US" altLang="ja-JP" sz="3200" dirty="0"/>
+              <a:t>git </a:t>
+            </a:r>
+            <a:r>
+              <a:rPr lang="en-US" altLang="ja-JP" sz="3200" dirty="0" err="1"/>
+              <a:t>init</a:t>
+            </a:r>
+            <a:r>
+              <a:rPr lang="ja-JP" altLang="en-US" sz="3200" dirty="0"/>
+              <a:t>コマンド実行</a:t>
+            </a:r>
+            <a:endParaRPr kumimoji="1" lang="ja-JP" altLang="en-US" sz="3200" dirty="0"/>
+          </a:p>
+        </p:txBody>
+      </p:sp>
+    </p:spTree>
+    <p:extLst>
+      <p:ext uri="{BB962C8B-B14F-4D97-AF65-F5344CB8AC3E}">
+        <p14:creationId xmlns:p14="http://schemas.microsoft.com/office/powerpoint/2010/main" val="234790121"/>
+      </p:ext>
+    </p:extLst>
+  </p:cSld>
+  <p:clrMapOvr>
+    <a:masterClrMapping/>
+  </p:clrMapOvr>
 </p:sld>
 </file>
 

--- a/git_using.pptx
+++ b/git_using.pptx
@@ -18,6 +18,7 @@
     <p:sldId id="264" r:id="rId12"/>
     <p:sldId id="265" r:id="rId13"/>
     <p:sldId id="266" r:id="rId14"/>
+    <p:sldId id="267" r:id="rId15"/>
   </p:sldIdLst>
   <p:sldSz cx="12192000" cy="6858000"/>
   <p:notesSz cx="6858000" cy="9144000"/>
@@ -15758,7 +15759,7 @@
           <a:effectLst/>
           <a:extLst>
             <a:ext uri="{91240B29-F687-4f45-9708-019B960494DF}">
-              <a14:hiddenLine xmlns="" xmlns:a14="http://schemas.microsoft.com/office/drawing/2010/main" w="9525">
+              <a14:hiddenLine xmlns:a14="http://schemas.microsoft.com/office/drawing/2010/main" xmlns="" w="9525">
                 <a:solidFill>
                   <a:srgbClr val="000000"/>
                 </a:solidFill>
@@ -16105,7 +16106,7 @@
           <a:ln/>
           <a:extLst>
             <a:ext uri="{91240B29-F687-4f45-9708-019B960494DF}">
-              <a14:hiddenLine xmlns="" xmlns:a14="http://schemas.microsoft.com/office/drawing/2010/main" w="9525">
+              <a14:hiddenLine xmlns:a14="http://schemas.microsoft.com/office/drawing/2010/main" xmlns="" w="9525">
                 <a:solidFill>
                   <a:srgbClr val="000000"/>
                 </a:solidFill>
@@ -16763,7 +16764,7 @@
           <a:ln/>
           <a:extLst>
             <a:ext uri="{91240B29-F687-4f45-9708-019B960494DF}">
-              <a14:hiddenLine xmlns="" xmlns:a14="http://schemas.microsoft.com/office/drawing/2010/main" w="9525">
+              <a14:hiddenLine xmlns:a14="http://schemas.microsoft.com/office/drawing/2010/main" xmlns="" w="9525">
                 <a:solidFill>
                   <a:srgbClr val="000000"/>
                 </a:solidFill>
@@ -17166,7 +17167,7 @@
           <a:ln/>
           <a:extLst>
             <a:ext uri="{91240B29-F687-4f45-9708-019B960494DF}">
-              <a14:hiddenLine xmlns="" xmlns:a14="http://schemas.microsoft.com/office/drawing/2010/main" w="9525">
+              <a14:hiddenLine xmlns:a14="http://schemas.microsoft.com/office/drawing/2010/main" xmlns="" w="9525">
                 <a:solidFill>
                   <a:srgbClr val="000000"/>
                 </a:solidFill>
@@ -18068,7 +18069,7 @@
           <a:ln/>
           <a:extLst>
             <a:ext uri="{91240B29-F687-4f45-9708-019B960494DF}">
-              <a14:hiddenLine xmlns="" xmlns:a14="http://schemas.microsoft.com/office/drawing/2010/main" w="9525">
+              <a14:hiddenLine xmlns:a14="http://schemas.microsoft.com/office/drawing/2010/main" xmlns="" w="9525">
                 <a:solidFill>
                   <a:srgbClr val="000000"/>
                 </a:solidFill>
@@ -18497,7 +18498,7 @@
           <a:ln/>
           <a:extLst>
             <a:ext uri="{91240B29-F687-4f45-9708-019B960494DF}">
-              <a14:hiddenLine xmlns="" xmlns:a14="http://schemas.microsoft.com/office/drawing/2010/main" w="9525">
+              <a14:hiddenLine xmlns:a14="http://schemas.microsoft.com/office/drawing/2010/main" xmlns="" w="9525">
                 <a:solidFill>
                   <a:srgbClr val="000000"/>
                 </a:solidFill>
@@ -20381,7 +20382,7 @@
           <a:ln/>
           <a:extLst>
             <a:ext uri="{91240B29-F687-4f45-9708-019B960494DF}">
-              <a14:hiddenLine xmlns="" xmlns:a14="http://schemas.microsoft.com/office/drawing/2010/main" w="9525">
+              <a14:hiddenLine xmlns:a14="http://schemas.microsoft.com/office/drawing/2010/main" xmlns="" w="9525">
                 <a:solidFill>
                   <a:srgbClr val="000000"/>
                 </a:solidFill>
@@ -20688,7 +20689,7 @@
           <a:ln/>
           <a:extLst>
             <a:ext uri="{91240B29-F687-4f45-9708-019B960494DF}">
-              <a14:hiddenLine xmlns="" xmlns:a14="http://schemas.microsoft.com/office/drawing/2010/main" w="9525">
+              <a14:hiddenLine xmlns:a14="http://schemas.microsoft.com/office/drawing/2010/main" xmlns="" w="9525">
                 <a:solidFill>
                   <a:srgbClr val="000000"/>
                 </a:solidFill>
@@ -25434,6 +25435,13 @@
               </a:rPr>
               <a:t>使い方講座</a:t>
             </a:r>
+            <a:r>
+              <a:rPr kumimoji="1" lang="en-US" altLang="ja-JP" dirty="0">
+                <a:latin typeface="+mn-ea"/>
+                <a:ea typeface="+mn-ea"/>
+              </a:rPr>
+              <a:t/>
+            </a:r>
             <a:br>
               <a:rPr kumimoji="1" lang="en-US" altLang="ja-JP" dirty="0">
                 <a:latin typeface="+mn-ea"/>
@@ -25679,10 +25687,9 @@
               <a:t>git</a:t>
             </a:r>
             <a:r>
-              <a:rPr kumimoji="1" lang="ja-JP" altLang="en-US"/>
+              <a:rPr kumimoji="1" lang="ja-JP" altLang="en-US" dirty="0"/>
               <a:t>実践演習④</a:t>
             </a:r>
-            <a:endParaRPr kumimoji="1" lang="ja-JP" altLang="en-US" dirty="0"/>
           </a:p>
         </p:txBody>
       </p:sp>
@@ -25702,19 +25709,223 @@
             <p:ph idx="1"/>
           </p:nvPr>
         </p:nvSpPr>
-        <p:spPr/>
-        <p:txBody>
-          <a:bodyPr/>
+        <p:spPr>
+          <a:xfrm>
+            <a:off x="0" y="2222287"/>
+            <a:ext cx="8091054" cy="3636511"/>
+          </a:xfrm>
+        </p:spPr>
+        <p:txBody>
+          <a:bodyPr>
+            <a:normAutofit/>
+          </a:bodyPr>
           <a:lstStyle/>
           <a:p>
-            <a:endParaRPr kumimoji="1" lang="ja-JP" altLang="en-US"/>
-          </a:p>
-        </p:txBody>
-      </p:sp>
+            <a:r>
+              <a:rPr kumimoji="1" lang="ja-JP" altLang="en-US" sz="3200" dirty="0" smtClean="0"/>
+              <a:t>コミットする（ローカルのリポジトリに登録）</a:t>
+            </a:r>
+            <a:endParaRPr kumimoji="1" lang="en-US" altLang="ja-JP" sz="3200" dirty="0" smtClean="0"/>
+          </a:p>
+          <a:p>
+            <a:r>
+              <a:rPr lang="en-US" altLang="ja-JP" sz="3200" dirty="0" err="1" smtClean="0"/>
+              <a:t>git</a:t>
+            </a:r>
+            <a:r>
+              <a:rPr lang="en-US" altLang="ja-JP" sz="3200" dirty="0" smtClean="0"/>
+              <a:t> commit –m </a:t>
+            </a:r>
+            <a:r>
+              <a:rPr lang="ja-JP" altLang="en-US" sz="3200" dirty="0" smtClean="0"/>
+              <a:t>コミットメッセージ</a:t>
+            </a:r>
+            <a:endParaRPr kumimoji="1" lang="ja-JP" altLang="en-US" sz="3200" dirty="0"/>
+          </a:p>
+        </p:txBody>
+      </p:sp>
+      <p:pic>
+        <p:nvPicPr>
+          <p:cNvPr id="4" name="図 3"/>
+          <p:cNvPicPr>
+            <a:picLocks noChangeAspect="1"/>
+          </p:cNvPicPr>
+          <p:nvPr/>
+        </p:nvPicPr>
+        <p:blipFill>
+          <a:blip r:embed="rId2">
+            <a:extLst>
+              <a:ext uri="{28A0092B-C50C-407E-A947-70E740481C1C}">
+                <a14:useLocalDpi xmlns:a14="http://schemas.microsoft.com/office/drawing/2010/main" val="0"/>
+              </a:ext>
+            </a:extLst>
+          </a:blip>
+          <a:stretch>
+            <a:fillRect/>
+          </a:stretch>
+        </p:blipFill>
+        <p:spPr>
+          <a:xfrm>
+            <a:off x="7956447" y="2245146"/>
+            <a:ext cx="4065360" cy="4418301"/>
+          </a:xfrm>
+          <a:prstGeom prst="rect">
+            <a:avLst/>
+          </a:prstGeom>
+        </p:spPr>
+      </p:pic>
     </p:spTree>
     <p:extLst>
       <p:ext uri="{BB962C8B-B14F-4D97-AF65-F5344CB8AC3E}">
         <p14:creationId xmlns:p14="http://schemas.microsoft.com/office/powerpoint/2010/main" val="907250047"/>
+      </p:ext>
+    </p:extLst>
+  </p:cSld>
+  <p:clrMapOvr>
+    <a:masterClrMapping/>
+  </p:clrMapOvr>
+</p:sld>
+</file>
+
+<file path=ppt/slides/slide12.xml><?xml version="1.0" encoding="utf-8"?>
+<p:sld xmlns:a="http://schemas.openxmlformats.org/drawingml/2006/main" xmlns:r="http://schemas.openxmlformats.org/officeDocument/2006/relationships" xmlns:p="http://schemas.openxmlformats.org/presentationml/2006/main">
+  <p:cSld>
+    <p:spTree>
+      <p:nvGrpSpPr>
+        <p:cNvPr id="1" name=""/>
+        <p:cNvGrpSpPr/>
+        <p:nvPr/>
+      </p:nvGrpSpPr>
+      <p:grpSpPr>
+        <a:xfrm>
+          <a:off x="0" y="0"/>
+          <a:ext cx="0" cy="0"/>
+          <a:chOff x="0" y="0"/>
+          <a:chExt cx="0" cy="0"/>
+        </a:xfrm>
+      </p:grpSpPr>
+      <p:sp>
+        <p:nvSpPr>
+          <p:cNvPr id="2" name="タイトル 1"/>
+          <p:cNvSpPr>
+            <a:spLocks noGrp="1"/>
+          </p:cNvSpPr>
+          <p:nvPr>
+            <p:ph type="title"/>
+          </p:nvPr>
+        </p:nvSpPr>
+        <p:spPr/>
+        <p:txBody>
+          <a:bodyPr/>
+          <a:lstStyle/>
+          <a:p>
+            <a:r>
+              <a:rPr lang="en-US" altLang="ja-JP" dirty="0" err="1"/>
+              <a:t>git</a:t>
+            </a:r>
+            <a:r>
+              <a:rPr lang="ja-JP" altLang="en-US" dirty="0" smtClean="0"/>
+              <a:t>実践演習</a:t>
+            </a:r>
+            <a:r>
+              <a:rPr lang="ja-JP" altLang="en-US" dirty="0"/>
+              <a:t>⑤</a:t>
+            </a:r>
+            <a:endParaRPr kumimoji="1" lang="ja-JP" altLang="en-US" dirty="0"/>
+          </a:p>
+        </p:txBody>
+      </p:sp>
+      <p:sp>
+        <p:nvSpPr>
+          <p:cNvPr id="3" name="コンテンツ プレースホルダー 2"/>
+          <p:cNvSpPr>
+            <a:spLocks noGrp="1"/>
+          </p:cNvSpPr>
+          <p:nvPr>
+            <p:ph idx="1"/>
+          </p:nvPr>
+        </p:nvSpPr>
+        <p:spPr>
+          <a:xfrm>
+            <a:off x="222967" y="2443960"/>
+            <a:ext cx="6241336" cy="3636511"/>
+          </a:xfrm>
+        </p:spPr>
+        <p:txBody>
+          <a:bodyPr>
+            <a:normAutofit/>
+          </a:bodyPr>
+          <a:lstStyle/>
+          <a:p>
+            <a:r>
+              <a:rPr kumimoji="1" lang="ja-JP" altLang="en-US" sz="3200" dirty="0" smtClean="0"/>
+              <a:t>最後にローカルリポジトリからリモートリポジトリにデータ</a:t>
+            </a:r>
+            <a:r>
+              <a:rPr lang="ja-JP" altLang="en-US" sz="3200" dirty="0" smtClean="0"/>
+              <a:t>を送る</a:t>
+            </a:r>
+            <a:endParaRPr lang="en-US" altLang="ja-JP" sz="3200" dirty="0" smtClean="0"/>
+          </a:p>
+          <a:p>
+            <a:r>
+              <a:rPr lang="en-US" altLang="ja-JP" sz="3200" dirty="0" err="1" smtClean="0"/>
+              <a:t>git</a:t>
+            </a:r>
+            <a:r>
+              <a:rPr lang="en-US" altLang="ja-JP" sz="3200" dirty="0" smtClean="0"/>
+              <a:t> push origin master </a:t>
+            </a:r>
+            <a:r>
+              <a:rPr lang="ja-JP" altLang="en-US" sz="3200" dirty="0" smtClean="0"/>
+              <a:t>（</a:t>
+            </a:r>
+            <a:r>
+              <a:rPr lang="en-US" altLang="ja-JP" sz="3200" dirty="0" smtClean="0"/>
+              <a:t>master</a:t>
+            </a:r>
+            <a:r>
+              <a:rPr lang="ja-JP" altLang="en-US" sz="3200" dirty="0" smtClean="0"/>
+              <a:t>はデフォルトブランチ）</a:t>
+            </a:r>
+            <a:endParaRPr kumimoji="1" lang="ja-JP" altLang="en-US" sz="3200" dirty="0"/>
+          </a:p>
+        </p:txBody>
+      </p:sp>
+      <p:pic>
+        <p:nvPicPr>
+          <p:cNvPr id="4" name="図 3"/>
+          <p:cNvPicPr>
+            <a:picLocks noChangeAspect="1"/>
+          </p:cNvPicPr>
+          <p:nvPr/>
+        </p:nvPicPr>
+        <p:blipFill>
+          <a:blip r:embed="rId2">
+            <a:extLst>
+              <a:ext uri="{28A0092B-C50C-407E-A947-70E740481C1C}">
+                <a14:useLocalDpi xmlns:a14="http://schemas.microsoft.com/office/drawing/2010/main" val="0"/>
+              </a:ext>
+            </a:extLst>
+          </a:blip>
+          <a:stretch>
+            <a:fillRect/>
+          </a:stretch>
+        </p:blipFill>
+        <p:spPr>
+          <a:xfrm>
+            <a:off x="7060048" y="2210476"/>
+            <a:ext cx="4666667" cy="3660131"/>
+          </a:xfrm>
+          <a:prstGeom prst="rect">
+            <a:avLst/>
+          </a:prstGeom>
+        </p:spPr>
+      </p:pic>
+    </p:spTree>
+    <p:extLst>
+      <p:ext uri="{BB962C8B-B14F-4D97-AF65-F5344CB8AC3E}">
+        <p14:creationId xmlns:p14="http://schemas.microsoft.com/office/powerpoint/2010/main" val="4202190581"/>
       </p:ext>
     </p:extLst>
   </p:cSld>
@@ -26659,10 +26870,15 @@
             <p:ph idx="1"/>
           </p:nvPr>
         </p:nvSpPr>
-        <p:spPr/>
+        <p:spPr>
+          <a:xfrm>
+            <a:off x="810000" y="2499378"/>
+            <a:ext cx="10554574" cy="3636511"/>
+          </a:xfrm>
+        </p:spPr>
         <p:txBody>
           <a:bodyPr>
-            <a:normAutofit lnSpcReduction="10000"/>
+            <a:normAutofit/>
           </a:bodyPr>
           <a:lstStyle/>
           <a:p>
@@ -26672,13 +26888,36 @@
             </a:r>
             <a:r>
               <a:rPr lang="ja-JP" altLang="en-US" sz="2800" dirty="0"/>
-              <a:t>では、ファイルの状態を好きなときに更新履歴として保存しておくことができます。そのため、一度編集したファイルを過去の状態に戻したり、編集箇所の差を表示したりすることができます。</a:t>
-            </a:r>
-          </a:p>
-          <a:p>
+              <a:t>では、ファイルの状態を好きなときに更新履歴として</a:t>
+            </a:r>
+            <a:r>
+              <a:rPr lang="ja-JP" altLang="en-US" sz="2800" dirty="0" smtClean="0"/>
+              <a:t>保存一度</a:t>
+            </a:r>
             <a:r>
               <a:rPr lang="ja-JP" altLang="en-US" sz="2800" dirty="0"/>
-              <a:t>他人の編集した最新ファイルを上書きしようとすると、サーバにアップロードした時に警告が出ます。そのため、知らず知らずのうちに他人の編集内容を上書きしてしまうといった失敗は</a:t>
+              <a:t>編集したファイルを過去の状態に戻したり、編集箇所の差を表示したりすることができます。</a:t>
+            </a:r>
+          </a:p>
+          <a:p>
+            <a:r>
+              <a:rPr lang="ja-JP" altLang="en-US" sz="2800" dirty="0"/>
+              <a:t>他人の編集した最新ファイルを上書きしようとすると、サーバにアップロードした時に警告が出ます</a:t>
+            </a:r>
+            <a:r>
+              <a:rPr lang="ja-JP" altLang="en-US" sz="2800" dirty="0" smtClean="0"/>
+              <a:t>。</a:t>
+            </a:r>
+            <a:endParaRPr lang="en-US" altLang="ja-JP" sz="2800" dirty="0" smtClean="0"/>
+          </a:p>
+          <a:p>
+            <a:r>
+              <a:rPr lang="ja-JP" altLang="en-US" sz="2800" dirty="0" smtClean="0"/>
+              <a:t>知らず</a:t>
+            </a:r>
+            <a:r>
+              <a:rPr lang="ja-JP" altLang="en-US" sz="2800" dirty="0"/>
+              <a:t>知らずのうちに他人の編集内容を上書きしてしまうといった失敗は</a:t>
             </a:r>
             <a:r>
               <a:rPr lang="ja-JP" altLang="en-US" sz="2800" dirty="0">
@@ -26779,16 +27018,21 @@
             <p:ph idx="1"/>
           </p:nvPr>
         </p:nvSpPr>
-        <p:spPr/>
+        <p:spPr>
+          <a:xfrm>
+            <a:off x="680167" y="1543414"/>
+            <a:ext cx="10554574" cy="3636511"/>
+          </a:xfrm>
+        </p:spPr>
         <p:txBody>
           <a:bodyPr/>
           <a:lstStyle/>
           <a:p>
             <a:r>
-              <a:rPr lang="ja-JP" altLang="en-US" dirty="0"/>
+              <a:rPr lang="ja-JP" altLang="en-US" sz="2400" dirty="0"/>
               <a:t>リポジトリとは、ファイルやディレクトリの状態を記録する場所です。</a:t>
             </a:r>
-            <a:endParaRPr lang="en-US" altLang="ja-JP" dirty="0"/>
+            <a:endParaRPr lang="en-US" altLang="ja-JP" sz="2400" dirty="0"/>
           </a:p>
           <a:p>
             <a:endParaRPr kumimoji="1" lang="ja-JP" altLang="en-US" dirty="0"/>
@@ -26916,11 +27160,13 @@
           </a:xfrm>
         </p:spPr>
         <p:txBody>
-          <a:bodyPr/>
+          <a:bodyPr>
+            <a:normAutofit/>
+          </a:bodyPr>
           <a:lstStyle/>
           <a:p>
             <a:r>
-              <a:rPr lang="ja-JP" altLang="en-US" dirty="0"/>
+              <a:rPr lang="ja-JP" altLang="en-US" sz="2400" dirty="0"/>
               <a:t>リモートリポジトリ</a:t>
             </a:r>
           </a:p>
@@ -26929,20 +27175,20 @@
               <a:buNone/>
             </a:pPr>
             <a:r>
-              <a:rPr lang="ja-JP" altLang="en-US" dirty="0"/>
+              <a:rPr lang="ja-JP" altLang="en-US" sz="2400" dirty="0"/>
               <a:t>専用のサーバに配置して複数人で共有するためのリポジトリです。</a:t>
             </a:r>
-            <a:endParaRPr lang="en-US" altLang="ja-JP" dirty="0"/>
+            <a:endParaRPr lang="en-US" altLang="ja-JP" sz="2400" dirty="0"/>
           </a:p>
           <a:p>
             <a:pPr marL="0" indent="0">
               <a:buNone/>
             </a:pPr>
-            <a:endParaRPr lang="ja-JP" altLang="en-US" dirty="0"/>
-          </a:p>
-          <a:p>
-            <a:r>
-              <a:rPr lang="ja-JP" altLang="en-US" dirty="0"/>
+            <a:endParaRPr lang="ja-JP" altLang="en-US" sz="2400" dirty="0"/>
+          </a:p>
+          <a:p>
+            <a:r>
+              <a:rPr lang="ja-JP" altLang="en-US" sz="2400" dirty="0"/>
               <a:t>ローカルリポジトリ</a:t>
             </a:r>
           </a:p>
@@ -26951,10 +27197,10 @@
               <a:buNone/>
             </a:pPr>
             <a:r>
-              <a:rPr lang="ja-JP" altLang="en-US" dirty="0"/>
+              <a:rPr lang="ja-JP" altLang="en-US" sz="2400" dirty="0"/>
               <a:t>自分の手元のマシン上に配置するリポジトリです。</a:t>
             </a:r>
-            <a:endParaRPr kumimoji="1" lang="ja-JP" altLang="en-US" dirty="0"/>
+            <a:endParaRPr kumimoji="1" lang="ja-JP" altLang="en-US" sz="2400" dirty="0"/>
           </a:p>
         </p:txBody>
       </p:sp>

--- a/git_using.pptx
+++ b/git_using.pptx
@@ -19,6 +19,7 @@
     <p:sldId id="265" r:id="rId13"/>
     <p:sldId id="266" r:id="rId14"/>
     <p:sldId id="267" r:id="rId15"/>
+    <p:sldId id="268" r:id="rId16"/>
   </p:sldIdLst>
   <p:sldSz cx="12192000" cy="6858000"/>
   <p:notesSz cx="6858000" cy="9144000"/>
@@ -15759,7 +15760,7 @@
           <a:effectLst/>
           <a:extLst>
             <a:ext uri="{91240B29-F687-4f45-9708-019B960494DF}">
-              <a14:hiddenLine xmlns:a14="http://schemas.microsoft.com/office/drawing/2010/main" xmlns="" w="9525">
+              <a14:hiddenLine xmlns="" xmlns:a14="http://schemas.microsoft.com/office/drawing/2010/main" w="9525">
                 <a:solidFill>
                   <a:srgbClr val="000000"/>
                 </a:solidFill>
@@ -16106,7 +16107,7 @@
           <a:ln/>
           <a:extLst>
             <a:ext uri="{91240B29-F687-4f45-9708-019B960494DF}">
-              <a14:hiddenLine xmlns:a14="http://schemas.microsoft.com/office/drawing/2010/main" xmlns="" w="9525">
+              <a14:hiddenLine xmlns="" xmlns:a14="http://schemas.microsoft.com/office/drawing/2010/main" w="9525">
                 <a:solidFill>
                   <a:srgbClr val="000000"/>
                 </a:solidFill>
@@ -16764,7 +16765,7 @@
           <a:ln/>
           <a:extLst>
             <a:ext uri="{91240B29-F687-4f45-9708-019B960494DF}">
-              <a14:hiddenLine xmlns:a14="http://schemas.microsoft.com/office/drawing/2010/main" xmlns="" w="9525">
+              <a14:hiddenLine xmlns="" xmlns:a14="http://schemas.microsoft.com/office/drawing/2010/main" w="9525">
                 <a:solidFill>
                   <a:srgbClr val="000000"/>
                 </a:solidFill>
@@ -17167,7 +17168,7 @@
           <a:ln/>
           <a:extLst>
             <a:ext uri="{91240B29-F687-4f45-9708-019B960494DF}">
-              <a14:hiddenLine xmlns:a14="http://schemas.microsoft.com/office/drawing/2010/main" xmlns="" w="9525">
+              <a14:hiddenLine xmlns="" xmlns:a14="http://schemas.microsoft.com/office/drawing/2010/main" w="9525">
                 <a:solidFill>
                   <a:srgbClr val="000000"/>
                 </a:solidFill>
@@ -18069,7 +18070,7 @@
           <a:ln/>
           <a:extLst>
             <a:ext uri="{91240B29-F687-4f45-9708-019B960494DF}">
-              <a14:hiddenLine xmlns:a14="http://schemas.microsoft.com/office/drawing/2010/main" xmlns="" w="9525">
+              <a14:hiddenLine xmlns="" xmlns:a14="http://schemas.microsoft.com/office/drawing/2010/main" w="9525">
                 <a:solidFill>
                   <a:srgbClr val="000000"/>
                 </a:solidFill>
@@ -18498,7 +18499,7 @@
           <a:ln/>
           <a:extLst>
             <a:ext uri="{91240B29-F687-4f45-9708-019B960494DF}">
-              <a14:hiddenLine xmlns:a14="http://schemas.microsoft.com/office/drawing/2010/main" xmlns="" w="9525">
+              <a14:hiddenLine xmlns="" xmlns:a14="http://schemas.microsoft.com/office/drawing/2010/main" w="9525">
                 <a:solidFill>
                   <a:srgbClr val="000000"/>
                 </a:solidFill>
@@ -20382,7 +20383,7 @@
           <a:ln/>
           <a:extLst>
             <a:ext uri="{91240B29-F687-4f45-9708-019B960494DF}">
-              <a14:hiddenLine xmlns:a14="http://schemas.microsoft.com/office/drawing/2010/main" xmlns="" w="9525">
+              <a14:hiddenLine xmlns="" xmlns:a14="http://schemas.microsoft.com/office/drawing/2010/main" w="9525">
                 <a:solidFill>
                   <a:srgbClr val="000000"/>
                 </a:solidFill>
@@ -20689,7 +20690,7 @@
           <a:ln/>
           <a:extLst>
             <a:ext uri="{91240B29-F687-4f45-9708-019B960494DF}">
-              <a14:hiddenLine xmlns:a14="http://schemas.microsoft.com/office/drawing/2010/main" xmlns="" w="9525">
+              <a14:hiddenLine xmlns="" xmlns:a14="http://schemas.microsoft.com/office/drawing/2010/main" w="9525">
                 <a:solidFill>
                   <a:srgbClr val="000000"/>
                 </a:solidFill>
@@ -25435,13 +25436,6 @@
               </a:rPr>
               <a:t>使い方講座</a:t>
             </a:r>
-            <a:r>
-              <a:rPr kumimoji="1" lang="en-US" altLang="ja-JP" dirty="0">
-                <a:latin typeface="+mn-ea"/>
-                <a:ea typeface="+mn-ea"/>
-              </a:rPr>
-              <a:t/>
-            </a:r>
             <a:br>
               <a:rPr kumimoji="1" lang="en-US" altLang="ja-JP" dirty="0">
                 <a:latin typeface="+mn-ea"/>
@@ -25722,22 +25716,22 @@
           <a:lstStyle/>
           <a:p>
             <a:r>
-              <a:rPr kumimoji="1" lang="ja-JP" altLang="en-US" sz="3200" dirty="0" smtClean="0"/>
+              <a:rPr kumimoji="1" lang="ja-JP" altLang="en-US" sz="3200" dirty="0"/>
               <a:t>コミットする（ローカルのリポジトリに登録）</a:t>
             </a:r>
-            <a:endParaRPr kumimoji="1" lang="en-US" altLang="ja-JP" sz="3200" dirty="0" smtClean="0"/>
-          </a:p>
-          <a:p>
-            <a:r>
-              <a:rPr lang="en-US" altLang="ja-JP" sz="3200" dirty="0" err="1" smtClean="0"/>
+            <a:endParaRPr kumimoji="1" lang="en-US" altLang="ja-JP" sz="3200" dirty="0"/>
+          </a:p>
+          <a:p>
+            <a:r>
+              <a:rPr lang="en-US" altLang="ja-JP" sz="3200" dirty="0" err="1"/>
               <a:t>git</a:t>
             </a:r>
             <a:r>
-              <a:rPr lang="en-US" altLang="ja-JP" sz="3200" dirty="0" smtClean="0"/>
+              <a:rPr lang="en-US" altLang="ja-JP" sz="3200" dirty="0"/>
               <a:t> commit –m </a:t>
             </a:r>
             <a:r>
-              <a:rPr lang="ja-JP" altLang="en-US" sz="3200" dirty="0" smtClean="0"/>
+              <a:rPr lang="ja-JP" altLang="en-US" sz="3200" dirty="0"/>
               <a:t>コミットメッセージ</a:t>
             </a:r>
             <a:endParaRPr kumimoji="1" lang="ja-JP" altLang="en-US" sz="3200" dirty="0"/>
@@ -25824,12 +25818,8 @@
               <a:t>git</a:t>
             </a:r>
             <a:r>
-              <a:rPr lang="ja-JP" altLang="en-US" dirty="0" smtClean="0"/>
-              <a:t>実践演習</a:t>
-            </a:r>
-            <a:r>
               <a:rPr lang="ja-JP" altLang="en-US" dirty="0"/>
-              <a:t>⑤</a:t>
+              <a:t>実践演習⑤</a:t>
             </a:r>
             <a:endParaRPr kumimoji="1" lang="ja-JP" altLang="en-US" dirty="0"/>
           </a:p>
@@ -25858,34 +25848,34 @@
           <a:lstStyle/>
           <a:p>
             <a:r>
-              <a:rPr kumimoji="1" lang="ja-JP" altLang="en-US" sz="3200" dirty="0" smtClean="0"/>
+              <a:rPr kumimoji="1" lang="ja-JP" altLang="en-US" sz="3200" dirty="0"/>
               <a:t>最後にローカルリポジトリからリモートリポジトリにデータ</a:t>
             </a:r>
             <a:r>
-              <a:rPr lang="ja-JP" altLang="en-US" sz="3200" dirty="0" smtClean="0"/>
+              <a:rPr lang="ja-JP" altLang="en-US" sz="3200" dirty="0"/>
               <a:t>を送る</a:t>
             </a:r>
-            <a:endParaRPr lang="en-US" altLang="ja-JP" sz="3200" dirty="0" smtClean="0"/>
-          </a:p>
-          <a:p>
-            <a:r>
-              <a:rPr lang="en-US" altLang="ja-JP" sz="3200" dirty="0" err="1" smtClean="0"/>
+            <a:endParaRPr lang="en-US" altLang="ja-JP" sz="3200" dirty="0"/>
+          </a:p>
+          <a:p>
+            <a:r>
+              <a:rPr lang="en-US" altLang="ja-JP" sz="3200" dirty="0" err="1"/>
               <a:t>git</a:t>
             </a:r>
             <a:r>
-              <a:rPr lang="en-US" altLang="ja-JP" sz="3200" dirty="0" smtClean="0"/>
+              <a:rPr lang="en-US" altLang="ja-JP" sz="3200" dirty="0"/>
               <a:t> push origin master </a:t>
             </a:r>
             <a:r>
-              <a:rPr lang="ja-JP" altLang="en-US" sz="3200" dirty="0" smtClean="0"/>
+              <a:rPr lang="ja-JP" altLang="en-US" sz="3200" dirty="0"/>
               <a:t>（</a:t>
             </a:r>
             <a:r>
-              <a:rPr lang="en-US" altLang="ja-JP" sz="3200" dirty="0" smtClean="0"/>
+              <a:rPr lang="en-US" altLang="ja-JP" sz="3200" dirty="0"/>
               <a:t>master</a:t>
             </a:r>
             <a:r>
-              <a:rPr lang="ja-JP" altLang="en-US" sz="3200" dirty="0" smtClean="0"/>
+              <a:rPr lang="ja-JP" altLang="en-US" sz="3200" dirty="0"/>
               <a:t>はデフォルトブランチ）</a:t>
             </a:r>
             <a:endParaRPr kumimoji="1" lang="ja-JP" altLang="en-US" sz="3200" dirty="0"/>
@@ -25926,6 +25916,98 @@
     <p:extLst>
       <p:ext uri="{BB962C8B-B14F-4D97-AF65-F5344CB8AC3E}">
         <p14:creationId xmlns:p14="http://schemas.microsoft.com/office/powerpoint/2010/main" val="4202190581"/>
+      </p:ext>
+    </p:extLst>
+  </p:cSld>
+  <p:clrMapOvr>
+    <a:masterClrMapping/>
+  </p:clrMapOvr>
+</p:sld>
+</file>
+
+<file path=ppt/slides/slide13.xml><?xml version="1.0" encoding="utf-8"?>
+<p:sld xmlns:a="http://schemas.openxmlformats.org/drawingml/2006/main" xmlns:r="http://schemas.openxmlformats.org/officeDocument/2006/relationships" xmlns:p="http://schemas.openxmlformats.org/presentationml/2006/main">
+  <p:cSld>
+    <p:spTree>
+      <p:nvGrpSpPr>
+        <p:cNvPr id="1" name=""/>
+        <p:cNvGrpSpPr/>
+        <p:nvPr/>
+      </p:nvGrpSpPr>
+      <p:grpSpPr>
+        <a:xfrm>
+          <a:off x="0" y="0"/>
+          <a:ext cx="0" cy="0"/>
+          <a:chOff x="0" y="0"/>
+          <a:chExt cx="0" cy="0"/>
+        </a:xfrm>
+      </p:grpSpPr>
+      <p:sp>
+        <p:nvSpPr>
+          <p:cNvPr id="2" name="タイトル 1">
+            <a:extLst>
+              <a:ext uri="{FF2B5EF4-FFF2-40B4-BE49-F238E27FC236}">
+                <a16:creationId xmlns:a16="http://schemas.microsoft.com/office/drawing/2014/main" id="{3B4918A4-7DB5-4E4F-8D53-F92B3526244A}"/>
+              </a:ext>
+            </a:extLst>
+          </p:cNvPr>
+          <p:cNvSpPr>
+            <a:spLocks noGrp="1"/>
+          </p:cNvSpPr>
+          <p:nvPr>
+            <p:ph type="title"/>
+          </p:nvPr>
+        </p:nvSpPr>
+        <p:spPr/>
+        <p:txBody>
+          <a:bodyPr/>
+          <a:lstStyle/>
+          <a:p>
+            <a:r>
+              <a:rPr lang="en-US" altLang="ja-JP" dirty="0"/>
+              <a:t>git </a:t>
+            </a:r>
+            <a:r>
+              <a:rPr lang="en-US" altLang="ja-JP" dirty="0" err="1"/>
+              <a:t>vscode</a:t>
+            </a:r>
+            <a:r>
+              <a:rPr lang="ja-JP" altLang="en-US" dirty="0"/>
+              <a:t>編①</a:t>
+            </a:r>
+            <a:endParaRPr kumimoji="1" lang="ja-JP" altLang="en-US" dirty="0"/>
+          </a:p>
+        </p:txBody>
+      </p:sp>
+      <p:sp>
+        <p:nvSpPr>
+          <p:cNvPr id="3" name="コンテンツ プレースホルダー 2">
+            <a:extLst>
+              <a:ext uri="{FF2B5EF4-FFF2-40B4-BE49-F238E27FC236}">
+                <a16:creationId xmlns:a16="http://schemas.microsoft.com/office/drawing/2014/main" id="{20D3FE85-7D5A-43BE-96F8-08562A95807B}"/>
+              </a:ext>
+            </a:extLst>
+          </p:cNvPr>
+          <p:cNvSpPr>
+            <a:spLocks noGrp="1"/>
+          </p:cNvSpPr>
+          <p:nvPr>
+            <p:ph idx="1"/>
+          </p:nvPr>
+        </p:nvSpPr>
+        <p:spPr/>
+        <p:txBody>
+          <a:bodyPr/>
+          <a:lstStyle/>
+          <a:p>
+            <a:endParaRPr kumimoji="1" lang="ja-JP" altLang="en-US" dirty="0"/>
+          </a:p>
+        </p:txBody>
+      </p:sp>
+    </p:spTree>
+    <p:extLst>
+      <p:ext uri="{BB962C8B-B14F-4D97-AF65-F5344CB8AC3E}">
+        <p14:creationId xmlns:p14="http://schemas.microsoft.com/office/powerpoint/2010/main" val="3664872994"/>
       </p:ext>
     </p:extLst>
   </p:cSld>
@@ -26888,36 +26970,20 @@
             </a:r>
             <a:r>
               <a:rPr lang="ja-JP" altLang="en-US" sz="2800" dirty="0"/>
-              <a:t>では、ファイルの状態を好きなときに更新履歴として</a:t>
-            </a:r>
-            <a:r>
-              <a:rPr lang="ja-JP" altLang="en-US" sz="2800" dirty="0" smtClean="0"/>
-              <a:t>保存一度</a:t>
-            </a:r>
+              <a:t>では、ファイルの状態を好きなときに更新履歴として保存一度編集したファイルを過去の状態に戻したり、編集箇所の差を表示したりすることができます。</a:t>
+            </a:r>
+          </a:p>
+          <a:p>
             <a:r>
               <a:rPr lang="ja-JP" altLang="en-US" sz="2800" dirty="0"/>
-              <a:t>編集したファイルを過去の状態に戻したり、編集箇所の差を表示したりすることができます。</a:t>
-            </a:r>
+              <a:t>他人の編集した最新ファイルを上書きしようとすると、サーバにアップロードした時に警告が出ます。</a:t>
+            </a:r>
+            <a:endParaRPr lang="en-US" altLang="ja-JP" sz="2800" dirty="0"/>
           </a:p>
           <a:p>
             <a:r>
               <a:rPr lang="ja-JP" altLang="en-US" sz="2800" dirty="0"/>
-              <a:t>他人の編集した最新ファイルを上書きしようとすると、サーバにアップロードした時に警告が出ます</a:t>
-            </a:r>
-            <a:r>
-              <a:rPr lang="ja-JP" altLang="en-US" sz="2800" dirty="0" smtClean="0"/>
-              <a:t>。</a:t>
-            </a:r>
-            <a:endParaRPr lang="en-US" altLang="ja-JP" sz="2800" dirty="0" smtClean="0"/>
-          </a:p>
-          <a:p>
-            <a:r>
-              <a:rPr lang="ja-JP" altLang="en-US" sz="2800" dirty="0" smtClean="0"/>
-              <a:t>知らず</a:t>
-            </a:r>
-            <a:r>
-              <a:rPr lang="ja-JP" altLang="en-US" sz="2800" dirty="0"/>
-              <a:t>知らずのうちに他人の編集内容を上書きしてしまうといった失敗は</a:t>
+              <a:t>知らず知らずのうちに他人の編集内容を上書きしてしまうといった失敗は</a:t>
             </a:r>
             <a:r>
               <a:rPr lang="ja-JP" altLang="en-US" sz="2800" dirty="0">

--- a/git_using.pptx
+++ b/git_using.pptx
@@ -124,6 +124,18 @@
     </p:ext>
   </p:extLst>
 </p:presentation>
+</file>
+
+<file path=ppt/commentAuthors.xml><?xml version="1.0" encoding="utf-8"?>
+<p:cmAuthorLst xmlns:a="http://schemas.openxmlformats.org/drawingml/2006/main" xmlns:r="http://schemas.openxmlformats.org/officeDocument/2006/relationships" xmlns:p="http://schemas.openxmlformats.org/presentationml/2006/main">
+  <p:cmAuthor id="1" name="長谷川 泰斗" initials="長谷川" lastIdx="1" clrIdx="0">
+    <p:extLst>
+      <p:ext uri="{19B8F6BF-5375-455C-9EA6-DF929625EA0E}">
+        <p15:presenceInfo xmlns:p15="http://schemas.microsoft.com/office/powerpoint/2012/main" userId="402aceae67b9cd77" providerId="Windows Live"/>
+      </p:ext>
+    </p:extLst>
+  </p:cmAuthor>
+</p:cmAuthorLst>
 </file>
 
 <file path=ppt/slideLayouts/slideLayout1.xml><?xml version="1.0" encoding="utf-8"?>
@@ -15760,7 +15772,7 @@
           <a:effectLst/>
           <a:extLst>
             <a:ext uri="{91240B29-F687-4f45-9708-019B960494DF}">
-              <a14:hiddenLine xmlns="" xmlns:a14="http://schemas.microsoft.com/office/drawing/2010/main" w="9525">
+              <a14:hiddenLine xmlns:a14="http://schemas.microsoft.com/office/drawing/2010/main" xmlns="" w="9525">
                 <a:solidFill>
                   <a:srgbClr val="000000"/>
                 </a:solidFill>
@@ -16107,7 +16119,7 @@
           <a:ln/>
           <a:extLst>
             <a:ext uri="{91240B29-F687-4f45-9708-019B960494DF}">
-              <a14:hiddenLine xmlns="" xmlns:a14="http://schemas.microsoft.com/office/drawing/2010/main" w="9525">
+              <a14:hiddenLine xmlns:a14="http://schemas.microsoft.com/office/drawing/2010/main" xmlns="" w="9525">
                 <a:solidFill>
                   <a:srgbClr val="000000"/>
                 </a:solidFill>
@@ -16765,7 +16777,7 @@
           <a:ln/>
           <a:extLst>
             <a:ext uri="{91240B29-F687-4f45-9708-019B960494DF}">
-              <a14:hiddenLine xmlns="" xmlns:a14="http://schemas.microsoft.com/office/drawing/2010/main" w="9525">
+              <a14:hiddenLine xmlns:a14="http://schemas.microsoft.com/office/drawing/2010/main" xmlns="" w="9525">
                 <a:solidFill>
                   <a:srgbClr val="000000"/>
                 </a:solidFill>
@@ -17168,7 +17180,7 @@
           <a:ln/>
           <a:extLst>
             <a:ext uri="{91240B29-F687-4f45-9708-019B960494DF}">
-              <a14:hiddenLine xmlns="" xmlns:a14="http://schemas.microsoft.com/office/drawing/2010/main" w="9525">
+              <a14:hiddenLine xmlns:a14="http://schemas.microsoft.com/office/drawing/2010/main" xmlns="" w="9525">
                 <a:solidFill>
                   <a:srgbClr val="000000"/>
                 </a:solidFill>
@@ -18070,7 +18082,7 @@
           <a:ln/>
           <a:extLst>
             <a:ext uri="{91240B29-F687-4f45-9708-019B960494DF}">
-              <a14:hiddenLine xmlns="" xmlns:a14="http://schemas.microsoft.com/office/drawing/2010/main" w="9525">
+              <a14:hiddenLine xmlns:a14="http://schemas.microsoft.com/office/drawing/2010/main" xmlns="" w="9525">
                 <a:solidFill>
                   <a:srgbClr val="000000"/>
                 </a:solidFill>
@@ -18499,7 +18511,7 @@
           <a:ln/>
           <a:extLst>
             <a:ext uri="{91240B29-F687-4f45-9708-019B960494DF}">
-              <a14:hiddenLine xmlns="" xmlns:a14="http://schemas.microsoft.com/office/drawing/2010/main" w="9525">
+              <a14:hiddenLine xmlns:a14="http://schemas.microsoft.com/office/drawing/2010/main" xmlns="" w="9525">
                 <a:solidFill>
                   <a:srgbClr val="000000"/>
                 </a:solidFill>
@@ -20383,7 +20395,7 @@
           <a:ln/>
           <a:extLst>
             <a:ext uri="{91240B29-F687-4f45-9708-019B960494DF}">
-              <a14:hiddenLine xmlns="" xmlns:a14="http://schemas.microsoft.com/office/drawing/2010/main" w="9525">
+              <a14:hiddenLine xmlns:a14="http://schemas.microsoft.com/office/drawing/2010/main" xmlns="" w="9525">
                 <a:solidFill>
                   <a:srgbClr val="000000"/>
                 </a:solidFill>
@@ -20690,7 +20702,7 @@
           <a:ln/>
           <a:extLst>
             <a:ext uri="{91240B29-F687-4f45-9708-019B960494DF}">
-              <a14:hiddenLine xmlns="" xmlns:a14="http://schemas.microsoft.com/office/drawing/2010/main" w="9525">
+              <a14:hiddenLine xmlns:a14="http://schemas.microsoft.com/office/drawing/2010/main" xmlns="" w="9525">
                 <a:solidFill>
                   <a:srgbClr val="000000"/>
                 </a:solidFill>
@@ -25973,34 +25985,641 @@
             </a:r>
             <a:r>
               <a:rPr lang="ja-JP" altLang="en-US" dirty="0"/>
-              <a:t>編①</a:t>
+              <a:t>編</a:t>
             </a:r>
             <a:endParaRPr kumimoji="1" lang="ja-JP" altLang="en-US" dirty="0"/>
           </a:p>
         </p:txBody>
       </p:sp>
-      <p:sp>
-        <p:nvSpPr>
-          <p:cNvPr id="3" name="コンテンツ プレースホルダー 2">
+      <p:pic>
+        <p:nvPicPr>
+          <p:cNvPr id="5" name="コンテンツ プレースホルダー 4">
             <a:extLst>
               <a:ext uri="{FF2B5EF4-FFF2-40B4-BE49-F238E27FC236}">
-                <a16:creationId xmlns:a16="http://schemas.microsoft.com/office/drawing/2014/main" id="{20D3FE85-7D5A-43BE-96F8-08562A95807B}"/>
+                <a16:creationId xmlns:a16="http://schemas.microsoft.com/office/drawing/2014/main" id="{E725915A-8A1D-4AC8-87CC-26A826F1F86A}"/>
               </a:ext>
             </a:extLst>
           </p:cNvPr>
-          <p:cNvSpPr>
-            <a:spLocks noGrp="1"/>
-          </p:cNvSpPr>
+          <p:cNvPicPr>
+            <a:picLocks noGrp="1" noChangeAspect="1"/>
+          </p:cNvPicPr>
           <p:nvPr>
             <p:ph idx="1"/>
           </p:nvPr>
-        </p:nvSpPr>
-        <p:spPr/>
-        <p:txBody>
-          <a:bodyPr/>
+        </p:nvPicPr>
+        <p:blipFill>
+          <a:blip r:embed="rId2">
+            <a:extLst>
+              <a:ext uri="{28A0092B-C50C-407E-A947-70E740481C1C}">
+                <a14:useLocalDpi xmlns:a14="http://schemas.microsoft.com/office/drawing/2010/main" val="0"/>
+              </a:ext>
+            </a:extLst>
+          </a:blip>
+          <a:stretch>
+            <a:fillRect/>
+          </a:stretch>
+        </p:blipFill>
+        <p:spPr>
+          <a:xfrm>
+            <a:off x="275989" y="2274614"/>
+            <a:ext cx="5103129" cy="4198151"/>
+          </a:xfrm>
+        </p:spPr>
+      </p:pic>
+      <p:pic>
+        <p:nvPicPr>
+          <p:cNvPr id="7" name="図 6">
+            <a:extLst>
+              <a:ext uri="{FF2B5EF4-FFF2-40B4-BE49-F238E27FC236}">
+                <a16:creationId xmlns:a16="http://schemas.microsoft.com/office/drawing/2014/main" id="{2A5ECAA4-ACC2-418B-9F00-9A8BDE5F8AAC}"/>
+              </a:ext>
+            </a:extLst>
+          </p:cNvPr>
+          <p:cNvPicPr>
+            <a:picLocks noChangeAspect="1"/>
+          </p:cNvPicPr>
+          <p:nvPr/>
+        </p:nvPicPr>
+        <p:blipFill>
+          <a:blip r:embed="rId3">
+            <a:extLst>
+              <a:ext uri="{28A0092B-C50C-407E-A947-70E740481C1C}">
+                <a14:useLocalDpi xmlns:a14="http://schemas.microsoft.com/office/drawing/2010/main" val="0"/>
+              </a:ext>
+            </a:extLst>
+          </a:blip>
+          <a:stretch>
+            <a:fillRect/>
+          </a:stretch>
+        </p:blipFill>
+        <p:spPr>
+          <a:xfrm>
+            <a:off x="5582361" y="2296586"/>
+            <a:ext cx="6333650" cy="3835766"/>
+          </a:xfrm>
+          <a:prstGeom prst="rect">
+            <a:avLst/>
+          </a:prstGeom>
+        </p:spPr>
+      </p:pic>
+      <p:sp>
+        <p:nvSpPr>
+          <p:cNvPr id="9" name="楕円 8">
+            <a:extLst>
+              <a:ext uri="{FF2B5EF4-FFF2-40B4-BE49-F238E27FC236}">
+                <a16:creationId xmlns:a16="http://schemas.microsoft.com/office/drawing/2014/main" id="{9A59725B-C3F0-4C85-A865-5386842AE177}"/>
+              </a:ext>
+            </a:extLst>
+          </p:cNvPr>
+          <p:cNvSpPr/>
+          <p:nvPr/>
+        </p:nvSpPr>
+        <p:spPr>
+          <a:xfrm>
+            <a:off x="4219662" y="3615655"/>
+            <a:ext cx="696287" cy="696286"/>
+          </a:xfrm>
+          <a:prstGeom prst="ellipse">
+            <a:avLst/>
+          </a:prstGeom>
+          <a:noFill/>
+          <a:ln w="38100"/>
+        </p:spPr>
+        <p:style>
+          <a:lnRef idx="2">
+            <a:schemeClr val="accent1">
+              <a:shade val="50000"/>
+            </a:schemeClr>
+          </a:lnRef>
+          <a:fillRef idx="1">
+            <a:schemeClr val="accent1"/>
+          </a:fillRef>
+          <a:effectRef idx="0">
+            <a:schemeClr val="accent1"/>
+          </a:effectRef>
+          <a:fontRef idx="minor">
+            <a:schemeClr val="lt1"/>
+          </a:fontRef>
+        </p:style>
+        <p:txBody>
+          <a:bodyPr rtlCol="0" anchor="ctr"/>
           <a:lstStyle/>
           <a:p>
-            <a:endParaRPr kumimoji="1" lang="ja-JP" altLang="en-US" dirty="0"/>
+            <a:pPr algn="ctr"/>
+            <a:endParaRPr kumimoji="1" lang="ja-JP" altLang="en-US"/>
+          </a:p>
+        </p:txBody>
+      </p:sp>
+      <p:sp>
+        <p:nvSpPr>
+          <p:cNvPr id="10" name="円: 塗りつぶしなし 9">
+            <a:extLst>
+              <a:ext uri="{FF2B5EF4-FFF2-40B4-BE49-F238E27FC236}">
+                <a16:creationId xmlns:a16="http://schemas.microsoft.com/office/drawing/2014/main" id="{F5934A5A-08C7-4674-8667-91AE75929A93}"/>
+              </a:ext>
+            </a:extLst>
+          </p:cNvPr>
+          <p:cNvSpPr/>
+          <p:nvPr/>
+        </p:nvSpPr>
+        <p:spPr>
+          <a:xfrm>
+            <a:off x="1157681" y="3179428"/>
+            <a:ext cx="2952925" cy="696286"/>
+          </a:xfrm>
+          <a:prstGeom prst="donut">
+            <a:avLst>
+              <a:gd name="adj" fmla="val 6924"/>
+            </a:avLst>
+          </a:prstGeom>
+          <a:ln w="3175"/>
+        </p:spPr>
+        <p:style>
+          <a:lnRef idx="2">
+            <a:schemeClr val="accent1">
+              <a:shade val="50000"/>
+            </a:schemeClr>
+          </a:lnRef>
+          <a:fillRef idx="1">
+            <a:schemeClr val="accent1"/>
+          </a:fillRef>
+          <a:effectRef idx="0">
+            <a:schemeClr val="accent1"/>
+          </a:effectRef>
+          <a:fontRef idx="minor">
+            <a:schemeClr val="lt1"/>
+          </a:fontRef>
+        </p:style>
+        <p:txBody>
+          <a:bodyPr rtlCol="0" anchor="ctr"/>
+          <a:lstStyle/>
+          <a:p>
+            <a:pPr algn="ctr"/>
+            <a:endParaRPr kumimoji="1" lang="ja-JP" altLang="en-US">
+              <a:solidFill>
+                <a:schemeClr val="tx1"/>
+              </a:solidFill>
+            </a:endParaRPr>
+          </a:p>
+        </p:txBody>
+      </p:sp>
+      <p:sp>
+        <p:nvSpPr>
+          <p:cNvPr id="11" name="円: 塗りつぶしなし 10">
+            <a:extLst>
+              <a:ext uri="{FF2B5EF4-FFF2-40B4-BE49-F238E27FC236}">
+                <a16:creationId xmlns:a16="http://schemas.microsoft.com/office/drawing/2014/main" id="{5C1A8DB6-5818-42A8-B1B5-0D501642B172}"/>
+              </a:ext>
+            </a:extLst>
+          </p:cNvPr>
+          <p:cNvSpPr/>
+          <p:nvPr/>
+        </p:nvSpPr>
+        <p:spPr>
+          <a:xfrm>
+            <a:off x="3093630" y="2569129"/>
+            <a:ext cx="813733" cy="694189"/>
+          </a:xfrm>
+          <a:prstGeom prst="donut">
+            <a:avLst>
+              <a:gd name="adj" fmla="val 6858"/>
+            </a:avLst>
+          </a:prstGeom>
+        </p:spPr>
+        <p:style>
+          <a:lnRef idx="2">
+            <a:schemeClr val="accent1">
+              <a:shade val="50000"/>
+            </a:schemeClr>
+          </a:lnRef>
+          <a:fillRef idx="1">
+            <a:schemeClr val="accent1"/>
+          </a:fillRef>
+          <a:effectRef idx="0">
+            <a:schemeClr val="accent1"/>
+          </a:effectRef>
+          <a:fontRef idx="minor">
+            <a:schemeClr val="lt1"/>
+          </a:fontRef>
+        </p:style>
+        <p:txBody>
+          <a:bodyPr rtlCol="0" anchor="ctr"/>
+          <a:lstStyle/>
+          <a:p>
+            <a:pPr algn="ctr"/>
+            <a:endParaRPr kumimoji="1" lang="ja-JP" altLang="en-US">
+              <a:solidFill>
+                <a:schemeClr val="tx1"/>
+              </a:solidFill>
+            </a:endParaRPr>
+          </a:p>
+        </p:txBody>
+      </p:sp>
+      <p:sp>
+        <p:nvSpPr>
+          <p:cNvPr id="12" name="円: 塗りつぶしなし 11">
+            <a:extLst>
+              <a:ext uri="{FF2B5EF4-FFF2-40B4-BE49-F238E27FC236}">
+                <a16:creationId xmlns:a16="http://schemas.microsoft.com/office/drawing/2014/main" id="{AD26CEC0-E708-40B8-97C7-A45A836A2F13}"/>
+              </a:ext>
+            </a:extLst>
+          </p:cNvPr>
+          <p:cNvSpPr/>
+          <p:nvPr/>
+        </p:nvSpPr>
+        <p:spPr>
+          <a:xfrm>
+            <a:off x="9093666" y="4495599"/>
+            <a:ext cx="1350628" cy="679509"/>
+          </a:xfrm>
+          <a:prstGeom prst="donut">
+            <a:avLst>
+              <a:gd name="adj" fmla="val 11420"/>
+            </a:avLst>
+          </a:prstGeom>
+        </p:spPr>
+        <p:style>
+          <a:lnRef idx="2">
+            <a:schemeClr val="accent1">
+              <a:shade val="50000"/>
+            </a:schemeClr>
+          </a:lnRef>
+          <a:fillRef idx="1">
+            <a:schemeClr val="accent1"/>
+          </a:fillRef>
+          <a:effectRef idx="0">
+            <a:schemeClr val="accent1"/>
+          </a:effectRef>
+          <a:fontRef idx="minor">
+            <a:schemeClr val="lt1"/>
+          </a:fontRef>
+        </p:style>
+        <p:txBody>
+          <a:bodyPr rtlCol="0" anchor="ctr"/>
+          <a:lstStyle/>
+          <a:p>
+            <a:pPr algn="ctr"/>
+            <a:endParaRPr kumimoji="1" lang="ja-JP" altLang="en-US">
+              <a:solidFill>
+                <a:schemeClr val="tx1"/>
+              </a:solidFill>
+            </a:endParaRPr>
+          </a:p>
+        </p:txBody>
+      </p:sp>
+      <p:sp>
+        <p:nvSpPr>
+          <p:cNvPr id="13" name="正方形/長方形 12">
+            <a:extLst>
+              <a:ext uri="{FF2B5EF4-FFF2-40B4-BE49-F238E27FC236}">
+                <a16:creationId xmlns:a16="http://schemas.microsoft.com/office/drawing/2014/main" id="{A6FDF487-AD32-4430-B678-9598344A5BC1}"/>
+              </a:ext>
+            </a:extLst>
+          </p:cNvPr>
+          <p:cNvSpPr/>
+          <p:nvPr/>
+        </p:nvSpPr>
+        <p:spPr>
+          <a:xfrm>
+            <a:off x="3781080" y="4373689"/>
+            <a:ext cx="877164" cy="923330"/>
+          </a:xfrm>
+          <a:prstGeom prst="rect">
+            <a:avLst/>
+          </a:prstGeom>
+          <a:noFill/>
+        </p:spPr>
+        <p:txBody>
+          <a:bodyPr wrap="none" lIns="91440" tIns="45720" rIns="91440" bIns="45720">
+            <a:spAutoFit/>
+          </a:bodyPr>
+          <a:lstStyle/>
+          <a:p>
+            <a:pPr algn="ctr"/>
+            <a:r>
+              <a:rPr lang="ja-JP" altLang="en-US" sz="5400" dirty="0">
+                <a:ln w="0"/>
+                <a:solidFill>
+                  <a:schemeClr val="accent1"/>
+                </a:solidFill>
+                <a:effectLst>
+                  <a:outerShdw blurRad="38100" dist="25400" dir="5400000" algn="ctr" rotWithShape="0">
+                    <a:srgbClr val="6E747A">
+                      <a:alpha val="43000"/>
+                    </a:srgbClr>
+                  </a:outerShdw>
+                </a:effectLst>
+              </a:rPr>
+              <a:t>１</a:t>
+            </a:r>
+            <a:endParaRPr lang="ja-JP" altLang="en-US" sz="5400" b="0" cap="none" spc="0" dirty="0">
+              <a:ln w="0"/>
+              <a:solidFill>
+                <a:schemeClr val="accent1"/>
+              </a:solidFill>
+              <a:effectLst>
+                <a:outerShdw blurRad="38100" dist="25400" dir="5400000" algn="ctr" rotWithShape="0">
+                  <a:srgbClr val="6E747A">
+                    <a:alpha val="43000"/>
+                  </a:srgbClr>
+                </a:outerShdw>
+              </a:effectLst>
+            </a:endParaRPr>
+          </a:p>
+        </p:txBody>
+      </p:sp>
+      <p:sp>
+        <p:nvSpPr>
+          <p:cNvPr id="14" name="正方形/長方形 13">
+            <a:extLst>
+              <a:ext uri="{FF2B5EF4-FFF2-40B4-BE49-F238E27FC236}">
+                <a16:creationId xmlns:a16="http://schemas.microsoft.com/office/drawing/2014/main" id="{558ACB5F-FEA7-43BF-B1D2-3993244800E9}"/>
+              </a:ext>
+            </a:extLst>
+          </p:cNvPr>
+          <p:cNvSpPr/>
+          <p:nvPr/>
+        </p:nvSpPr>
+        <p:spPr>
+          <a:xfrm>
+            <a:off x="515856" y="3405268"/>
+            <a:ext cx="877164" cy="923330"/>
+          </a:xfrm>
+          <a:prstGeom prst="rect">
+            <a:avLst/>
+          </a:prstGeom>
+          <a:noFill/>
+        </p:spPr>
+        <p:txBody>
+          <a:bodyPr wrap="none" lIns="91440" tIns="45720" rIns="91440" bIns="45720">
+            <a:spAutoFit/>
+          </a:bodyPr>
+          <a:lstStyle/>
+          <a:p>
+            <a:pPr algn="ctr"/>
+            <a:r>
+              <a:rPr lang="ja-JP" altLang="en-US" sz="5400" b="0" cap="none" spc="0" dirty="0">
+                <a:ln w="0"/>
+                <a:solidFill>
+                  <a:schemeClr val="accent1"/>
+                </a:solidFill>
+                <a:effectLst>
+                  <a:outerShdw blurRad="38100" dist="25400" dir="5400000" algn="ctr" rotWithShape="0">
+                    <a:srgbClr val="6E747A">
+                      <a:alpha val="43000"/>
+                    </a:srgbClr>
+                  </a:outerShdw>
+                </a:effectLst>
+              </a:rPr>
+              <a:t>２</a:t>
+            </a:r>
+          </a:p>
+        </p:txBody>
+      </p:sp>
+      <p:sp>
+        <p:nvSpPr>
+          <p:cNvPr id="15" name="正方形/長方形 14">
+            <a:extLst>
+              <a:ext uri="{FF2B5EF4-FFF2-40B4-BE49-F238E27FC236}">
+                <a16:creationId xmlns:a16="http://schemas.microsoft.com/office/drawing/2014/main" id="{972E2919-25D1-4373-898C-4C21E85A8883}"/>
+              </a:ext>
+            </a:extLst>
+          </p:cNvPr>
+          <p:cNvSpPr/>
+          <p:nvPr/>
+        </p:nvSpPr>
+        <p:spPr>
+          <a:xfrm>
+            <a:off x="3907363" y="2468776"/>
+            <a:ext cx="877164" cy="923330"/>
+          </a:xfrm>
+          <a:prstGeom prst="rect">
+            <a:avLst/>
+          </a:prstGeom>
+          <a:noFill/>
+        </p:spPr>
+        <p:txBody>
+          <a:bodyPr wrap="none" lIns="91440" tIns="45720" rIns="91440" bIns="45720">
+            <a:spAutoFit/>
+          </a:bodyPr>
+          <a:lstStyle/>
+          <a:p>
+            <a:pPr algn="ctr"/>
+            <a:r>
+              <a:rPr lang="ja-JP" altLang="en-US" sz="5400" b="0" cap="none" spc="0" dirty="0">
+                <a:ln w="0"/>
+                <a:solidFill>
+                  <a:schemeClr val="accent1"/>
+                </a:solidFill>
+                <a:effectLst>
+                  <a:outerShdw blurRad="38100" dist="25400" dir="5400000" algn="ctr" rotWithShape="0">
+                    <a:srgbClr val="6E747A">
+                      <a:alpha val="43000"/>
+                    </a:srgbClr>
+                  </a:outerShdw>
+                </a:effectLst>
+              </a:rPr>
+              <a:t>３</a:t>
+            </a:r>
+          </a:p>
+        </p:txBody>
+      </p:sp>
+      <p:sp>
+        <p:nvSpPr>
+          <p:cNvPr id="16" name="円: 塗りつぶしなし 15">
+            <a:extLst>
+              <a:ext uri="{FF2B5EF4-FFF2-40B4-BE49-F238E27FC236}">
+                <a16:creationId xmlns:a16="http://schemas.microsoft.com/office/drawing/2014/main" id="{63B24C82-681C-4543-9E96-5986069D8FDE}"/>
+              </a:ext>
+            </a:extLst>
+          </p:cNvPr>
+          <p:cNvSpPr/>
+          <p:nvPr/>
+        </p:nvSpPr>
+        <p:spPr>
+          <a:xfrm>
+            <a:off x="9010492" y="2739321"/>
+            <a:ext cx="553673" cy="523997"/>
+          </a:xfrm>
+          <a:prstGeom prst="donut">
+            <a:avLst>
+              <a:gd name="adj" fmla="val 12192"/>
+            </a:avLst>
+          </a:prstGeom>
+        </p:spPr>
+        <p:style>
+          <a:lnRef idx="2">
+            <a:schemeClr val="accent1">
+              <a:shade val="50000"/>
+            </a:schemeClr>
+          </a:lnRef>
+          <a:fillRef idx="1">
+            <a:schemeClr val="accent1"/>
+          </a:fillRef>
+          <a:effectRef idx="0">
+            <a:schemeClr val="accent1"/>
+          </a:effectRef>
+          <a:fontRef idx="minor">
+            <a:schemeClr val="lt1"/>
+          </a:fontRef>
+        </p:style>
+        <p:txBody>
+          <a:bodyPr rtlCol="0" anchor="ctr"/>
+          <a:lstStyle/>
+          <a:p>
+            <a:pPr algn="ctr"/>
+            <a:endParaRPr kumimoji="1" lang="ja-JP" altLang="en-US">
+              <a:solidFill>
+                <a:schemeClr val="tx1"/>
+              </a:solidFill>
+            </a:endParaRPr>
+          </a:p>
+        </p:txBody>
+      </p:sp>
+      <p:sp>
+        <p:nvSpPr>
+          <p:cNvPr id="17" name="正方形/長方形 16">
+            <a:extLst>
+              <a:ext uri="{FF2B5EF4-FFF2-40B4-BE49-F238E27FC236}">
+                <a16:creationId xmlns:a16="http://schemas.microsoft.com/office/drawing/2014/main" id="{A4E7300D-F3D8-4A6D-B9FD-97F17A52769D}"/>
+              </a:ext>
+            </a:extLst>
+          </p:cNvPr>
+          <p:cNvSpPr/>
+          <p:nvPr/>
+        </p:nvSpPr>
+        <p:spPr>
+          <a:xfrm>
+            <a:off x="9583105" y="2539654"/>
+            <a:ext cx="877164" cy="923330"/>
+          </a:xfrm>
+          <a:prstGeom prst="rect">
+            <a:avLst/>
+          </a:prstGeom>
+          <a:noFill/>
+        </p:spPr>
+        <p:txBody>
+          <a:bodyPr wrap="none" lIns="91440" tIns="45720" rIns="91440" bIns="45720">
+            <a:spAutoFit/>
+          </a:bodyPr>
+          <a:lstStyle/>
+          <a:p>
+            <a:pPr algn="ctr"/>
+            <a:r>
+              <a:rPr lang="ja-JP" altLang="en-US" sz="5400" b="0" cap="none" spc="0" dirty="0">
+                <a:ln w="0"/>
+                <a:solidFill>
+                  <a:schemeClr val="accent1"/>
+                </a:solidFill>
+                <a:effectLst>
+                  <a:outerShdw blurRad="38100" dist="25400" dir="5400000" algn="ctr" rotWithShape="0">
+                    <a:srgbClr val="6E747A">
+                      <a:alpha val="43000"/>
+                    </a:srgbClr>
+                  </a:outerShdw>
+                </a:effectLst>
+              </a:rPr>
+              <a:t>４</a:t>
+            </a:r>
+          </a:p>
+        </p:txBody>
+      </p:sp>
+      <p:sp>
+        <p:nvSpPr>
+          <p:cNvPr id="18" name="正方形/長方形 17">
+            <a:extLst>
+              <a:ext uri="{FF2B5EF4-FFF2-40B4-BE49-F238E27FC236}">
+                <a16:creationId xmlns:a16="http://schemas.microsoft.com/office/drawing/2014/main" id="{4D5E2776-DB63-4B51-AE5C-6EA0C63FD844}"/>
+              </a:ext>
+            </a:extLst>
+          </p:cNvPr>
+          <p:cNvSpPr/>
+          <p:nvPr/>
+        </p:nvSpPr>
+        <p:spPr>
+          <a:xfrm>
+            <a:off x="10444294" y="4373689"/>
+            <a:ext cx="877164" cy="923330"/>
+          </a:xfrm>
+          <a:prstGeom prst="rect">
+            <a:avLst/>
+          </a:prstGeom>
+          <a:noFill/>
+        </p:spPr>
+        <p:txBody>
+          <a:bodyPr wrap="none" lIns="91440" tIns="45720" rIns="91440" bIns="45720">
+            <a:spAutoFit/>
+          </a:bodyPr>
+          <a:lstStyle/>
+          <a:p>
+            <a:pPr algn="ctr"/>
+            <a:r>
+              <a:rPr lang="ja-JP" altLang="en-US" sz="5400" b="0" cap="none" spc="0" dirty="0">
+                <a:ln w="0"/>
+                <a:solidFill>
+                  <a:schemeClr val="accent1"/>
+                </a:solidFill>
+                <a:effectLst>
+                  <a:outerShdw blurRad="38100" dist="25400" dir="5400000" algn="ctr" rotWithShape="0">
+                    <a:srgbClr val="6E747A">
+                      <a:alpha val="43000"/>
+                    </a:srgbClr>
+                  </a:outerShdw>
+                </a:effectLst>
+              </a:rPr>
+              <a:t>５</a:t>
+            </a:r>
+          </a:p>
+        </p:txBody>
+      </p:sp>
+      <p:sp>
+        <p:nvSpPr>
+          <p:cNvPr id="19" name="テキスト ボックス 18">
+            <a:extLst>
+              <a:ext uri="{FF2B5EF4-FFF2-40B4-BE49-F238E27FC236}">
+                <a16:creationId xmlns:a16="http://schemas.microsoft.com/office/drawing/2014/main" id="{39D017E5-5CDD-42C7-92F3-C8AF81ACA0C0}"/>
+              </a:ext>
+            </a:extLst>
+          </p:cNvPr>
+          <p:cNvSpPr txBox="1"/>
+          <p:nvPr/>
+        </p:nvSpPr>
+        <p:spPr>
+          <a:xfrm>
+            <a:off x="1279321" y="5186791"/>
+            <a:ext cx="7273255" cy="923330"/>
+          </a:xfrm>
+          <a:prstGeom prst="rect">
+            <a:avLst/>
+          </a:prstGeom>
+          <a:solidFill>
+            <a:schemeClr val="tx2"/>
+          </a:solidFill>
+        </p:spPr>
+        <p:txBody>
+          <a:bodyPr wrap="square" rtlCol="0">
+            <a:spAutoFit/>
+          </a:bodyPr>
+          <a:lstStyle/>
+          <a:p>
+            <a:r>
+              <a:rPr kumimoji="1" lang="ja-JP" altLang="en-US" dirty="0"/>
+              <a:t>１，ステージング</a:t>
+            </a:r>
+            <a:endParaRPr kumimoji="1" lang="en-US" altLang="ja-JP" dirty="0"/>
+          </a:p>
+          <a:p>
+            <a:r>
+              <a:rPr kumimoji="1" lang="ja-JP" altLang="en-US" dirty="0"/>
+              <a:t>２，３　コミット</a:t>
+            </a:r>
+            <a:endParaRPr kumimoji="1" lang="en-US" altLang="ja-JP" dirty="0"/>
+          </a:p>
+          <a:p>
+            <a:r>
+              <a:rPr kumimoji="1" lang="ja-JP" altLang="en-US" dirty="0"/>
+              <a:t>４，５　プッシュ</a:t>
+            </a:r>
           </a:p>
         </p:txBody>
       </p:sp>

--- a/git_using.pptx
+++ b/git_using.pptx
@@ -15772,7 +15772,7 @@
           <a:effectLst/>
           <a:extLst>
             <a:ext uri="{91240B29-F687-4f45-9708-019B960494DF}">
-              <a14:hiddenLine xmlns:a14="http://schemas.microsoft.com/office/drawing/2010/main" xmlns="" w="9525">
+              <a14:hiddenLine xmlns="" xmlns:a14="http://schemas.microsoft.com/office/drawing/2010/main" w="9525">
                 <a:solidFill>
                   <a:srgbClr val="000000"/>
                 </a:solidFill>
@@ -16119,7 +16119,7 @@
           <a:ln/>
           <a:extLst>
             <a:ext uri="{91240B29-F687-4f45-9708-019B960494DF}">
-              <a14:hiddenLine xmlns:a14="http://schemas.microsoft.com/office/drawing/2010/main" xmlns="" w="9525">
+              <a14:hiddenLine xmlns="" xmlns:a14="http://schemas.microsoft.com/office/drawing/2010/main" w="9525">
                 <a:solidFill>
                   <a:srgbClr val="000000"/>
                 </a:solidFill>
@@ -16777,7 +16777,7 @@
           <a:ln/>
           <a:extLst>
             <a:ext uri="{91240B29-F687-4f45-9708-019B960494DF}">
-              <a14:hiddenLine xmlns:a14="http://schemas.microsoft.com/office/drawing/2010/main" xmlns="" w="9525">
+              <a14:hiddenLine xmlns="" xmlns:a14="http://schemas.microsoft.com/office/drawing/2010/main" w="9525">
                 <a:solidFill>
                   <a:srgbClr val="000000"/>
                 </a:solidFill>
@@ -17180,7 +17180,7 @@
           <a:ln/>
           <a:extLst>
             <a:ext uri="{91240B29-F687-4f45-9708-019B960494DF}">
-              <a14:hiddenLine xmlns:a14="http://schemas.microsoft.com/office/drawing/2010/main" xmlns="" w="9525">
+              <a14:hiddenLine xmlns="" xmlns:a14="http://schemas.microsoft.com/office/drawing/2010/main" w="9525">
                 <a:solidFill>
                   <a:srgbClr val="000000"/>
                 </a:solidFill>
@@ -18082,7 +18082,7 @@
           <a:ln/>
           <a:extLst>
             <a:ext uri="{91240B29-F687-4f45-9708-019B960494DF}">
-              <a14:hiddenLine xmlns:a14="http://schemas.microsoft.com/office/drawing/2010/main" xmlns="" w="9525">
+              <a14:hiddenLine xmlns="" xmlns:a14="http://schemas.microsoft.com/office/drawing/2010/main" w="9525">
                 <a:solidFill>
                   <a:srgbClr val="000000"/>
                 </a:solidFill>
@@ -18511,7 +18511,7 @@
           <a:ln/>
           <a:extLst>
             <a:ext uri="{91240B29-F687-4f45-9708-019B960494DF}">
-              <a14:hiddenLine xmlns:a14="http://schemas.microsoft.com/office/drawing/2010/main" xmlns="" w="9525">
+              <a14:hiddenLine xmlns="" xmlns:a14="http://schemas.microsoft.com/office/drawing/2010/main" w="9525">
                 <a:solidFill>
                   <a:srgbClr val="000000"/>
                 </a:solidFill>
@@ -20395,7 +20395,7 @@
           <a:ln/>
           <a:extLst>
             <a:ext uri="{91240B29-F687-4f45-9708-019B960494DF}">
-              <a14:hiddenLine xmlns:a14="http://schemas.microsoft.com/office/drawing/2010/main" xmlns="" w="9525">
+              <a14:hiddenLine xmlns="" xmlns:a14="http://schemas.microsoft.com/office/drawing/2010/main" w="9525">
                 <a:solidFill>
                   <a:srgbClr val="000000"/>
                 </a:solidFill>
@@ -20702,7 +20702,7 @@
           <a:ln/>
           <a:extLst>
             <a:ext uri="{91240B29-F687-4f45-9708-019B960494DF}">
-              <a14:hiddenLine xmlns:a14="http://schemas.microsoft.com/office/drawing/2010/main" xmlns="" w="9525">
+              <a14:hiddenLine xmlns="" xmlns:a14="http://schemas.microsoft.com/office/drawing/2010/main" w="9525">
                 <a:solidFill>
                   <a:srgbClr val="000000"/>
                 </a:solidFill>
@@ -25448,6 +25448,13 @@
               </a:rPr>
               <a:t>使い方講座</a:t>
             </a:r>
+            <a:r>
+              <a:rPr kumimoji="1" lang="en-US" altLang="ja-JP" dirty="0">
+                <a:latin typeface="+mn-ea"/>
+                <a:ea typeface="+mn-ea"/>
+              </a:rPr>
+              <a:t/>
+            </a:r>
             <a:br>
               <a:rPr kumimoji="1" lang="en-US" altLang="ja-JP" dirty="0">
                 <a:latin typeface="+mn-ea"/>
@@ -25515,6 +25522,13 @@
   <p:clrMapOvr>
     <a:masterClrMapping/>
   </p:clrMapOvr>
+  <p:timing>
+    <p:tnLst>
+      <p:par>
+        <p:cTn id="1" dur="indefinite" restart="never" nodeType="tmRoot"/>
+      </p:par>
+    </p:tnLst>
+  </p:timing>
 </p:sld>
 </file>
 
@@ -25604,8 +25618,16 @@
           <a:lstStyle/>
           <a:p>
             <a:r>
+              <a:rPr kumimoji="1" lang="en-US" altLang="ja-JP" sz="2800" dirty="0" err="1" smtClean="0"/>
+              <a:t>Init</a:t>
+            </a:r>
+            <a:r>
+              <a:rPr kumimoji="1" lang="ja-JP" altLang="en-US" sz="2800" smtClean="0"/>
+              <a:t>したらローカル</a:t>
+            </a:r>
+            <a:r>
               <a:rPr kumimoji="1" lang="ja-JP" altLang="en-US" sz="2800" dirty="0"/>
-              <a:t>リモートリポジトリに登録したら、ローカルのリポジトリを変更してみましょう。</a:t>
+              <a:t>のリポジトリを変更してみましょう。</a:t>
             </a:r>
             <a:endParaRPr kumimoji="1" lang="en-US" altLang="ja-JP" sz="2800" dirty="0"/>
           </a:p>
@@ -25647,6 +25669,13 @@
   <p:clrMapOvr>
     <a:masterClrMapping/>
   </p:clrMapOvr>
+  <p:timing>
+    <p:tnLst>
+      <p:par>
+        <p:cTn id="1" dur="indefinite" restart="never" nodeType="tmRoot"/>
+      </p:par>
+    </p:tnLst>
+  </p:timing>
 </p:sld>
 </file>
 
@@ -25790,6 +25819,13 @@
   <p:clrMapOvr>
     <a:masterClrMapping/>
   </p:clrMapOvr>
+  <p:timing>
+    <p:tnLst>
+      <p:par>
+        <p:cTn id="1" dur="indefinite" restart="never" nodeType="tmRoot"/>
+      </p:par>
+    </p:tnLst>
+  </p:timing>
 </p:sld>
 </file>
 
@@ -25934,6 +25970,13 @@
   <p:clrMapOvr>
     <a:masterClrMapping/>
   </p:clrMapOvr>
+  <p:timing>
+    <p:tnLst>
+      <p:par>
+        <p:cTn id="1" dur="indefinite" restart="never" nodeType="tmRoot"/>
+      </p:par>
+    </p:tnLst>
+  </p:timing>
 </p:sld>
 </file>
 
@@ -26633,6 +26676,13 @@
   <p:clrMapOvr>
     <a:masterClrMapping/>
   </p:clrMapOvr>
+  <p:timing>
+    <p:tnLst>
+      <p:par>
+        <p:cTn id="1" dur="indefinite" restart="never" nodeType="tmRoot"/>
+      </p:par>
+    </p:tnLst>
+  </p:timing>
 </p:sld>
 </file>
 
@@ -27515,6 +27565,13 @@
   <p:clrMapOvr>
     <a:masterClrMapping/>
   </p:clrMapOvr>
+  <p:timing>
+    <p:tnLst>
+      <p:par>
+        <p:cTn id="1" dur="indefinite" restart="never" nodeType="tmRoot"/>
+      </p:par>
+    </p:tnLst>
+  </p:timing>
 </p:sld>
 </file>
 
@@ -27635,6 +27692,13 @@
   <p:clrMapOvr>
     <a:masterClrMapping/>
   </p:clrMapOvr>
+  <p:timing>
+    <p:tnLst>
+      <p:par>
+        <p:cTn id="1" dur="indefinite" restart="never" nodeType="tmRoot"/>
+      </p:par>
+    </p:tnLst>
+  </p:timing>
 </p:sld>
 </file>
 
@@ -27770,6 +27834,13 @@
   <p:clrMapOvr>
     <a:masterClrMapping/>
   </p:clrMapOvr>
+  <p:timing>
+    <p:tnLst>
+      <p:par>
+        <p:cTn id="1" dur="indefinite" restart="never" nodeType="tmRoot"/>
+      </p:par>
+    </p:tnLst>
+  </p:timing>
 </p:sld>
 </file>
 
@@ -27935,6 +28006,13 @@
   <p:clrMapOvr>
     <a:masterClrMapping/>
   </p:clrMapOvr>
+  <p:timing>
+    <p:tnLst>
+      <p:par>
+        <p:cTn id="1" dur="indefinite" restart="never" nodeType="tmRoot"/>
+      </p:par>
+    </p:tnLst>
+  </p:timing>
 </p:sld>
 </file>
 
@@ -28087,6 +28165,13 @@
   <p:clrMapOvr>
     <a:masterClrMapping/>
   </p:clrMapOvr>
+  <p:timing>
+    <p:tnLst>
+      <p:par>
+        <p:cTn id="1" dur="indefinite" restart="never" nodeType="tmRoot"/>
+      </p:par>
+    </p:tnLst>
+  </p:timing>
 </p:sld>
 </file>
 
@@ -28220,6 +28305,13 @@
   <p:clrMapOvr>
     <a:masterClrMapping/>
   </p:clrMapOvr>
+  <p:timing>
+    <p:tnLst>
+      <p:par>
+        <p:cTn id="1" dur="indefinite" restart="never" nodeType="tmRoot"/>
+      </p:par>
+    </p:tnLst>
+  </p:timing>
 </p:sld>
 </file>
 
